--- a/02_2018portfolio/00_plan/portfolio_jschoi.pptx
+++ b/02_2018portfolio/00_plan/portfolio_jschoi.pptx
@@ -253,7 +253,7 @@
           <a:p>
             <a:fld id="{3518E992-0E41-4333-8563-B1CF6B3E22C3}" type="datetimeFigureOut">
               <a:rPr lang="ko-KR" altLang="en-US" smtClean="0"/>
-              <a:t>2017-12-17</a:t>
+              <a:t>2017-12-26</a:t>
             </a:fld>
             <a:endParaRPr lang="ko-KR" altLang="en-US"/>
           </a:p>
@@ -423,7 +423,7 @@
           <a:p>
             <a:fld id="{3518E992-0E41-4333-8563-B1CF6B3E22C3}" type="datetimeFigureOut">
               <a:rPr lang="ko-KR" altLang="en-US" smtClean="0"/>
-              <a:t>2017-12-17</a:t>
+              <a:t>2017-12-26</a:t>
             </a:fld>
             <a:endParaRPr lang="ko-KR" altLang="en-US"/>
           </a:p>
@@ -603,7 +603,7 @@
           <a:p>
             <a:fld id="{3518E992-0E41-4333-8563-B1CF6B3E22C3}" type="datetimeFigureOut">
               <a:rPr lang="ko-KR" altLang="en-US" smtClean="0"/>
-              <a:t>2017-12-17</a:t>
+              <a:t>2017-12-26</a:t>
             </a:fld>
             <a:endParaRPr lang="ko-KR" altLang="en-US"/>
           </a:p>
@@ -773,7 +773,7 @@
           <a:p>
             <a:fld id="{3518E992-0E41-4333-8563-B1CF6B3E22C3}" type="datetimeFigureOut">
               <a:rPr lang="ko-KR" altLang="en-US" smtClean="0"/>
-              <a:t>2017-12-17</a:t>
+              <a:t>2017-12-26</a:t>
             </a:fld>
             <a:endParaRPr lang="ko-KR" altLang="en-US"/>
           </a:p>
@@ -1019,7 +1019,7 @@
           <a:p>
             <a:fld id="{3518E992-0E41-4333-8563-B1CF6B3E22C3}" type="datetimeFigureOut">
               <a:rPr lang="ko-KR" altLang="en-US" smtClean="0"/>
-              <a:t>2017-12-17</a:t>
+              <a:t>2017-12-26</a:t>
             </a:fld>
             <a:endParaRPr lang="ko-KR" altLang="en-US"/>
           </a:p>
@@ -1251,7 +1251,7 @@
           <a:p>
             <a:fld id="{3518E992-0E41-4333-8563-B1CF6B3E22C3}" type="datetimeFigureOut">
               <a:rPr lang="ko-KR" altLang="en-US" smtClean="0"/>
-              <a:t>2017-12-17</a:t>
+              <a:t>2017-12-26</a:t>
             </a:fld>
             <a:endParaRPr lang="ko-KR" altLang="en-US"/>
           </a:p>
@@ -1618,7 +1618,7 @@
           <a:p>
             <a:fld id="{3518E992-0E41-4333-8563-B1CF6B3E22C3}" type="datetimeFigureOut">
               <a:rPr lang="ko-KR" altLang="en-US" smtClean="0"/>
-              <a:t>2017-12-17</a:t>
+              <a:t>2017-12-26</a:t>
             </a:fld>
             <a:endParaRPr lang="ko-KR" altLang="en-US"/>
           </a:p>
@@ -1736,7 +1736,7 @@
           <a:p>
             <a:fld id="{3518E992-0E41-4333-8563-B1CF6B3E22C3}" type="datetimeFigureOut">
               <a:rPr lang="ko-KR" altLang="en-US" smtClean="0"/>
-              <a:t>2017-12-17</a:t>
+              <a:t>2017-12-26</a:t>
             </a:fld>
             <a:endParaRPr lang="ko-KR" altLang="en-US"/>
           </a:p>
@@ -1831,7 +1831,7 @@
           <a:p>
             <a:fld id="{3518E992-0E41-4333-8563-B1CF6B3E22C3}" type="datetimeFigureOut">
               <a:rPr lang="ko-KR" altLang="en-US" smtClean="0"/>
-              <a:t>2017-12-17</a:t>
+              <a:t>2017-12-26</a:t>
             </a:fld>
             <a:endParaRPr lang="ko-KR" altLang="en-US"/>
           </a:p>
@@ -2108,7 +2108,7 @@
           <a:p>
             <a:fld id="{3518E992-0E41-4333-8563-B1CF6B3E22C3}" type="datetimeFigureOut">
               <a:rPr lang="ko-KR" altLang="en-US" smtClean="0"/>
-              <a:t>2017-12-17</a:t>
+              <a:t>2017-12-26</a:t>
             </a:fld>
             <a:endParaRPr lang="ko-KR" altLang="en-US"/>
           </a:p>
@@ -2361,7 +2361,7 @@
           <a:p>
             <a:fld id="{3518E992-0E41-4333-8563-B1CF6B3E22C3}" type="datetimeFigureOut">
               <a:rPr lang="ko-KR" altLang="en-US" smtClean="0"/>
-              <a:t>2017-12-17</a:t>
+              <a:t>2017-12-26</a:t>
             </a:fld>
             <a:endParaRPr lang="ko-KR" altLang="en-US"/>
           </a:p>
@@ -2574,7 +2574,7 @@
           <a:p>
             <a:fld id="{3518E992-0E41-4333-8563-B1CF6B3E22C3}" type="datetimeFigureOut">
               <a:rPr lang="ko-KR" altLang="en-US" smtClean="0"/>
-              <a:t>2017-12-17</a:t>
+              <a:t>2017-12-26</a:t>
             </a:fld>
             <a:endParaRPr lang="ko-KR" altLang="en-US"/>
           </a:p>
@@ -3124,11 +3124,7 @@
             </a:r>
             <a:r>
               <a:rPr lang="ko-KR" altLang="en-US" dirty="0" smtClean="0"/>
-              <a:t> </a:t>
-            </a:r>
-            <a:r>
-              <a:rPr lang="ko-KR" altLang="en-US" dirty="0" smtClean="0"/>
-              <a:t>설명 및 규칙</a:t>
+              <a:t> 설명 및 규칙</a:t>
             </a:r>
             <a:endParaRPr lang="ko-KR" altLang="en-US" dirty="0"/>
           </a:p>
@@ -3172,8 +3168,8 @@
         </p:nvSpPr>
         <p:spPr>
           <a:xfrm>
-            <a:off x="412845" y="181857"/>
-            <a:ext cx="10995660" cy="5355312"/>
+            <a:off x="412844" y="181857"/>
+            <a:ext cx="11675523" cy="7532831"/>
           </a:xfrm>
           <a:prstGeom prst="rect">
             <a:avLst/>
@@ -3186,387 +3182,861 @@
           </a:bodyPr>
           <a:lstStyle/>
           <a:p>
-            <a:r>
-              <a:rPr lang="en-US" altLang="ko-KR" sz="1900" dirty="0" smtClean="0"/>
-              <a:t>HTML </a:t>
-            </a:r>
-            <a:r>
-              <a:rPr lang="ko-KR" altLang="en-US" sz="1900" dirty="0" smtClean="0"/>
-              <a:t>설정</a:t>
-            </a:r>
-            <a:endParaRPr lang="en-US" altLang="ko-KR" sz="1900" dirty="0" smtClean="0"/>
-          </a:p>
-          <a:p>
-            <a:endParaRPr lang="en-US" altLang="ko-KR" sz="1900" dirty="0" smtClean="0"/>
-          </a:p>
-          <a:p>
-            <a:r>
-              <a:rPr lang="en-US" altLang="ko-KR" sz="1900" dirty="0" smtClean="0"/>
-              <a:t>1. </a:t>
-            </a:r>
-            <a:r>
-              <a:rPr lang="ko-KR" altLang="en-US" sz="1900" dirty="0" smtClean="0"/>
-              <a:t>모든 주석은 영문으로 한다</a:t>
-            </a:r>
-            <a:r>
-              <a:rPr lang="en-US" altLang="ko-KR" sz="1900" dirty="0" smtClean="0"/>
-              <a:t>. (Sass</a:t>
-            </a:r>
-            <a:r>
-              <a:rPr lang="ko-KR" altLang="en-US" sz="1900" dirty="0" smtClean="0"/>
-              <a:t>를 </a:t>
-            </a:r>
-            <a:r>
-              <a:rPr lang="en-US" altLang="ko-KR" sz="1900" dirty="0" smtClean="0"/>
-              <a:t>CSS</a:t>
-            </a:r>
-            <a:r>
-              <a:rPr lang="ko-KR" altLang="en-US" sz="1900" dirty="0" smtClean="0"/>
-              <a:t>로 </a:t>
-            </a:r>
-            <a:r>
-              <a:rPr lang="ko-KR" altLang="en-US" sz="1900" dirty="0" err="1" smtClean="0"/>
-              <a:t>컴파일시</a:t>
-            </a:r>
-            <a:r>
-              <a:rPr lang="ko-KR" altLang="en-US" sz="1900" dirty="0" smtClean="0"/>
-              <a:t> 발생되는 오류를 </a:t>
-            </a:r>
-            <a:r>
-              <a:rPr lang="ko-KR" altLang="en-US" sz="1900" dirty="0" err="1" smtClean="0"/>
-              <a:t>최소하</a:t>
-            </a:r>
-            <a:r>
-              <a:rPr lang="ko-KR" altLang="en-US" sz="1900" dirty="0" smtClean="0"/>
-              <a:t> 하기 위해</a:t>
-            </a:r>
-            <a:r>
-              <a:rPr lang="en-US" altLang="ko-KR" sz="1900" dirty="0" smtClean="0"/>
-              <a:t>.)</a:t>
-            </a:r>
-          </a:p>
-          <a:p>
-            <a:endParaRPr lang="en-US" altLang="ko-KR" sz="1900" dirty="0"/>
-          </a:p>
-          <a:p>
-            <a:r>
-              <a:rPr lang="en-US" altLang="ko-KR" sz="1900" dirty="0" smtClean="0"/>
-              <a:t>CSS </a:t>
-            </a:r>
-            <a:r>
-              <a:rPr lang="ko-KR" altLang="en-US" sz="1900" dirty="0" smtClean="0"/>
-              <a:t>설정</a:t>
-            </a:r>
-            <a:endParaRPr lang="en-US" altLang="ko-KR" sz="1900" dirty="0" smtClean="0"/>
-          </a:p>
-          <a:p>
-            <a:endParaRPr lang="en-US" altLang="ko-KR" sz="1900" dirty="0" smtClean="0"/>
+            <a:pPr>
+              <a:lnSpc>
+                <a:spcPct val="150000"/>
+              </a:lnSpc>
+            </a:pPr>
+            <a:r>
+              <a:rPr lang="ko-KR" altLang="en-US" sz="1500" dirty="0" smtClean="0"/>
+              <a:t>파일명 설정</a:t>
+            </a:r>
+            <a:endParaRPr lang="en-US" altLang="ko-KR" sz="1500" dirty="0" smtClean="0"/>
           </a:p>
           <a:p>
             <a:pPr marL="457200" indent="-457200">
+              <a:lnSpc>
+                <a:spcPct val="150000"/>
+              </a:lnSpc>
               <a:buAutoNum type="arabicPeriod"/>
             </a:pPr>
             <a:r>
-              <a:rPr lang="en-US" altLang="ko-KR" sz="1900" dirty="0" smtClean="0"/>
-              <a:t>Sass</a:t>
-            </a:r>
-            <a:r>
-              <a:rPr lang="ko-KR" altLang="en-US" sz="1900" dirty="0" smtClean="0"/>
-              <a:t>를 사용한다</a:t>
-            </a:r>
-            <a:r>
-              <a:rPr lang="en-US" altLang="ko-KR" sz="1900" dirty="0" smtClean="0"/>
+              <a:rPr lang="ko-KR" altLang="en-US" sz="1300" dirty="0" err="1" smtClean="0"/>
+              <a:t>스네이크</a:t>
+            </a:r>
+            <a:r>
+              <a:rPr lang="ko-KR" altLang="en-US" sz="1300" dirty="0" smtClean="0"/>
+              <a:t> 표기법으로 파일을 명명한다</a:t>
+            </a:r>
+            <a:r>
+              <a:rPr lang="en-US" altLang="ko-KR" sz="1300" dirty="0" smtClean="0"/>
               <a:t>. </a:t>
             </a:r>
+            <a:r>
+              <a:rPr lang="en-US" altLang="ko-KR" sz="1300" dirty="0"/>
+              <a:t>e</a:t>
+            </a:r>
+            <a:r>
+              <a:rPr lang="en-US" altLang="ko-KR" sz="1300" dirty="0" smtClean="0"/>
+              <a:t>x) portfolio_jschoi.pptx / classname_rule.txt</a:t>
+            </a:r>
           </a:p>
           <a:p>
             <a:pPr marL="457200" indent="-457200">
+              <a:lnSpc>
+                <a:spcPct val="150000"/>
+              </a:lnSpc>
               <a:buAutoNum type="arabicPeriod"/>
             </a:pPr>
-            <a:endParaRPr lang="en-US" altLang="ko-KR" sz="1900" dirty="0"/>
+            <a:r>
+              <a:rPr lang="ko-KR" altLang="en-US" sz="1300" dirty="0" smtClean="0"/>
+              <a:t>이미지디렉토리 안 </a:t>
+            </a:r>
+            <a:r>
+              <a:rPr lang="ko-KR" altLang="en-US" sz="1300" dirty="0" err="1" smtClean="0"/>
+              <a:t>폴더명</a:t>
+            </a:r>
+            <a:r>
+              <a:rPr lang="ko-KR" altLang="en-US" sz="1300" dirty="0" smtClean="0"/>
+              <a:t> 또한 </a:t>
+            </a:r>
+            <a:r>
+              <a:rPr lang="ko-KR" altLang="en-US" sz="1300" dirty="0" err="1" smtClean="0"/>
+              <a:t>스네이크</a:t>
+            </a:r>
+            <a:r>
+              <a:rPr lang="ko-KR" altLang="en-US" sz="1300" dirty="0" smtClean="0"/>
+              <a:t> 표기법을 사용하고 해당 이미지 쓰임새에 맞게 명명한다</a:t>
+            </a:r>
+            <a:r>
+              <a:rPr lang="en-US" altLang="ko-KR" sz="1300" dirty="0" smtClean="0"/>
+              <a:t>.</a:t>
+            </a:r>
+          </a:p>
+          <a:p>
+            <a:pPr>
+              <a:lnSpc>
+                <a:spcPct val="150000"/>
+              </a:lnSpc>
+            </a:pPr>
+            <a:r>
+              <a:rPr lang="ko-KR" altLang="en-US" sz="1300" dirty="0" smtClean="0"/>
+              <a:t>큰 범위를 먼저 정의한다</a:t>
+            </a:r>
+            <a:r>
+              <a:rPr lang="en-US" altLang="ko-KR" sz="1300" dirty="0" smtClean="0"/>
+              <a:t>.  ex) sns_github.png</a:t>
+            </a:r>
+          </a:p>
+          <a:p>
+            <a:pPr>
+              <a:lnSpc>
+                <a:spcPct val="150000"/>
+              </a:lnSpc>
+            </a:pPr>
+            <a:endParaRPr lang="en-US" altLang="ko-KR" sz="1500" dirty="0" smtClean="0"/>
+          </a:p>
+          <a:p>
+            <a:pPr>
+              <a:lnSpc>
+                <a:spcPct val="150000"/>
+              </a:lnSpc>
+            </a:pPr>
+            <a:r>
+              <a:rPr lang="en-US" altLang="ko-KR" sz="1500" dirty="0" smtClean="0"/>
+              <a:t>HTML </a:t>
+            </a:r>
+            <a:r>
+              <a:rPr lang="ko-KR" altLang="en-US" sz="1500" dirty="0" smtClean="0"/>
+              <a:t>설정</a:t>
+            </a:r>
+            <a:endParaRPr lang="en-US" altLang="ko-KR" sz="1500" dirty="0" smtClean="0"/>
+          </a:p>
+          <a:p>
+            <a:pPr>
+              <a:lnSpc>
+                <a:spcPct val="150000"/>
+              </a:lnSpc>
+            </a:pPr>
+            <a:r>
+              <a:rPr lang="en-US" altLang="ko-KR" sz="1500" dirty="0" smtClean="0"/>
+              <a:t>1. </a:t>
+            </a:r>
+            <a:r>
+              <a:rPr lang="ko-KR" altLang="en-US" sz="1300" dirty="0" smtClean="0"/>
+              <a:t>모든 주석은 영문으로 한다</a:t>
+            </a:r>
+            <a:r>
+              <a:rPr lang="en-US" altLang="ko-KR" sz="1300" dirty="0" smtClean="0"/>
+              <a:t>. (Sass</a:t>
+            </a:r>
+            <a:r>
+              <a:rPr lang="ko-KR" altLang="en-US" sz="1300" dirty="0" smtClean="0"/>
+              <a:t>를 </a:t>
+            </a:r>
+            <a:r>
+              <a:rPr lang="en-US" altLang="ko-KR" sz="1300" dirty="0" smtClean="0"/>
+              <a:t>CSS</a:t>
+            </a:r>
+            <a:r>
+              <a:rPr lang="ko-KR" altLang="en-US" sz="1300" dirty="0" smtClean="0"/>
+              <a:t>로 </a:t>
+            </a:r>
+            <a:r>
+              <a:rPr lang="ko-KR" altLang="en-US" sz="1300" dirty="0" err="1" smtClean="0"/>
+              <a:t>컴파일시</a:t>
+            </a:r>
+            <a:r>
+              <a:rPr lang="ko-KR" altLang="en-US" sz="1300" dirty="0" smtClean="0"/>
+              <a:t> 발생되는 오류를 최소화 하기 위해</a:t>
+            </a:r>
+            <a:r>
+              <a:rPr lang="en-US" altLang="ko-KR" sz="1300" dirty="0" smtClean="0"/>
+              <a:t>.)</a:t>
+            </a:r>
+          </a:p>
+          <a:p>
+            <a:pPr>
+              <a:lnSpc>
+                <a:spcPct val="150000"/>
+              </a:lnSpc>
+            </a:pPr>
+            <a:endParaRPr lang="en-US" altLang="ko-KR" sz="1500" dirty="0"/>
+          </a:p>
+          <a:p>
+            <a:pPr>
+              <a:lnSpc>
+                <a:spcPct val="150000"/>
+              </a:lnSpc>
+            </a:pPr>
+            <a:r>
+              <a:rPr lang="en-US" altLang="ko-KR" sz="1500" dirty="0" smtClean="0"/>
+              <a:t>CSS </a:t>
+            </a:r>
+            <a:r>
+              <a:rPr lang="ko-KR" altLang="en-US" sz="1500" dirty="0" smtClean="0"/>
+              <a:t>설정</a:t>
+            </a:r>
+            <a:endParaRPr lang="en-US" altLang="ko-KR" sz="1500" dirty="0" smtClean="0"/>
           </a:p>
           <a:p>
             <a:pPr marL="457200" indent="-457200">
+              <a:lnSpc>
+                <a:spcPct val="150000"/>
+              </a:lnSpc>
               <a:buAutoNum type="arabicPeriod"/>
             </a:pPr>
             <a:r>
-              <a:rPr lang="en-US" altLang="ko-KR" sz="1900" dirty="0" smtClean="0"/>
+              <a:rPr lang="en-US" altLang="ko-KR" sz="1300" dirty="0" smtClean="0"/>
+              <a:t>Sass</a:t>
+            </a:r>
+            <a:r>
+              <a:rPr lang="ko-KR" altLang="en-US" sz="1300" dirty="0" smtClean="0"/>
+              <a:t>를 사용한다</a:t>
+            </a:r>
+            <a:r>
+              <a:rPr lang="en-US" altLang="ko-KR" sz="1300" dirty="0" smtClean="0"/>
+              <a:t>. </a:t>
+            </a:r>
+            <a:endParaRPr lang="en-US" altLang="ko-KR" sz="1300" dirty="0"/>
+          </a:p>
+          <a:p>
+            <a:pPr marL="457200" indent="-457200">
+              <a:lnSpc>
+                <a:spcPct val="150000"/>
+              </a:lnSpc>
+              <a:buAutoNum type="arabicPeriod"/>
+            </a:pPr>
+            <a:r>
+              <a:rPr lang="en-US" altLang="ko-KR" sz="1300" dirty="0" smtClean="0"/>
               <a:t> BEM </a:t>
             </a:r>
             <a:r>
-              <a:rPr lang="ko-KR" altLang="en-US" sz="1900" dirty="0" smtClean="0"/>
+              <a:rPr lang="ko-KR" altLang="en-US" sz="1300" dirty="0" smtClean="0"/>
               <a:t>방법론</a:t>
             </a:r>
             <a:r>
-              <a:rPr lang="en-US" altLang="ko-KR" sz="1900" dirty="0" smtClean="0"/>
+              <a:rPr lang="en-US" altLang="ko-KR" sz="1300" dirty="0" smtClean="0">
+                <a:solidFill>
+                  <a:schemeClr val="bg1">
+                    <a:lumMod val="65000"/>
+                  </a:schemeClr>
+                </a:solidFill>
+              </a:rPr>
               <a:t>(</a:t>
             </a:r>
             <a:r>
-              <a:rPr lang="ko-KR" altLang="en-US" sz="1900" dirty="0" smtClean="0"/>
+              <a:rPr lang="ko-KR" altLang="en-US" sz="1300" dirty="0" smtClean="0">
+                <a:solidFill>
+                  <a:schemeClr val="bg1">
+                    <a:lumMod val="65000"/>
+                  </a:schemeClr>
+                </a:solidFill>
+              </a:rPr>
               <a:t>다른 개발자에게 </a:t>
             </a:r>
             <a:r>
-              <a:rPr lang="ko-KR" altLang="en-US" sz="1900" dirty="0" err="1" smtClean="0"/>
+              <a:rPr lang="ko-KR" altLang="en-US" sz="1300" dirty="0" err="1" smtClean="0">
+                <a:solidFill>
+                  <a:schemeClr val="bg1">
+                    <a:lumMod val="65000"/>
+                  </a:schemeClr>
+                </a:solidFill>
+              </a:rPr>
               <a:t>마크업이</a:t>
             </a:r>
             <a:r>
-              <a:rPr lang="ko-KR" altLang="en-US" sz="1900" dirty="0" smtClean="0"/>
+              <a:rPr lang="ko-KR" altLang="en-US" sz="1300" dirty="0" smtClean="0">
+                <a:solidFill>
+                  <a:schemeClr val="bg1">
+                    <a:lumMod val="65000"/>
+                  </a:schemeClr>
+                </a:solidFill>
+              </a:rPr>
               <a:t> 그 이름만으로 무엇을 하고 있는지 </a:t>
             </a:r>
             <a:r>
-              <a:rPr lang="ko-KR" altLang="en-US" sz="1900" dirty="0" err="1" smtClean="0"/>
+              <a:rPr lang="ko-KR" altLang="en-US" sz="1300" dirty="0" err="1" smtClean="0">
+                <a:solidFill>
+                  <a:schemeClr val="bg1">
+                    <a:lumMod val="65000"/>
+                  </a:schemeClr>
+                </a:solidFill>
+              </a:rPr>
               <a:t>알려주는것</a:t>
             </a:r>
             <a:r>
-              <a:rPr lang="en-US" altLang="ko-KR" sz="1900" dirty="0" smtClean="0"/>
+              <a:rPr lang="en-US" altLang="ko-KR" sz="1300" dirty="0" smtClean="0">
+                <a:solidFill>
+                  <a:schemeClr val="bg1">
+                    <a:lumMod val="65000"/>
+                  </a:schemeClr>
+                </a:solidFill>
+              </a:rPr>
               <a:t>. </a:t>
             </a:r>
             <a:r>
-              <a:rPr lang="ko-KR" altLang="en-US" sz="1900" dirty="0" smtClean="0"/>
+              <a:rPr lang="ko-KR" altLang="en-US" sz="1300" dirty="0" smtClean="0">
+                <a:solidFill>
+                  <a:schemeClr val="bg1">
+                    <a:lumMod val="65000"/>
+                  </a:schemeClr>
+                </a:solidFill>
+              </a:rPr>
               <a:t>마치 </a:t>
             </a:r>
             <a:r>
-              <a:rPr lang="en-US" altLang="ko-KR" sz="1900" dirty="0" smtClean="0"/>
+              <a:rPr lang="en-US" altLang="ko-KR" sz="1300" dirty="0" smtClean="0">
+                <a:solidFill>
+                  <a:schemeClr val="bg1">
+                    <a:lumMod val="65000"/>
+                  </a:schemeClr>
+                </a:solidFill>
+              </a:rPr>
               <a:t>html5</a:t>
             </a:r>
             <a:r>
-              <a:rPr lang="ko-KR" altLang="en-US" sz="1900" dirty="0" smtClean="0"/>
+              <a:rPr lang="ko-KR" altLang="en-US" sz="1300" dirty="0" smtClean="0">
+                <a:solidFill>
+                  <a:schemeClr val="bg1">
+                    <a:lumMod val="65000"/>
+                  </a:schemeClr>
+                </a:solidFill>
+              </a:rPr>
               <a:t>에 </a:t>
             </a:r>
             <a:r>
-              <a:rPr lang="ko-KR" altLang="en-US" sz="1900" dirty="0" err="1" smtClean="0"/>
+              <a:rPr lang="ko-KR" altLang="en-US" sz="1300" dirty="0" err="1" smtClean="0">
+                <a:solidFill>
+                  <a:schemeClr val="bg1">
+                    <a:lumMod val="65000"/>
+                  </a:schemeClr>
+                </a:solidFill>
+              </a:rPr>
               <a:t>시멘틱태그와</a:t>
             </a:r>
             <a:r>
-              <a:rPr lang="ko-KR" altLang="en-US" sz="1900" dirty="0" smtClean="0"/>
+              <a:rPr lang="ko-KR" altLang="en-US" sz="1300" dirty="0" smtClean="0">
+                <a:solidFill>
+                  <a:schemeClr val="bg1">
+                    <a:lumMod val="65000"/>
+                  </a:schemeClr>
+                </a:solidFill>
+              </a:rPr>
               <a:t> 연관되는 방법론</a:t>
             </a:r>
             <a:r>
-              <a:rPr lang="en-US" altLang="ko-KR" sz="1900" dirty="0" smtClean="0"/>
+              <a:rPr lang="en-US" altLang="ko-KR" sz="1300" dirty="0" smtClean="0">
+                <a:solidFill>
+                  <a:schemeClr val="bg1">
+                    <a:lumMod val="65000"/>
+                  </a:schemeClr>
+                </a:solidFill>
+              </a:rPr>
               <a:t>)</a:t>
             </a:r>
             <a:r>
-              <a:rPr lang="ko-KR" altLang="en-US" sz="1900" dirty="0" smtClean="0"/>
+              <a:rPr lang="ko-KR" altLang="en-US" sz="1300" dirty="0" smtClean="0"/>
               <a:t>과 </a:t>
             </a:r>
             <a:r>
-              <a:rPr lang="en-US" altLang="ko-KR" sz="1900" dirty="0" smtClean="0"/>
+              <a:rPr lang="en-US" altLang="ko-KR" sz="1300" dirty="0" smtClean="0"/>
               <a:t>OOCSS</a:t>
             </a:r>
             <a:r>
-              <a:rPr lang="ko-KR" altLang="en-US" sz="1900" dirty="0" smtClean="0"/>
+              <a:rPr lang="ko-KR" altLang="en-US" sz="1300" dirty="0" smtClean="0"/>
               <a:t>방법론</a:t>
             </a:r>
             <a:r>
-              <a:rPr lang="en-US" altLang="ko-KR" sz="1900" dirty="0" smtClean="0"/>
+              <a:rPr lang="en-US" altLang="ko-KR" sz="1300" dirty="0" smtClean="0">
+                <a:solidFill>
+                  <a:schemeClr val="bg1">
+                    <a:lumMod val="65000"/>
+                  </a:schemeClr>
+                </a:solidFill>
+              </a:rPr>
               <a:t>(</a:t>
             </a:r>
             <a:r>
-              <a:rPr lang="ko-KR" altLang="en-US" sz="1900" dirty="0" smtClean="0"/>
+              <a:rPr lang="ko-KR" altLang="en-US" sz="1300" dirty="0" smtClean="0">
+                <a:solidFill>
+                  <a:schemeClr val="bg1">
+                    <a:lumMod val="65000"/>
+                  </a:schemeClr>
+                </a:solidFill>
+              </a:rPr>
               <a:t>미디어류의 사이트를 만들 때 유용하게 쓰인다</a:t>
             </a:r>
             <a:r>
-              <a:rPr lang="en-US" altLang="ko-KR" sz="1900" dirty="0" smtClean="0"/>
+              <a:rPr lang="en-US" altLang="ko-KR" sz="1300" dirty="0" smtClean="0">
+                <a:solidFill>
+                  <a:schemeClr val="bg1">
+                    <a:lumMod val="65000"/>
+                  </a:schemeClr>
+                </a:solidFill>
+              </a:rPr>
               <a:t>. </a:t>
             </a:r>
             <a:r>
-              <a:rPr lang="ko-KR" altLang="en-US" sz="1900" dirty="0" smtClean="0"/>
+              <a:rPr lang="ko-KR" altLang="en-US" sz="1300" dirty="0" smtClean="0">
+                <a:solidFill>
+                  <a:schemeClr val="bg1">
+                    <a:lumMod val="65000"/>
+                  </a:schemeClr>
+                </a:solidFill>
+              </a:rPr>
               <a:t>하지만</a:t>
             </a:r>
             <a:r>
-              <a:rPr lang="en-US" altLang="ko-KR" sz="1900" dirty="0" smtClean="0"/>
+              <a:rPr lang="en-US" altLang="ko-KR" sz="1300" dirty="0" smtClean="0">
+                <a:solidFill>
+                  <a:schemeClr val="bg1">
+                    <a:lumMod val="65000"/>
+                  </a:schemeClr>
+                </a:solidFill>
+              </a:rPr>
               <a:t>, </a:t>
             </a:r>
             <a:r>
-              <a:rPr lang="ko-KR" altLang="en-US" sz="1900" dirty="0" smtClean="0"/>
+              <a:rPr lang="ko-KR" altLang="en-US" sz="1300" dirty="0" smtClean="0">
+                <a:solidFill>
+                  <a:schemeClr val="bg1">
+                    <a:lumMod val="65000"/>
+                  </a:schemeClr>
+                </a:solidFill>
+              </a:rPr>
               <a:t>관계를 </a:t>
             </a:r>
             <a:r>
-              <a:rPr lang="ko-KR" altLang="en-US" sz="1900" dirty="0" err="1" smtClean="0"/>
+              <a:rPr lang="ko-KR" altLang="en-US" sz="1300" dirty="0" err="1" smtClean="0">
+                <a:solidFill>
+                  <a:schemeClr val="bg1">
+                    <a:lumMod val="65000"/>
+                  </a:schemeClr>
+                </a:solidFill>
+              </a:rPr>
               <a:t>볼때</a:t>
             </a:r>
             <a:r>
-              <a:rPr lang="ko-KR" altLang="en-US" sz="1900" dirty="0" smtClean="0"/>
+              <a:rPr lang="ko-KR" altLang="en-US" sz="1300" dirty="0" smtClean="0">
+                <a:solidFill>
+                  <a:schemeClr val="bg1">
+                    <a:lumMod val="65000"/>
+                  </a:schemeClr>
+                </a:solidFill>
+              </a:rPr>
               <a:t> 이 클래스가 어디에 속하는지는 알 수 없다</a:t>
             </a:r>
             <a:r>
-              <a:rPr lang="en-US" altLang="ko-KR" sz="1900" dirty="0" smtClean="0"/>
+              <a:rPr lang="en-US" altLang="ko-KR" sz="1300" dirty="0" smtClean="0">
+                <a:solidFill>
+                  <a:schemeClr val="bg1">
+                    <a:lumMod val="65000"/>
+                  </a:schemeClr>
+                </a:solidFill>
+              </a:rPr>
               <a:t>. </a:t>
             </a:r>
             <a:r>
-              <a:rPr lang="ko-KR" altLang="en-US" sz="1900" dirty="0" smtClean="0"/>
+              <a:rPr lang="ko-KR" altLang="en-US" sz="1300" dirty="0" smtClean="0">
+                <a:solidFill>
+                  <a:schemeClr val="bg1">
+                    <a:lumMod val="65000"/>
+                  </a:schemeClr>
+                </a:solidFill>
+              </a:rPr>
               <a:t>중복되는 스타일을 따로 빼내어 클래스를 만들어 반복적으로 사용한다</a:t>
             </a:r>
             <a:r>
-              <a:rPr lang="en-US" altLang="ko-KR" sz="1900" dirty="0" smtClean="0"/>
+              <a:rPr lang="en-US" altLang="ko-KR" sz="1300" dirty="0" smtClean="0">
+                <a:solidFill>
+                  <a:schemeClr val="bg1">
+                    <a:lumMod val="65000"/>
+                  </a:schemeClr>
+                </a:solidFill>
+              </a:rPr>
               <a:t>. </a:t>
             </a:r>
             <a:r>
-              <a:rPr lang="ko-KR" altLang="en-US" sz="1900" dirty="0" err="1" smtClean="0"/>
+              <a:rPr lang="ko-KR" altLang="en-US" sz="1300" dirty="0" err="1" smtClean="0">
+                <a:solidFill>
+                  <a:schemeClr val="bg1">
+                    <a:lumMod val="65000"/>
+                  </a:schemeClr>
+                </a:solidFill>
+              </a:rPr>
               <a:t>마크업에서</a:t>
             </a:r>
             <a:r>
-              <a:rPr lang="ko-KR" altLang="en-US" sz="1900" dirty="0" smtClean="0"/>
+              <a:rPr lang="ko-KR" altLang="en-US" sz="1300" dirty="0" smtClean="0">
+                <a:solidFill>
+                  <a:schemeClr val="bg1">
+                    <a:lumMod val="65000"/>
+                  </a:schemeClr>
+                </a:solidFill>
+              </a:rPr>
               <a:t> 동일한 클래스를 </a:t>
             </a:r>
             <a:r>
-              <a:rPr lang="ko-KR" altLang="en-US" sz="1900" dirty="0" err="1" smtClean="0"/>
+              <a:rPr lang="ko-KR" altLang="en-US" sz="1300" dirty="0" err="1" smtClean="0">
+                <a:solidFill>
+                  <a:schemeClr val="bg1">
+                    <a:lumMod val="65000"/>
+                  </a:schemeClr>
+                </a:solidFill>
+              </a:rPr>
               <a:t>여러곳에</a:t>
             </a:r>
             <a:r>
-              <a:rPr lang="ko-KR" altLang="en-US" sz="1900" dirty="0" smtClean="0"/>
+              <a:rPr lang="ko-KR" altLang="en-US" sz="1300" dirty="0" smtClean="0">
+                <a:solidFill>
+                  <a:schemeClr val="bg1">
+                    <a:lumMod val="65000"/>
+                  </a:schemeClr>
+                </a:solidFill>
+              </a:rPr>
               <a:t> 사용하므로 코드가 지저분해 지는 단점이 있다</a:t>
             </a:r>
             <a:r>
-              <a:rPr lang="en-US" altLang="ko-KR" sz="1900" dirty="0" smtClean="0"/>
-              <a:t>.__ </a:t>
-            </a:r>
-            <a:r>
-              <a:rPr lang="ko-KR" altLang="en-US" sz="1900" dirty="0" err="1" smtClean="0"/>
-              <a:t>이단점을</a:t>
-            </a:r>
-            <a:r>
-              <a:rPr lang="ko-KR" altLang="en-US" sz="1900" dirty="0" smtClean="0"/>
-              <a:t> 보완한 것이 </a:t>
-            </a:r>
-            <a:r>
-              <a:rPr lang="en-US" altLang="ko-KR" sz="1900" dirty="0" smtClean="0"/>
-              <a:t>OOCSS</a:t>
-            </a:r>
-            <a:r>
-              <a:rPr lang="ko-KR" altLang="en-US" sz="1900" dirty="0" smtClean="0"/>
-              <a:t>로</a:t>
-            </a:r>
-            <a:r>
-              <a:rPr lang="en-US" altLang="ko-KR" sz="1900" dirty="0" smtClean="0"/>
-              <a:t>, </a:t>
-            </a:r>
-            <a:r>
-              <a:rPr lang="ko-KR" altLang="en-US" sz="1900" dirty="0" err="1" smtClean="0"/>
-              <a:t>마크업의</a:t>
-            </a:r>
-            <a:r>
-              <a:rPr lang="ko-KR" altLang="en-US" sz="1900" dirty="0" smtClean="0"/>
-              <a:t> 복잡함을 </a:t>
-            </a:r>
-            <a:r>
-              <a:rPr lang="ko-KR" altLang="en-US" sz="1900" dirty="0" err="1" smtClean="0"/>
-              <a:t>프리프로세서</a:t>
-            </a:r>
-            <a:r>
-              <a:rPr lang="ko-KR" altLang="en-US" sz="1900" dirty="0" smtClean="0"/>
-              <a:t> 내에서 대신 처리한다</a:t>
-            </a:r>
-            <a:r>
-              <a:rPr lang="en-US" altLang="ko-KR" sz="1900" dirty="0" smtClean="0"/>
+              <a:rPr lang="en-US" altLang="ko-KR" sz="1300" dirty="0" smtClean="0">
+                <a:solidFill>
+                  <a:schemeClr val="bg1">
+                    <a:lumMod val="65000"/>
+                  </a:schemeClr>
+                </a:solidFill>
+              </a:rPr>
               <a:t>.)</a:t>
             </a:r>
             <a:r>
-              <a:rPr lang="ko-KR" altLang="en-US" sz="1900" dirty="0" smtClean="0"/>
+              <a:rPr lang="ko-KR" altLang="en-US" sz="1300" dirty="0" smtClean="0"/>
               <a:t>을 사용하여 스타일을 설정한다</a:t>
             </a:r>
             <a:r>
-              <a:rPr lang="en-US" altLang="ko-KR" sz="1900" dirty="0" smtClean="0"/>
+              <a:rPr lang="en-US" altLang="ko-KR" sz="1300" dirty="0" smtClean="0"/>
               <a:t>. </a:t>
             </a:r>
-            <a:endParaRPr lang="en-US" altLang="ko-KR" sz="1900" dirty="0"/>
-          </a:p>
-          <a:p>
-            <a:r>
-              <a:rPr lang="en-US" altLang="ko-KR" sz="1900" dirty="0" err="1" smtClean="0"/>
-              <a:t>Airbnb</a:t>
-            </a:r>
-            <a:r>
-              <a:rPr lang="en-US" altLang="ko-KR" sz="1900" dirty="0" smtClean="0"/>
+            <a:endParaRPr lang="en-US" altLang="ko-KR" sz="1300" dirty="0"/>
+          </a:p>
+          <a:p>
+            <a:pPr lvl="1">
+              <a:lnSpc>
+                <a:spcPct val="150000"/>
+              </a:lnSpc>
+            </a:pPr>
+            <a:r>
+              <a:rPr lang="en-US" altLang="ko-KR" sz="1300" dirty="0" smtClean="0"/>
+              <a:t>Airbnb </a:t>
+            </a:r>
+            <a:r>
+              <a:rPr lang="en-US" altLang="ko-KR" sz="1300" dirty="0" err="1" smtClean="0"/>
+              <a:t>css</a:t>
+            </a:r>
+            <a:r>
+              <a:rPr lang="ko-KR" altLang="en-US" sz="1300" dirty="0"/>
               <a:t> </a:t>
             </a:r>
             <a:r>
-              <a:rPr lang="en-US" altLang="ko-KR" sz="1900" dirty="0" err="1" smtClean="0"/>
-              <a:t>css</a:t>
-            </a:r>
-            <a:r>
-              <a:rPr lang="ko-KR" altLang="en-US" sz="1900" dirty="0" smtClean="0"/>
-              <a:t>에 착안</a:t>
-            </a:r>
-            <a:endParaRPr lang="en-US" altLang="ko-KR" sz="1900" dirty="0" smtClean="0"/>
-          </a:p>
-          <a:p>
-            <a:r>
-              <a:rPr lang="ko-KR" altLang="en-US" sz="1900" dirty="0" smtClean="0"/>
+              <a:rPr lang="ko-KR" altLang="en-US" sz="1300" dirty="0" smtClean="0"/>
               <a:t>참고 </a:t>
             </a:r>
             <a:r>
-              <a:rPr lang="en-US" altLang="ko-KR" sz="1900" dirty="0"/>
+              <a:rPr lang="en-US" altLang="ko-KR" sz="1300" dirty="0"/>
               <a:t>(</a:t>
             </a:r>
             <a:r>
-              <a:rPr lang="en-US" altLang="ko-KR" sz="1900" dirty="0">
+              <a:rPr lang="en-US" altLang="ko-KR" sz="1300" dirty="0">
                 <a:hlinkClick r:id="rId2"/>
               </a:rPr>
               <a:t>https://github.com/celinechoi/css</a:t>
             </a:r>
             <a:r>
-              <a:rPr lang="en-US" altLang="ko-KR" sz="1900" dirty="0" smtClean="0"/>
+              <a:rPr lang="en-US" altLang="ko-KR" sz="1300" dirty="0" smtClean="0"/>
               <a:t>)</a:t>
             </a:r>
           </a:p>
           <a:p>
-            <a:r>
-              <a:rPr lang="en-US" altLang="ko-KR" sz="1900" dirty="0" err="1" smtClean="0"/>
+            <a:pPr lvl="1">
+              <a:lnSpc>
+                <a:spcPct val="150000"/>
+              </a:lnSpc>
+            </a:pPr>
+            <a:r>
+              <a:rPr lang="en-US" altLang="ko-KR" sz="1300" dirty="0" smtClean="0"/>
+              <a:t>-    Tab</a:t>
+            </a:r>
+            <a:r>
+              <a:rPr lang="ko-KR" altLang="en-US" sz="1300" dirty="0" smtClean="0"/>
+              <a:t>대신 띄어쓰기 </a:t>
+            </a:r>
+            <a:r>
+              <a:rPr lang="en-US" altLang="ko-KR" sz="1300" dirty="0" smtClean="0"/>
+              <a:t>2</a:t>
+            </a:r>
+            <a:r>
+              <a:rPr lang="ko-KR" altLang="en-US" sz="1300" dirty="0" smtClean="0"/>
+              <a:t>칸을 사용한다</a:t>
+            </a:r>
+            <a:r>
+              <a:rPr lang="en-US" altLang="ko-KR" sz="1300" dirty="0" smtClean="0"/>
+              <a:t>.</a:t>
+            </a:r>
+          </a:p>
+          <a:p>
+            <a:pPr marL="742950" lvl="1" indent="-285750">
+              <a:lnSpc>
+                <a:spcPct val="150000"/>
+              </a:lnSpc>
+              <a:buFontTx/>
+              <a:buChar char="-"/>
+            </a:pPr>
+            <a:r>
+              <a:rPr lang="ko-KR" altLang="en-US" sz="1300" dirty="0" smtClean="0"/>
+              <a:t>클래스를 </a:t>
+            </a:r>
+            <a:r>
+              <a:rPr lang="ko-KR" altLang="en-US" sz="1300" dirty="0" err="1" smtClean="0"/>
+              <a:t>명명시</a:t>
+            </a:r>
+            <a:r>
+              <a:rPr lang="en-US" altLang="ko-KR" sz="1300" dirty="0" smtClean="0"/>
+              <a:t>, </a:t>
+            </a:r>
+            <a:r>
+              <a:rPr lang="ko-KR" altLang="en-US" sz="1300" dirty="0" smtClean="0"/>
+              <a:t>파스칼표기법을 사용하고 직관적이게 명명한다</a:t>
+            </a:r>
+            <a:r>
+              <a:rPr lang="en-US" altLang="ko-KR" sz="1300" dirty="0" smtClean="0"/>
+              <a:t>. </a:t>
+            </a:r>
+            <a:r>
+              <a:rPr lang="ko-KR" altLang="en-US" sz="1300" dirty="0" smtClean="0"/>
+              <a:t>또한 유지보수</a:t>
+            </a:r>
+            <a:r>
+              <a:rPr lang="en-US" altLang="ko-KR" sz="1300" dirty="0" smtClean="0"/>
+              <a:t>(represents)</a:t>
+            </a:r>
+            <a:r>
+              <a:rPr lang="ko-KR" altLang="en-US" sz="1300" dirty="0" smtClean="0"/>
+              <a:t>시</a:t>
+            </a:r>
+            <a:r>
+              <a:rPr lang="en-US" altLang="ko-KR" sz="1300" dirty="0" smtClean="0"/>
+              <a:t>, ‘--featured’</a:t>
+            </a:r>
+            <a:r>
+              <a:rPr lang="ko-KR" altLang="en-US" sz="1300" dirty="0" smtClean="0"/>
+              <a:t>를 덧붙여 클래스를 추가한다</a:t>
+            </a:r>
+            <a:r>
+              <a:rPr lang="en-US" altLang="ko-KR" sz="1300" dirty="0" smtClean="0"/>
+              <a:t>.</a:t>
+            </a:r>
+          </a:p>
+          <a:p>
+            <a:pPr marL="742950" lvl="1" indent="-285750">
+              <a:lnSpc>
+                <a:spcPct val="150000"/>
+              </a:lnSpc>
+              <a:buFontTx/>
+              <a:buChar char="-"/>
+            </a:pPr>
+            <a:r>
+              <a:rPr lang="en-US" altLang="ko-KR" sz="1300" dirty="0" smtClean="0"/>
+              <a:t>OOCSS</a:t>
+            </a:r>
+            <a:r>
+              <a:rPr lang="ko-KR" altLang="en-US" sz="1300" dirty="0" smtClean="0"/>
+              <a:t>방법론을 참고하여 공통된 스타일은 한데 묶어 하나의 </a:t>
+            </a:r>
+            <a:r>
+              <a:rPr lang="ko-KR" altLang="en-US" sz="1300" dirty="0" err="1" smtClean="0"/>
+              <a:t>클래스명을</a:t>
+            </a:r>
+            <a:r>
+              <a:rPr lang="ko-KR" altLang="en-US" sz="1300" dirty="0" smtClean="0"/>
+              <a:t> 사용한다</a:t>
+            </a:r>
+            <a:r>
+              <a:rPr lang="en-US" altLang="ko-KR" sz="1300" dirty="0" smtClean="0"/>
+              <a:t>.</a:t>
+            </a:r>
+          </a:p>
+          <a:p>
+            <a:pPr lvl="1">
+              <a:lnSpc>
+                <a:spcPct val="150000"/>
+              </a:lnSpc>
+            </a:pPr>
+            <a:r>
+              <a:rPr lang="en-US" altLang="ko-KR" sz="1300" dirty="0" err="1" smtClean="0"/>
               <a:t>Bem</a:t>
             </a:r>
             <a:r>
-              <a:rPr lang="ko-KR" altLang="en-US" sz="1900" dirty="0" smtClean="0"/>
+              <a:rPr lang="ko-KR" altLang="en-US" sz="1300" dirty="0" smtClean="0"/>
               <a:t>과 </a:t>
             </a:r>
             <a:r>
-              <a:rPr lang="en-US" altLang="ko-KR" sz="1900" dirty="0" smtClean="0"/>
+              <a:rPr lang="en-US" altLang="ko-KR" sz="1300" dirty="0" smtClean="0"/>
               <a:t>OOCSS</a:t>
             </a:r>
             <a:r>
-              <a:rPr lang="ko-KR" altLang="en-US" sz="1900" dirty="0" smtClean="0"/>
+              <a:rPr lang="ko-KR" altLang="en-US" sz="1300" dirty="0" smtClean="0"/>
               <a:t>방법론 차이 설명 참고 </a:t>
             </a:r>
             <a:r>
-              <a:rPr lang="en-US" altLang="ko-KR" sz="1900" dirty="0"/>
+              <a:rPr lang="en-US" altLang="ko-KR" sz="1300" dirty="0"/>
               <a:t>(</a:t>
             </a:r>
             <a:r>
-              <a:rPr lang="en-US" altLang="ko-KR" sz="1900" dirty="0">
+              <a:rPr lang="en-US" altLang="ko-KR" sz="1300" dirty="0">
                 <a:hlinkClick r:id="rId3"/>
               </a:rPr>
-              <a:t>https://gomdoreepooh.github.io/notes/smacss-bem-oocss</a:t>
-            </a:r>
-            <a:r>
-              <a:rPr lang="en-US" altLang="ko-KR" sz="1900" dirty="0"/>
-              <a:t>)</a:t>
-            </a:r>
-            <a:endParaRPr lang="en-US" altLang="ko-KR" sz="1900" dirty="0" smtClean="0"/>
-          </a:p>
-          <a:p>
-            <a:r>
-              <a:rPr lang="en-US" altLang="ko-KR" sz="1900" dirty="0" err="1" smtClean="0"/>
-              <a:t>Bem</a:t>
-            </a:r>
-            <a:r>
-              <a:rPr lang="ko-KR" altLang="en-US" sz="1900" dirty="0" smtClean="0"/>
-              <a:t>방법론 참고 </a:t>
-            </a:r>
-            <a:r>
-              <a:rPr lang="en-US" altLang="ko-KR" sz="1900" dirty="0"/>
-              <a:t>(</a:t>
-            </a:r>
-            <a:r>
-              <a:rPr lang="en-US" altLang="ko-KR" sz="1900" dirty="0">
+              <a:t>https://</a:t>
+            </a:r>
+            <a:r>
+              <a:rPr lang="en-US" altLang="ko-KR" sz="1300" dirty="0" smtClean="0">
+                <a:hlinkClick r:id="rId3"/>
+              </a:rPr>
+              <a:t>gomdoreepooh.github.io/notes/smacss-bem-oocss</a:t>
+            </a:r>
+            <a:r>
+              <a:rPr lang="en-US" altLang="ko-KR" sz="1300" dirty="0" smtClean="0"/>
+              <a:t> </a:t>
+            </a:r>
+            <a:r>
+              <a:rPr lang="en-US" altLang="ko-KR" sz="1300" dirty="0" smtClean="0">
                 <a:hlinkClick r:id="rId4"/>
               </a:rPr>
-              <a:t>https://css-tricks.com/bem-101/</a:t>
-            </a:r>
-            <a:r>
-              <a:rPr lang="en-US" altLang="ko-KR" sz="1900" dirty="0"/>
+              <a:t>http</a:t>
+            </a:r>
+            <a:r>
+              <a:rPr lang="en-US" altLang="ko-KR" sz="1300" dirty="0">
+                <a:hlinkClick r:id="rId4"/>
+              </a:rPr>
+              <a:t>://wit.nts-corp.com/2015/04/16/3538</a:t>
+            </a:r>
+            <a:r>
+              <a:rPr lang="en-US" altLang="ko-KR" sz="1300" dirty="0"/>
               <a:t>)</a:t>
             </a:r>
-            <a:endParaRPr lang="ko-KR" altLang="en-US" sz="1900" dirty="0"/>
+            <a:endParaRPr lang="en-US" altLang="ko-KR" sz="1300" dirty="0" smtClean="0"/>
+          </a:p>
+          <a:p>
+            <a:pPr lvl="1">
+              <a:lnSpc>
+                <a:spcPct val="150000"/>
+              </a:lnSpc>
+            </a:pPr>
+            <a:r>
+              <a:rPr lang="en-US" altLang="ko-KR" sz="1300" dirty="0" err="1" smtClean="0"/>
+              <a:t>Bem</a:t>
+            </a:r>
+            <a:r>
+              <a:rPr lang="ko-KR" altLang="en-US" sz="1300" dirty="0" smtClean="0"/>
+              <a:t>방법론 참고 </a:t>
+            </a:r>
+            <a:r>
+              <a:rPr lang="en-US" altLang="ko-KR" sz="1300" dirty="0"/>
+              <a:t>(</a:t>
+            </a:r>
+            <a:r>
+              <a:rPr lang="en-US" altLang="ko-KR" sz="1300" dirty="0">
+                <a:hlinkClick r:id="rId5"/>
+              </a:rPr>
+              <a:t>https://css-tricks.com/bem-101</a:t>
+            </a:r>
+            <a:r>
+              <a:rPr lang="en-US" altLang="ko-KR" sz="1300" dirty="0" smtClean="0">
+                <a:hlinkClick r:id="rId5"/>
+              </a:rPr>
+              <a:t>/</a:t>
+            </a:r>
+            <a:r>
+              <a:rPr lang="en-US" altLang="ko-KR" sz="1300" dirty="0" smtClean="0"/>
+              <a:t>)</a:t>
+            </a:r>
+          </a:p>
+          <a:p>
+            <a:pPr lvl="1">
+              <a:lnSpc>
+                <a:spcPct val="150000"/>
+              </a:lnSpc>
+            </a:pPr>
+            <a:r>
+              <a:rPr lang="en-US" altLang="ko-KR" sz="1300" dirty="0" smtClean="0"/>
+              <a:t>3. </a:t>
+            </a:r>
+            <a:r>
+              <a:rPr lang="en-US" altLang="ko-KR" sz="1300" dirty="0" err="1" smtClean="0"/>
+              <a:t>mixin</a:t>
+            </a:r>
+            <a:r>
+              <a:rPr lang="ko-KR" altLang="en-US" sz="1300" dirty="0" smtClean="0"/>
+              <a:t>방식과 </a:t>
+            </a:r>
+            <a:r>
+              <a:rPr lang="en-US" altLang="ko-KR" sz="1300" dirty="0" smtClean="0"/>
+              <a:t>extend</a:t>
+            </a:r>
+            <a:r>
+              <a:rPr lang="ko-KR" altLang="en-US" sz="1300" dirty="0" smtClean="0"/>
+              <a:t>방식 활용</a:t>
+            </a:r>
+            <a:r>
+              <a:rPr lang="en-US" altLang="ko-KR" sz="1300" dirty="0" smtClean="0"/>
+              <a:t>.</a:t>
+            </a:r>
+          </a:p>
+          <a:p>
+            <a:pPr lvl="1">
+              <a:lnSpc>
+                <a:spcPct val="150000"/>
+              </a:lnSpc>
+            </a:pPr>
+            <a:r>
+              <a:rPr lang="en-US" altLang="ko-KR" sz="1300" dirty="0" smtClean="0">
+                <a:hlinkClick r:id="rId4"/>
+              </a:rPr>
+              <a:t>(http</a:t>
+            </a:r>
+            <a:r>
+              <a:rPr lang="en-US" altLang="ko-KR" sz="1300" dirty="0">
+                <a:hlinkClick r:id="rId4"/>
+              </a:rPr>
+              <a:t>://</a:t>
+            </a:r>
+            <a:r>
+              <a:rPr lang="en-US" altLang="ko-KR" sz="1300" dirty="0" smtClean="0">
+                <a:hlinkClick r:id="rId4"/>
+              </a:rPr>
+              <a:t>wit.nts-corp.com/2015/04/16/3538</a:t>
+            </a:r>
+            <a:r>
+              <a:rPr lang="en-US" altLang="ko-KR" sz="1300" dirty="0" smtClean="0"/>
+              <a:t>)</a:t>
+            </a:r>
+          </a:p>
+          <a:p>
+            <a:pPr lvl="1">
+              <a:lnSpc>
+                <a:spcPct val="150000"/>
+              </a:lnSpc>
+            </a:pPr>
+            <a:r>
+              <a:rPr lang="en-US" altLang="ko-KR" sz="1300" dirty="0" err="1" smtClean="0"/>
+              <a:t>Mixin</a:t>
+            </a:r>
+            <a:r>
+              <a:rPr lang="ko-KR" altLang="en-US" sz="1300" dirty="0" smtClean="0"/>
+              <a:t>을 사용하여 컴파일 할 경우 </a:t>
+            </a:r>
+            <a:r>
+              <a:rPr lang="ko-KR" altLang="en-US" sz="1300" dirty="0" err="1" smtClean="0"/>
+              <a:t>중복코드가</a:t>
+            </a:r>
+            <a:r>
+              <a:rPr lang="ko-KR" altLang="en-US" sz="1300" dirty="0" smtClean="0"/>
+              <a:t> 발생하기 때문에 컴파일 했을 시 중복이 최소화 되는 </a:t>
+            </a:r>
+            <a:r>
+              <a:rPr lang="en-US" altLang="ko-KR" sz="1300" dirty="0" smtClean="0"/>
+              <a:t>extend</a:t>
+            </a:r>
+            <a:r>
+              <a:rPr lang="ko-KR" altLang="en-US" sz="1300" dirty="0" smtClean="0"/>
+              <a:t>방식을 활용한다</a:t>
+            </a:r>
+            <a:r>
+              <a:rPr lang="en-US" altLang="ko-KR" sz="1300" smtClean="0"/>
+              <a:t>.</a:t>
+            </a:r>
+            <a:endParaRPr lang="en-US" altLang="ko-KR" sz="1300" dirty="0" smtClean="0"/>
+          </a:p>
+          <a:p>
+            <a:pPr lvl="1"/>
+            <a:endParaRPr lang="ko-KR" altLang="en-US" sz="1700" dirty="0"/>
           </a:p>
         </p:txBody>
       </p:sp>

--- a/02_2018portfolio/00_plan/portfolio_jschoi.pptx
+++ b/02_2018portfolio/00_plan/portfolio_jschoi.pptx
@@ -6,16 +6,17 @@
   </p:sldMasterIdLst>
   <p:sldIdLst>
     <p:sldId id="256" r:id="rId2"/>
-    <p:sldId id="264" r:id="rId3"/>
-    <p:sldId id="257" r:id="rId4"/>
-    <p:sldId id="258" r:id="rId5"/>
-    <p:sldId id="259" r:id="rId6"/>
-    <p:sldId id="260" r:id="rId7"/>
-    <p:sldId id="261" r:id="rId8"/>
-    <p:sldId id="262" r:id="rId9"/>
-    <p:sldId id="263" r:id="rId10"/>
-    <p:sldId id="265" r:id="rId11"/>
-    <p:sldId id="266" r:id="rId12"/>
+    <p:sldId id="267" r:id="rId3"/>
+    <p:sldId id="264" r:id="rId4"/>
+    <p:sldId id="257" r:id="rId5"/>
+    <p:sldId id="258" r:id="rId6"/>
+    <p:sldId id="259" r:id="rId7"/>
+    <p:sldId id="260" r:id="rId8"/>
+    <p:sldId id="261" r:id="rId9"/>
+    <p:sldId id="262" r:id="rId10"/>
+    <p:sldId id="263" r:id="rId11"/>
+    <p:sldId id="265" r:id="rId12"/>
+    <p:sldId id="266" r:id="rId13"/>
   </p:sldIdLst>
   <p:sldSz cx="12192000" cy="6858000"/>
   <p:notesSz cx="6858000" cy="9144000"/>
@@ -253,7 +254,7 @@
           <a:p>
             <a:fld id="{3518E992-0E41-4333-8563-B1CF6B3E22C3}" type="datetimeFigureOut">
               <a:rPr lang="ko-KR" altLang="en-US" smtClean="0"/>
-              <a:t>2017-12-26</a:t>
+              <a:t>2017-12-30</a:t>
             </a:fld>
             <a:endParaRPr lang="ko-KR" altLang="en-US"/>
           </a:p>
@@ -423,7 +424,7 @@
           <a:p>
             <a:fld id="{3518E992-0E41-4333-8563-B1CF6B3E22C3}" type="datetimeFigureOut">
               <a:rPr lang="ko-KR" altLang="en-US" smtClean="0"/>
-              <a:t>2017-12-26</a:t>
+              <a:t>2017-12-30</a:t>
             </a:fld>
             <a:endParaRPr lang="ko-KR" altLang="en-US"/>
           </a:p>
@@ -603,7 +604,7 @@
           <a:p>
             <a:fld id="{3518E992-0E41-4333-8563-B1CF6B3E22C3}" type="datetimeFigureOut">
               <a:rPr lang="ko-KR" altLang="en-US" smtClean="0"/>
-              <a:t>2017-12-26</a:t>
+              <a:t>2017-12-30</a:t>
             </a:fld>
             <a:endParaRPr lang="ko-KR" altLang="en-US"/>
           </a:p>
@@ -773,7 +774,7 @@
           <a:p>
             <a:fld id="{3518E992-0E41-4333-8563-B1CF6B3E22C3}" type="datetimeFigureOut">
               <a:rPr lang="ko-KR" altLang="en-US" smtClean="0"/>
-              <a:t>2017-12-26</a:t>
+              <a:t>2017-12-30</a:t>
             </a:fld>
             <a:endParaRPr lang="ko-KR" altLang="en-US"/>
           </a:p>
@@ -1019,7 +1020,7 @@
           <a:p>
             <a:fld id="{3518E992-0E41-4333-8563-B1CF6B3E22C3}" type="datetimeFigureOut">
               <a:rPr lang="ko-KR" altLang="en-US" smtClean="0"/>
-              <a:t>2017-12-26</a:t>
+              <a:t>2017-12-30</a:t>
             </a:fld>
             <a:endParaRPr lang="ko-KR" altLang="en-US"/>
           </a:p>
@@ -1251,7 +1252,7 @@
           <a:p>
             <a:fld id="{3518E992-0E41-4333-8563-B1CF6B3E22C3}" type="datetimeFigureOut">
               <a:rPr lang="ko-KR" altLang="en-US" smtClean="0"/>
-              <a:t>2017-12-26</a:t>
+              <a:t>2017-12-30</a:t>
             </a:fld>
             <a:endParaRPr lang="ko-KR" altLang="en-US"/>
           </a:p>
@@ -1618,7 +1619,7 @@
           <a:p>
             <a:fld id="{3518E992-0E41-4333-8563-B1CF6B3E22C3}" type="datetimeFigureOut">
               <a:rPr lang="ko-KR" altLang="en-US" smtClean="0"/>
-              <a:t>2017-12-26</a:t>
+              <a:t>2017-12-30</a:t>
             </a:fld>
             <a:endParaRPr lang="ko-KR" altLang="en-US"/>
           </a:p>
@@ -1736,7 +1737,7 @@
           <a:p>
             <a:fld id="{3518E992-0E41-4333-8563-B1CF6B3E22C3}" type="datetimeFigureOut">
               <a:rPr lang="ko-KR" altLang="en-US" smtClean="0"/>
-              <a:t>2017-12-26</a:t>
+              <a:t>2017-12-30</a:t>
             </a:fld>
             <a:endParaRPr lang="ko-KR" altLang="en-US"/>
           </a:p>
@@ -1831,7 +1832,7 @@
           <a:p>
             <a:fld id="{3518E992-0E41-4333-8563-B1CF6B3E22C3}" type="datetimeFigureOut">
               <a:rPr lang="ko-KR" altLang="en-US" smtClean="0"/>
-              <a:t>2017-12-26</a:t>
+              <a:t>2017-12-30</a:t>
             </a:fld>
             <a:endParaRPr lang="ko-KR" altLang="en-US"/>
           </a:p>
@@ -2108,7 +2109,7 @@
           <a:p>
             <a:fld id="{3518E992-0E41-4333-8563-B1CF6B3E22C3}" type="datetimeFigureOut">
               <a:rPr lang="ko-KR" altLang="en-US" smtClean="0"/>
-              <a:t>2017-12-26</a:t>
+              <a:t>2017-12-30</a:t>
             </a:fld>
             <a:endParaRPr lang="ko-KR" altLang="en-US"/>
           </a:p>
@@ -2361,7 +2362,7 @@
           <a:p>
             <a:fld id="{3518E992-0E41-4333-8563-B1CF6B3E22C3}" type="datetimeFigureOut">
               <a:rPr lang="ko-KR" altLang="en-US" smtClean="0"/>
-              <a:t>2017-12-26</a:t>
+              <a:t>2017-12-30</a:t>
             </a:fld>
             <a:endParaRPr lang="ko-KR" altLang="en-US"/>
           </a:p>
@@ -2574,7 +2575,7 @@
           <a:p>
             <a:fld id="{3518E992-0E41-4333-8563-B1CF6B3E22C3}" type="datetimeFigureOut">
               <a:rPr lang="ko-KR" altLang="en-US" smtClean="0"/>
-              <a:t>2017-12-26</a:t>
+              <a:t>2017-12-30</a:t>
             </a:fld>
             <a:endParaRPr lang="ko-KR" altLang="en-US"/>
           </a:p>
@@ -3098,18 +3099,18 @@
       </p:grpSpPr>
       <p:sp>
         <p:nvSpPr>
-          <p:cNvPr id="2" name="제목 1"/>
+          <p:cNvPr id="4" name="제목 3"/>
           <p:cNvSpPr>
             <a:spLocks noGrp="1"/>
           </p:cNvSpPr>
           <p:nvPr>
-            <p:ph type="ctrTitle"/>
+            <p:ph type="title"/>
           </p:nvPr>
         </p:nvSpPr>
         <p:spPr>
           <a:xfrm>
-            <a:off x="1524000" y="2606039"/>
-            <a:ext cx="9144000" cy="1048117"/>
+            <a:off x="423081" y="118203"/>
+            <a:ext cx="10515600" cy="740344"/>
           </a:xfrm>
         </p:spPr>
         <p:txBody>
@@ -3119,21 +3120,274 @@
           <a:lstStyle/>
           <a:p>
             <a:r>
-              <a:rPr lang="ko-KR" altLang="en-US" dirty="0" err="1" smtClean="0"/>
-              <a:t>퍼블리싱</a:t>
+              <a:rPr lang="en-US" altLang="ko-KR" sz="2000" dirty="0" smtClean="0"/>
+              <a:t>contact(</a:t>
+            </a:r>
+            <a:r>
+              <a:rPr lang="ko-KR" altLang="en-US" sz="2000" dirty="0" err="1" smtClean="0"/>
+              <a:t>컨텐츠</a:t>
+            </a:r>
+            <a:r>
+              <a:rPr lang="en-US" altLang="ko-KR" sz="2000" dirty="0" smtClean="0"/>
+              <a:t>)</a:t>
+            </a:r>
+            <a:endParaRPr lang="ko-KR" altLang="en-US" sz="2000" dirty="0"/>
+          </a:p>
+        </p:txBody>
+      </p:sp>
+      <p:sp>
+        <p:nvSpPr>
+          <p:cNvPr id="13" name="직사각형 12"/>
+          <p:cNvSpPr/>
+          <p:nvPr/>
+        </p:nvSpPr>
+        <p:spPr>
+          <a:xfrm>
+            <a:off x="423081" y="858547"/>
+            <a:ext cx="11409528" cy="5570388"/>
+          </a:xfrm>
+          <a:prstGeom prst="rect">
+            <a:avLst/>
+          </a:prstGeom>
+        </p:spPr>
+        <p:style>
+          <a:lnRef idx="2">
+            <a:schemeClr val="accent2"/>
+          </a:lnRef>
+          <a:fillRef idx="1">
+            <a:schemeClr val="lt1"/>
+          </a:fillRef>
+          <a:effectRef idx="0">
+            <a:schemeClr val="accent2"/>
+          </a:effectRef>
+          <a:fontRef idx="minor">
+            <a:schemeClr val="dk1"/>
+          </a:fontRef>
+        </p:style>
+        <p:txBody>
+          <a:bodyPr rtlCol="0" anchor="ctr"/>
+          <a:lstStyle/>
+          <a:p>
+            <a:pPr algn="ctr"/>
+            <a:endParaRPr lang="ko-KR" altLang="en-US" dirty="0"/>
+          </a:p>
+        </p:txBody>
+      </p:sp>
+      <p:sp>
+        <p:nvSpPr>
+          <p:cNvPr id="36" name="TextBox 35"/>
+          <p:cNvSpPr txBox="1"/>
+          <p:nvPr/>
+        </p:nvSpPr>
+        <p:spPr>
+          <a:xfrm>
+            <a:off x="5632379" y="3646261"/>
+            <a:ext cx="1107996" cy="369332"/>
+          </a:xfrm>
+          <a:prstGeom prst="rect">
+            <a:avLst/>
+          </a:prstGeom>
+          <a:noFill/>
+        </p:spPr>
+        <p:txBody>
+          <a:bodyPr wrap="none" rtlCol="0">
+            <a:spAutoFit/>
+          </a:bodyPr>
+          <a:lstStyle/>
+          <a:p>
+            <a:r>
+              <a:rPr lang="ko-KR" altLang="en-US" dirty="0" smtClean="0">
+                <a:solidFill>
+                  <a:schemeClr val="bg1"/>
+                </a:solidFill>
+              </a:rPr>
+              <a:t>슬라이드</a:t>
+            </a:r>
+            <a:endParaRPr lang="ko-KR" altLang="en-US" dirty="0">
+              <a:solidFill>
+                <a:schemeClr val="bg1"/>
+              </a:solidFill>
+            </a:endParaRPr>
+          </a:p>
+        </p:txBody>
+      </p:sp>
+      <p:sp>
+        <p:nvSpPr>
+          <p:cNvPr id="2" name="직사각형 1"/>
+          <p:cNvSpPr/>
+          <p:nvPr/>
+        </p:nvSpPr>
+        <p:spPr>
+          <a:xfrm>
+            <a:off x="633046" y="4473525"/>
+            <a:ext cx="11043139" cy="1871003"/>
+          </a:xfrm>
+          <a:prstGeom prst="rect">
+            <a:avLst/>
+          </a:prstGeom>
+        </p:spPr>
+        <p:style>
+          <a:lnRef idx="2">
+            <a:schemeClr val="accent1">
+              <a:shade val="50000"/>
+            </a:schemeClr>
+          </a:lnRef>
+          <a:fillRef idx="1">
+            <a:schemeClr val="accent1"/>
+          </a:fillRef>
+          <a:effectRef idx="0">
+            <a:schemeClr val="accent1"/>
+          </a:effectRef>
+          <a:fontRef idx="minor">
+            <a:schemeClr val="lt1"/>
+          </a:fontRef>
+        </p:style>
+        <p:txBody>
+          <a:bodyPr rtlCol="0" anchor="ctr"/>
+          <a:lstStyle/>
+          <a:p>
+            <a:pPr algn="ctr"/>
+            <a:endParaRPr lang="ko-KR" altLang="en-US"/>
+          </a:p>
+        </p:txBody>
+      </p:sp>
+      <p:sp>
+        <p:nvSpPr>
+          <p:cNvPr id="25" name="TextBox 24"/>
+          <p:cNvSpPr txBox="1"/>
+          <p:nvPr/>
+        </p:nvSpPr>
+        <p:spPr>
+          <a:xfrm>
+            <a:off x="796872" y="4971193"/>
+            <a:ext cx="10661946" cy="646331"/>
+          </a:xfrm>
+          <a:prstGeom prst="rect">
+            <a:avLst/>
+          </a:prstGeom>
+          <a:noFill/>
+        </p:spPr>
+        <p:txBody>
+          <a:bodyPr wrap="square" rtlCol="0">
+            <a:spAutoFit/>
+          </a:bodyPr>
+          <a:lstStyle/>
+          <a:p>
+            <a:pPr algn="ctr"/>
+            <a:r>
+              <a:rPr lang="en-US" altLang="ko-KR" dirty="0" err="1" smtClean="0"/>
+              <a:t>s.n.s</a:t>
+            </a:r>
+            <a:endParaRPr lang="en-US" altLang="ko-KR" dirty="0" smtClean="0"/>
+          </a:p>
+          <a:p>
+            <a:pPr algn="ctr"/>
+            <a:r>
+              <a:rPr lang="en-US" altLang="ko-KR" dirty="0" err="1" smtClean="0"/>
+              <a:t>Hp</a:t>
+            </a:r>
+            <a:r>
+              <a:rPr lang="en-US" altLang="ko-KR" dirty="0" smtClean="0"/>
+              <a:t> / email</a:t>
+            </a:r>
+          </a:p>
+        </p:txBody>
+      </p:sp>
+      <p:sp>
+        <p:nvSpPr>
+          <p:cNvPr id="22" name="직사각형 21"/>
+          <p:cNvSpPr/>
+          <p:nvPr/>
+        </p:nvSpPr>
+        <p:spPr>
+          <a:xfrm>
+            <a:off x="633047" y="1186251"/>
+            <a:ext cx="11074900" cy="3057938"/>
+          </a:xfrm>
+          <a:prstGeom prst="rect">
+            <a:avLst/>
+          </a:prstGeom>
+        </p:spPr>
+        <p:style>
+          <a:lnRef idx="2">
+            <a:schemeClr val="accent3">
+              <a:shade val="50000"/>
+            </a:schemeClr>
+          </a:lnRef>
+          <a:fillRef idx="1">
+            <a:schemeClr val="accent3"/>
+          </a:fillRef>
+          <a:effectRef idx="0">
+            <a:schemeClr val="accent3"/>
+          </a:effectRef>
+          <a:fontRef idx="minor">
+            <a:schemeClr val="lt1"/>
+          </a:fontRef>
+        </p:style>
+        <p:txBody>
+          <a:bodyPr rtlCol="0" anchor="ctr"/>
+          <a:lstStyle/>
+          <a:p>
+            <a:pPr algn="ctr"/>
+            <a:endParaRPr lang="ko-KR" altLang="en-US"/>
+          </a:p>
+        </p:txBody>
+      </p:sp>
+      <p:sp>
+        <p:nvSpPr>
+          <p:cNvPr id="23" name="TextBox 22"/>
+          <p:cNvSpPr txBox="1"/>
+          <p:nvPr/>
+        </p:nvSpPr>
+        <p:spPr>
+          <a:xfrm>
+            <a:off x="633046" y="2093091"/>
+            <a:ext cx="10661946" cy="369332"/>
+          </a:xfrm>
+          <a:prstGeom prst="rect">
+            <a:avLst/>
+          </a:prstGeom>
+          <a:noFill/>
+        </p:spPr>
+        <p:txBody>
+          <a:bodyPr wrap="square" rtlCol="0">
+            <a:spAutoFit/>
+          </a:bodyPr>
+          <a:lstStyle/>
+          <a:p>
+            <a:pPr algn="ctr"/>
+            <a:r>
+              <a:rPr lang="en-US" altLang="ko-KR" dirty="0" err="1" smtClean="0"/>
+              <a:t>Svg</a:t>
             </a:r>
             <a:r>
               <a:rPr lang="ko-KR" altLang="en-US" dirty="0" smtClean="0"/>
-              <a:t> 설명 및 규칙</a:t>
-            </a:r>
-            <a:endParaRPr lang="ko-KR" altLang="en-US" dirty="0"/>
+              <a:t>로 </a:t>
+            </a:r>
+            <a:r>
+              <a:rPr lang="en-US" altLang="ko-KR" dirty="0" smtClean="0"/>
+              <a:t>‘</a:t>
+            </a:r>
+            <a:r>
+              <a:rPr lang="en-US" altLang="ko-KR" dirty="0" err="1" smtClean="0"/>
+              <a:t>JS.Choi</a:t>
+            </a:r>
+            <a:r>
+              <a:rPr lang="en-US" altLang="ko-KR" dirty="0" smtClean="0"/>
+              <a:t>’ </a:t>
+            </a:r>
+            <a:r>
+              <a:rPr lang="ko-KR" altLang="en-US" dirty="0" smtClean="0"/>
+              <a:t>그리기</a:t>
+            </a:r>
+            <a:endParaRPr lang="en-US" altLang="ko-KR" dirty="0" smtClean="0"/>
           </a:p>
         </p:txBody>
       </p:sp>
     </p:spTree>
     <p:extLst>
       <p:ext uri="{BB962C8B-B14F-4D97-AF65-F5344CB8AC3E}">
-        <p14:creationId xmlns:p14="http://schemas.microsoft.com/office/powerpoint/2010/main" val="3281513203"/>
+        <p14:creationId xmlns:p14="http://schemas.microsoft.com/office/powerpoint/2010/main" val="2379245335"/>
       </p:ext>
     </p:extLst>
   </p:cSld>
@@ -3162,6 +3416,70 @@
       </p:grpSpPr>
       <p:sp>
         <p:nvSpPr>
+          <p:cNvPr id="2" name="제목 1"/>
+          <p:cNvSpPr>
+            <a:spLocks noGrp="1"/>
+          </p:cNvSpPr>
+          <p:nvPr>
+            <p:ph type="ctrTitle"/>
+          </p:nvPr>
+        </p:nvSpPr>
+        <p:spPr>
+          <a:xfrm>
+            <a:off x="1524000" y="2606039"/>
+            <a:ext cx="9144000" cy="1048117"/>
+          </a:xfrm>
+        </p:spPr>
+        <p:txBody>
+          <a:bodyPr>
+            <a:normAutofit/>
+          </a:bodyPr>
+          <a:lstStyle/>
+          <a:p>
+            <a:r>
+              <a:rPr lang="ko-KR" altLang="en-US" dirty="0" err="1" smtClean="0"/>
+              <a:t>퍼블리싱</a:t>
+            </a:r>
+            <a:r>
+              <a:rPr lang="ko-KR" altLang="en-US" dirty="0" smtClean="0"/>
+              <a:t> 설명 및 규칙</a:t>
+            </a:r>
+            <a:endParaRPr lang="ko-KR" altLang="en-US" dirty="0"/>
+          </a:p>
+        </p:txBody>
+      </p:sp>
+    </p:spTree>
+    <p:extLst>
+      <p:ext uri="{BB962C8B-B14F-4D97-AF65-F5344CB8AC3E}">
+        <p14:creationId xmlns:p14="http://schemas.microsoft.com/office/powerpoint/2010/main" val="3281513203"/>
+      </p:ext>
+    </p:extLst>
+  </p:cSld>
+  <p:clrMapOvr>
+    <a:masterClrMapping/>
+  </p:clrMapOvr>
+</p:sld>
+</file>
+
+<file path=ppt/slides/slide12.xml><?xml version="1.0" encoding="utf-8"?>
+<p:sld xmlns:a="http://schemas.openxmlformats.org/drawingml/2006/main" xmlns:r="http://schemas.openxmlformats.org/officeDocument/2006/relationships" xmlns:p="http://schemas.openxmlformats.org/presentationml/2006/main">
+  <p:cSld>
+    <p:spTree>
+      <p:nvGrpSpPr>
+        <p:cNvPr id="1" name=""/>
+        <p:cNvGrpSpPr/>
+        <p:nvPr/>
+      </p:nvGrpSpPr>
+      <p:grpSpPr>
+        <a:xfrm>
+          <a:off x="0" y="0"/>
+          <a:ext cx="0" cy="0"/>
+          <a:chOff x="0" y="0"/>
+          <a:chExt cx="0" cy="0"/>
+        </a:xfrm>
+      </p:grpSpPr>
+      <p:sp>
+        <p:nvSpPr>
           <p:cNvPr id="4" name="TextBox 3"/>
           <p:cNvSpPr txBox="1"/>
           <p:nvPr/>
@@ -3169,7 +3487,7 @@
         <p:spPr>
           <a:xfrm>
             <a:off x="412844" y="181857"/>
-            <a:ext cx="11675523" cy="7532831"/>
+            <a:ext cx="11675523" cy="6840334"/>
           </a:xfrm>
           <a:prstGeom prst="rect">
             <a:avLst/>
@@ -3188,10 +3506,10 @@
               </a:lnSpc>
             </a:pPr>
             <a:r>
-              <a:rPr lang="ko-KR" altLang="en-US" sz="1500" dirty="0" smtClean="0"/>
+              <a:rPr lang="ko-KR" altLang="en-US" sz="1500" b="1" dirty="0" smtClean="0"/>
               <a:t>파일명 설정</a:t>
             </a:r>
-            <a:endParaRPr lang="en-US" altLang="ko-KR" sz="1500" dirty="0" smtClean="0"/>
+            <a:endParaRPr lang="en-US" altLang="ko-KR" sz="1500" b="1" dirty="0" smtClean="0"/>
           </a:p>
           <a:p>
             <a:pPr marL="457200" indent="-457200">
@@ -3265,8 +3583,13 @@
             </a:r>
             <a:r>
               <a:rPr lang="en-US" altLang="ko-KR" sz="1300" dirty="0" smtClean="0"/>
-              <a:t>.  ex) sns_github.png</a:t>
-            </a:r>
+              <a:t>.  ex) </a:t>
+            </a:r>
+            <a:r>
+              <a:rPr lang="en-US" altLang="ko-KR" sz="1300" dirty="0" smtClean="0"/>
+              <a:t>sns_github.png</a:t>
+            </a:r>
+            <a:endParaRPr lang="en-US" altLang="ko-KR" sz="1500" dirty="0" smtClean="0"/>
           </a:p>
           <a:p>
             <a:pPr>
@@ -3274,7 +3597,15 @@
                 <a:spcPct val="150000"/>
               </a:lnSpc>
             </a:pPr>
-            <a:endParaRPr lang="en-US" altLang="ko-KR" sz="1500" dirty="0" smtClean="0"/>
+            <a:r>
+              <a:rPr lang="en-US" altLang="ko-KR" sz="1500" b="1" dirty="0" smtClean="0"/>
+              <a:t>HTML </a:t>
+            </a:r>
+            <a:r>
+              <a:rPr lang="ko-KR" altLang="en-US" sz="1500" b="1" dirty="0" smtClean="0"/>
+              <a:t>설정</a:t>
+            </a:r>
+            <a:endParaRPr lang="en-US" altLang="ko-KR" sz="1500" b="1" dirty="0" smtClean="0"/>
           </a:p>
           <a:p>
             <a:pPr>
@@ -3284,13 +3615,41 @@
             </a:pPr>
             <a:r>
               <a:rPr lang="en-US" altLang="ko-KR" sz="1500" dirty="0" smtClean="0"/>
-              <a:t>HTML </a:t>
-            </a:r>
-            <a:r>
-              <a:rPr lang="ko-KR" altLang="en-US" sz="1500" dirty="0" smtClean="0"/>
-              <a:t>설정</a:t>
-            </a:r>
-            <a:endParaRPr lang="en-US" altLang="ko-KR" sz="1500" dirty="0" smtClean="0"/>
+              <a:t>1. </a:t>
+            </a:r>
+            <a:r>
+              <a:rPr lang="ko-KR" altLang="en-US" sz="1300" dirty="0" smtClean="0"/>
+              <a:t>모든 주석은 영문으로 한다</a:t>
+            </a:r>
+            <a:r>
+              <a:rPr lang="en-US" altLang="ko-KR" sz="1300" dirty="0" smtClean="0"/>
+              <a:t>. (Sass</a:t>
+            </a:r>
+            <a:r>
+              <a:rPr lang="ko-KR" altLang="en-US" sz="1300" dirty="0" smtClean="0"/>
+              <a:t>를 </a:t>
+            </a:r>
+            <a:r>
+              <a:rPr lang="en-US" altLang="ko-KR" sz="1300" dirty="0" smtClean="0"/>
+              <a:t>CSS</a:t>
+            </a:r>
+            <a:r>
+              <a:rPr lang="ko-KR" altLang="en-US" sz="1300" dirty="0" smtClean="0"/>
+              <a:t>로 </a:t>
+            </a:r>
+            <a:r>
+              <a:rPr lang="ko-KR" altLang="en-US" sz="1300" dirty="0" err="1" smtClean="0"/>
+              <a:t>컴파일시</a:t>
+            </a:r>
+            <a:r>
+              <a:rPr lang="ko-KR" altLang="en-US" sz="1300" dirty="0" smtClean="0"/>
+              <a:t> 발생되는 오류를 최소화 하기 위해</a:t>
+            </a:r>
+            <a:r>
+              <a:rPr lang="en-US" altLang="ko-KR" sz="1300" dirty="0" smtClean="0"/>
+              <a:t>.)</a:t>
+            </a:r>
+            <a:endParaRPr lang="en-US" altLang="ko-KR" sz="1500" dirty="0"/>
           </a:p>
           <a:p>
             <a:pPr>
@@ -3299,65 +3658,14 @@
               </a:lnSpc>
             </a:pPr>
             <a:r>
-              <a:rPr lang="en-US" altLang="ko-KR" sz="1500" dirty="0" smtClean="0"/>
-              <a:t>1. </a:t>
-            </a:r>
-            <a:r>
-              <a:rPr lang="ko-KR" altLang="en-US" sz="1300" dirty="0" smtClean="0"/>
-              <a:t>모든 주석은 영문으로 한다</a:t>
-            </a:r>
-            <a:r>
-              <a:rPr lang="en-US" altLang="ko-KR" sz="1300" dirty="0" smtClean="0"/>
-              <a:t>. (Sass</a:t>
-            </a:r>
-            <a:r>
-              <a:rPr lang="ko-KR" altLang="en-US" sz="1300" dirty="0" smtClean="0"/>
-              <a:t>를 </a:t>
-            </a:r>
-            <a:r>
-              <a:rPr lang="en-US" altLang="ko-KR" sz="1300" dirty="0" smtClean="0"/>
-              <a:t>CSS</a:t>
-            </a:r>
-            <a:r>
-              <a:rPr lang="ko-KR" altLang="en-US" sz="1300" dirty="0" smtClean="0"/>
-              <a:t>로 </a:t>
-            </a:r>
-            <a:r>
-              <a:rPr lang="ko-KR" altLang="en-US" sz="1300" dirty="0" err="1" smtClean="0"/>
-              <a:t>컴파일시</a:t>
-            </a:r>
-            <a:r>
-              <a:rPr lang="ko-KR" altLang="en-US" sz="1300" dirty="0" smtClean="0"/>
-              <a:t> 발생되는 오류를 최소화 하기 위해</a:t>
-            </a:r>
-            <a:r>
-              <a:rPr lang="en-US" altLang="ko-KR" sz="1300" dirty="0" smtClean="0"/>
-              <a:t>.)</a:t>
-            </a:r>
-          </a:p>
-          <a:p>
-            <a:pPr>
-              <a:lnSpc>
-                <a:spcPct val="150000"/>
-              </a:lnSpc>
-            </a:pPr>
-            <a:endParaRPr lang="en-US" altLang="ko-KR" sz="1500" dirty="0"/>
-          </a:p>
-          <a:p>
-            <a:pPr>
-              <a:lnSpc>
-                <a:spcPct val="150000"/>
-              </a:lnSpc>
-            </a:pPr>
-            <a:r>
-              <a:rPr lang="en-US" altLang="ko-KR" sz="1500" dirty="0" smtClean="0"/>
+              <a:rPr lang="en-US" altLang="ko-KR" sz="1500" b="1" dirty="0" smtClean="0"/>
               <a:t>CSS </a:t>
             </a:r>
             <a:r>
-              <a:rPr lang="ko-KR" altLang="en-US" sz="1500" dirty="0" smtClean="0"/>
+              <a:rPr lang="ko-KR" altLang="en-US" sz="1500" b="1" dirty="0" smtClean="0"/>
               <a:t>설정</a:t>
             </a:r>
-            <a:endParaRPr lang="en-US" altLang="ko-KR" sz="1500" dirty="0" smtClean="0"/>
+            <a:endParaRPr lang="en-US" altLang="ko-KR" sz="1500" b="1" dirty="0" smtClean="0"/>
           </a:p>
           <a:p>
             <a:pPr marL="457200" indent="-457200">
@@ -4029,10 +4337,9 @@
               <a:t>방식을 활용한다</a:t>
             </a:r>
             <a:r>
-              <a:rPr lang="en-US" altLang="ko-KR" sz="1300" smtClean="0"/>
+              <a:rPr lang="en-US" altLang="ko-KR" sz="1300" dirty="0" smtClean="0"/>
               <a:t>.</a:t>
             </a:r>
-            <a:endParaRPr lang="en-US" altLang="ko-KR" sz="1300" dirty="0" smtClean="0"/>
           </a:p>
           <a:p>
             <a:pPr lvl="1"/>
@@ -4082,7 +4389,7 @@
         </p:nvSpPr>
         <p:spPr>
           <a:xfrm>
-            <a:off x="1524000" y="2743199"/>
+            <a:off x="1524000" y="655091"/>
             <a:ext cx="9144000" cy="1048117"/>
           </a:xfrm>
         </p:spPr>
@@ -4094,15 +4401,61 @@
           <a:p>
             <a:r>
               <a:rPr lang="ko-KR" altLang="en-US" dirty="0" smtClean="0"/>
-              <a:t>각 페이지 </a:t>
-            </a:r>
-            <a:r>
-              <a:rPr lang="ko-KR" altLang="en-US" dirty="0" err="1" smtClean="0"/>
-              <a:t>컨텐츠</a:t>
-            </a:r>
+              <a:t>참고사이트</a:t>
+            </a:r>
+            <a:endParaRPr lang="ko-KR" altLang="en-US" dirty="0"/>
+          </a:p>
+        </p:txBody>
+      </p:sp>
+      <p:sp>
+        <p:nvSpPr>
+          <p:cNvPr id="3" name="TextBox 2"/>
+          <p:cNvSpPr txBox="1"/>
+          <p:nvPr/>
+        </p:nvSpPr>
+        <p:spPr>
+          <a:xfrm>
+            <a:off x="818866" y="2565779"/>
+            <a:ext cx="3742756" cy="923330"/>
+          </a:xfrm>
+          <a:prstGeom prst="rect">
+            <a:avLst/>
+          </a:prstGeom>
+          <a:noFill/>
+        </p:spPr>
+        <p:txBody>
+          <a:bodyPr wrap="none" rtlCol="0">
+            <a:spAutoFit/>
+          </a:bodyPr>
+          <a:lstStyle/>
+          <a:p>
             <a:r>
               <a:rPr lang="ko-KR" altLang="en-US" dirty="0" smtClean="0"/>
-              <a:t> 설정</a:t>
+              <a:t>잘된 포트폴리오 사이트 </a:t>
+            </a:r>
+            <a:endParaRPr lang="en-US" altLang="ko-KR" dirty="0" smtClean="0"/>
+          </a:p>
+          <a:p>
+            <a:r>
+              <a:rPr lang="en-US" altLang="ko-KR" dirty="0">
+                <a:hlinkClick r:id="rId2"/>
+              </a:rPr>
+              <a:t>http://www.adhamdannaway.com/</a:t>
+            </a:r>
+            <a:endParaRPr lang="en-US" altLang="ko-KR" dirty="0"/>
+          </a:p>
+          <a:p>
+            <a:r>
+              <a:rPr lang="en-US" altLang="ko-KR" dirty="0" smtClean="0">
+                <a:hlinkClick r:id="rId3"/>
+              </a:rPr>
+              <a:t>https</a:t>
+            </a:r>
+            <a:r>
+              <a:rPr lang="en-US" altLang="ko-KR" dirty="0">
+                <a:hlinkClick r:id="rId3"/>
+              </a:rPr>
+              <a:t>://nykim.net/</a:t>
             </a:r>
             <a:endParaRPr lang="ko-KR" altLang="en-US" dirty="0"/>
           </a:p>
@@ -4111,7 +4464,7 @@
     </p:spTree>
     <p:extLst>
       <p:ext uri="{BB962C8B-B14F-4D97-AF65-F5344CB8AC3E}">
-        <p14:creationId xmlns:p14="http://schemas.microsoft.com/office/powerpoint/2010/main" val="2870779694"/>
+        <p14:creationId xmlns:p14="http://schemas.microsoft.com/office/powerpoint/2010/main" val="2597906600"/>
       </p:ext>
     </p:extLst>
   </p:cSld>
@@ -4140,18 +4493,18 @@
       </p:grpSpPr>
       <p:sp>
         <p:nvSpPr>
-          <p:cNvPr id="4" name="제목 3"/>
+          <p:cNvPr id="2" name="제목 1"/>
           <p:cNvSpPr>
             <a:spLocks noGrp="1"/>
           </p:cNvSpPr>
           <p:nvPr>
-            <p:ph type="title"/>
+            <p:ph type="ctrTitle"/>
           </p:nvPr>
         </p:nvSpPr>
         <p:spPr>
           <a:xfrm>
-            <a:off x="423081" y="118203"/>
-            <a:ext cx="10515600" cy="740344"/>
+            <a:off x="1524000" y="2743199"/>
+            <a:ext cx="9144000" cy="1048117"/>
           </a:xfrm>
         </p:spPr>
         <p:txBody>
@@ -4161,685 +4514,16 @@
           <a:lstStyle/>
           <a:p>
             <a:r>
-              <a:rPr lang="ko-KR" altLang="en-US" sz="2000" dirty="0" err="1" smtClean="0"/>
-              <a:t>메인페이지</a:t>
-            </a:r>
-            <a:r>
-              <a:rPr lang="en-US" altLang="ko-KR" sz="2000" dirty="0" smtClean="0"/>
-              <a:t>, header, footer</a:t>
-            </a:r>
-            <a:endParaRPr lang="ko-KR" altLang="en-US" sz="2000" dirty="0"/>
-          </a:p>
-        </p:txBody>
-      </p:sp>
-      <p:sp>
-        <p:nvSpPr>
-          <p:cNvPr id="5" name="직사각형 4"/>
-          <p:cNvSpPr/>
-          <p:nvPr/>
-        </p:nvSpPr>
-        <p:spPr>
-          <a:xfrm>
-            <a:off x="423081" y="1173707"/>
-            <a:ext cx="11409528" cy="614148"/>
-          </a:xfrm>
-          <a:prstGeom prst="rect">
-            <a:avLst/>
-          </a:prstGeom>
-        </p:spPr>
-        <p:style>
-          <a:lnRef idx="2">
-            <a:schemeClr val="accent6"/>
-          </a:lnRef>
-          <a:fillRef idx="1">
-            <a:schemeClr val="lt1"/>
-          </a:fillRef>
-          <a:effectRef idx="0">
-            <a:schemeClr val="accent6"/>
-          </a:effectRef>
-          <a:fontRef idx="minor">
-            <a:schemeClr val="dk1"/>
-          </a:fontRef>
-        </p:style>
-        <p:txBody>
-          <a:bodyPr rtlCol="0" anchor="ctr"/>
-          <a:lstStyle/>
-          <a:p>
-            <a:pPr algn="ctr"/>
-            <a:endParaRPr lang="ko-KR" altLang="en-US" dirty="0"/>
-          </a:p>
-        </p:txBody>
-      </p:sp>
-      <p:sp>
-        <p:nvSpPr>
-          <p:cNvPr id="6" name="TextBox 5"/>
-          <p:cNvSpPr txBox="1"/>
-          <p:nvPr/>
-        </p:nvSpPr>
-        <p:spPr>
-          <a:xfrm>
-            <a:off x="423081" y="804375"/>
-            <a:ext cx="1047082" cy="369332"/>
-          </a:xfrm>
-          <a:prstGeom prst="rect">
-            <a:avLst/>
-          </a:prstGeom>
-          <a:noFill/>
-        </p:spPr>
-        <p:txBody>
-          <a:bodyPr wrap="none" rtlCol="0">
-            <a:spAutoFit/>
-          </a:bodyPr>
-          <a:lstStyle/>
-          <a:p>
-            <a:r>
-              <a:rPr lang="en-US" altLang="ko-KR" dirty="0" smtClean="0"/>
-              <a:t>(header)</a:t>
-            </a:r>
-            <a:endParaRPr lang="ko-KR" altLang="en-US" dirty="0"/>
-          </a:p>
-        </p:txBody>
-      </p:sp>
-      <p:sp>
-        <p:nvSpPr>
-          <p:cNvPr id="7" name="TextBox 6"/>
-          <p:cNvSpPr txBox="1"/>
-          <p:nvPr/>
-        </p:nvSpPr>
-        <p:spPr>
-          <a:xfrm>
-            <a:off x="618647" y="1296115"/>
-            <a:ext cx="655949" cy="369332"/>
-          </a:xfrm>
-          <a:prstGeom prst="rect">
-            <a:avLst/>
-          </a:prstGeom>
-          <a:noFill/>
-        </p:spPr>
-        <p:txBody>
-          <a:bodyPr wrap="none" rtlCol="0">
-            <a:spAutoFit/>
-          </a:bodyPr>
-          <a:lstStyle/>
-          <a:p>
-            <a:r>
-              <a:rPr lang="en-US" altLang="ko-KR" dirty="0" smtClean="0"/>
-              <a:t>logo</a:t>
-            </a:r>
-            <a:endParaRPr lang="ko-KR" altLang="en-US" dirty="0"/>
-          </a:p>
-        </p:txBody>
-      </p:sp>
-      <p:sp>
-        <p:nvSpPr>
-          <p:cNvPr id="8" name="TextBox 7"/>
-          <p:cNvSpPr txBox="1"/>
-          <p:nvPr/>
-        </p:nvSpPr>
-        <p:spPr>
-          <a:xfrm>
-            <a:off x="6086902" y="1019116"/>
-            <a:ext cx="2505109" cy="646331"/>
-          </a:xfrm>
-          <a:prstGeom prst="rect">
-            <a:avLst/>
-          </a:prstGeom>
-          <a:noFill/>
-        </p:spPr>
-        <p:txBody>
-          <a:bodyPr wrap="none" rtlCol="0">
-            <a:spAutoFit/>
-          </a:bodyPr>
-          <a:lstStyle/>
-          <a:p>
-            <a:r>
-              <a:rPr lang="en-US" altLang="ko-KR" dirty="0" err="1"/>
-              <a:t>g</a:t>
-            </a:r>
-            <a:r>
-              <a:rPr lang="en-US" altLang="ko-KR" dirty="0" err="1" smtClean="0"/>
-              <a:t>nb</a:t>
-            </a:r>
-            <a:endParaRPr lang="en-US" altLang="ko-KR" dirty="0" smtClean="0"/>
-          </a:p>
-          <a:p>
-            <a:r>
-              <a:rPr lang="en-US" altLang="ko-KR" dirty="0"/>
-              <a:t>w</a:t>
-            </a:r>
-            <a:r>
-              <a:rPr lang="en-US" altLang="ko-KR" dirty="0" smtClean="0"/>
-              <a:t>ork | about | contact</a:t>
-            </a:r>
-            <a:endParaRPr lang="ko-KR" altLang="en-US" dirty="0"/>
-          </a:p>
-        </p:txBody>
-      </p:sp>
-      <p:sp>
-        <p:nvSpPr>
-          <p:cNvPr id="9" name="직사각형 8"/>
-          <p:cNvSpPr/>
-          <p:nvPr/>
-        </p:nvSpPr>
-        <p:spPr>
-          <a:xfrm>
-            <a:off x="423081" y="6034587"/>
-            <a:ext cx="11409528" cy="614148"/>
-          </a:xfrm>
-          <a:prstGeom prst="rect">
-            <a:avLst/>
-          </a:prstGeom>
-        </p:spPr>
-        <p:style>
-          <a:lnRef idx="2">
-            <a:schemeClr val="accent6"/>
-          </a:lnRef>
-          <a:fillRef idx="1">
-            <a:schemeClr val="lt1"/>
-          </a:fillRef>
-          <a:effectRef idx="0">
-            <a:schemeClr val="accent6"/>
-          </a:effectRef>
-          <a:fontRef idx="minor">
-            <a:schemeClr val="dk1"/>
-          </a:fontRef>
-        </p:style>
-        <p:txBody>
-          <a:bodyPr rtlCol="0" anchor="ctr"/>
-          <a:lstStyle/>
-          <a:p>
-            <a:pPr algn="ctr"/>
-            <a:endParaRPr lang="ko-KR" altLang="en-US" dirty="0"/>
-          </a:p>
-        </p:txBody>
-      </p:sp>
-      <p:sp>
-        <p:nvSpPr>
-          <p:cNvPr id="10" name="TextBox 9"/>
-          <p:cNvSpPr txBox="1"/>
-          <p:nvPr/>
-        </p:nvSpPr>
-        <p:spPr>
-          <a:xfrm>
-            <a:off x="423081" y="5665255"/>
-            <a:ext cx="958596" cy="369332"/>
-          </a:xfrm>
-          <a:prstGeom prst="rect">
-            <a:avLst/>
-          </a:prstGeom>
-          <a:noFill/>
-        </p:spPr>
-        <p:txBody>
-          <a:bodyPr wrap="none" rtlCol="0">
-            <a:spAutoFit/>
-          </a:bodyPr>
-          <a:lstStyle/>
-          <a:p>
-            <a:r>
-              <a:rPr lang="en-US" altLang="ko-KR" dirty="0" smtClean="0"/>
-              <a:t>(footer)</a:t>
-            </a:r>
-            <a:endParaRPr lang="ko-KR" altLang="en-US" dirty="0"/>
-          </a:p>
-        </p:txBody>
-      </p:sp>
-      <p:sp>
-        <p:nvSpPr>
-          <p:cNvPr id="11" name="TextBox 10"/>
-          <p:cNvSpPr txBox="1"/>
-          <p:nvPr/>
-        </p:nvSpPr>
-        <p:spPr>
-          <a:xfrm>
-            <a:off x="618647" y="6156995"/>
-            <a:ext cx="1128835" cy="369332"/>
-          </a:xfrm>
-          <a:prstGeom prst="rect">
-            <a:avLst/>
-          </a:prstGeom>
-          <a:noFill/>
-        </p:spPr>
-        <p:txBody>
-          <a:bodyPr wrap="none" rtlCol="0">
-            <a:spAutoFit/>
-          </a:bodyPr>
-          <a:lstStyle/>
-          <a:p>
-            <a:r>
-              <a:rPr lang="en-US" altLang="ko-KR" dirty="0" smtClean="0"/>
-              <a:t>©</a:t>
-            </a:r>
-            <a:r>
-              <a:rPr lang="en-US" altLang="ko-KR" dirty="0" err="1" smtClean="0"/>
-              <a:t>JS.Choi</a:t>
-            </a:r>
-            <a:endParaRPr lang="ko-KR" altLang="en-US" dirty="0"/>
-          </a:p>
-        </p:txBody>
-      </p:sp>
-      <p:sp>
-        <p:nvSpPr>
-          <p:cNvPr id="12" name="TextBox 11"/>
-          <p:cNvSpPr txBox="1"/>
-          <p:nvPr/>
-        </p:nvSpPr>
-        <p:spPr>
-          <a:xfrm>
-            <a:off x="9856654" y="5879996"/>
-            <a:ext cx="1314784" cy="646331"/>
-          </a:xfrm>
-          <a:prstGeom prst="rect">
-            <a:avLst/>
-          </a:prstGeom>
-          <a:noFill/>
-        </p:spPr>
-        <p:txBody>
-          <a:bodyPr wrap="none" rtlCol="0">
-            <a:spAutoFit/>
-          </a:bodyPr>
-          <a:lstStyle/>
-          <a:p>
-            <a:pPr algn="r"/>
-            <a:r>
-              <a:rPr lang="en-US" altLang="ko-KR" dirty="0" err="1" smtClean="0"/>
-              <a:t>sns</a:t>
-            </a:r>
-            <a:endParaRPr lang="en-US" altLang="ko-KR" dirty="0" smtClean="0"/>
-          </a:p>
-          <a:p>
-            <a:pPr algn="r"/>
-            <a:r>
-              <a:rPr lang="en-US" altLang="ko-KR" dirty="0" err="1" smtClean="0"/>
-              <a:t>h.P</a:t>
-            </a:r>
-            <a:r>
-              <a:rPr lang="en-US" altLang="ko-KR" dirty="0" smtClean="0"/>
-              <a:t> / email</a:t>
-            </a:r>
-            <a:endParaRPr lang="ko-KR" altLang="en-US" dirty="0"/>
-          </a:p>
-        </p:txBody>
-      </p:sp>
-      <p:sp>
-        <p:nvSpPr>
-          <p:cNvPr id="13" name="직사각형 12"/>
-          <p:cNvSpPr/>
-          <p:nvPr/>
-        </p:nvSpPr>
-        <p:spPr>
-          <a:xfrm>
-            <a:off x="423081" y="1859880"/>
-            <a:ext cx="11409528" cy="3805376"/>
-          </a:xfrm>
-          <a:prstGeom prst="rect">
-            <a:avLst/>
-          </a:prstGeom>
-        </p:spPr>
-        <p:style>
-          <a:lnRef idx="2">
-            <a:schemeClr val="accent2"/>
-          </a:lnRef>
-          <a:fillRef idx="1">
-            <a:schemeClr val="lt1"/>
-          </a:fillRef>
-          <a:effectRef idx="0">
-            <a:schemeClr val="accent2"/>
-          </a:effectRef>
-          <a:fontRef idx="minor">
-            <a:schemeClr val="dk1"/>
-          </a:fontRef>
-        </p:style>
-        <p:txBody>
-          <a:bodyPr rtlCol="0" anchor="ctr"/>
-          <a:lstStyle/>
-          <a:p>
-            <a:pPr algn="ctr"/>
-            <a:endParaRPr lang="ko-KR" altLang="en-US"/>
-          </a:p>
-        </p:txBody>
-      </p:sp>
-      <p:sp>
-        <p:nvSpPr>
-          <p:cNvPr id="14" name="TextBox 13"/>
-          <p:cNvSpPr txBox="1"/>
-          <p:nvPr/>
-        </p:nvSpPr>
-        <p:spPr>
-          <a:xfrm>
-            <a:off x="618647" y="2103015"/>
-            <a:ext cx="2231701" cy="369332"/>
-          </a:xfrm>
-          <a:prstGeom prst="rect">
-            <a:avLst/>
-          </a:prstGeom>
-          <a:noFill/>
-        </p:spPr>
-        <p:txBody>
-          <a:bodyPr wrap="none" rtlCol="0">
-            <a:spAutoFit/>
-          </a:bodyPr>
-          <a:lstStyle/>
-          <a:p>
-            <a:r>
               <a:rPr lang="ko-KR" altLang="en-US" dirty="0" smtClean="0"/>
-              <a:t>최근 작업</a:t>
-            </a:r>
-            <a:r>
-              <a:rPr lang="en-US" altLang="ko-KR" dirty="0" smtClean="0"/>
-              <a:t>(3</a:t>
+              <a:t>각 페이지 </a:t>
+            </a:r>
+            <a:r>
+              <a:rPr lang="ko-KR" altLang="en-US" dirty="0" err="1" smtClean="0"/>
+              <a:t>컨텐츠</a:t>
             </a:r>
             <a:r>
               <a:rPr lang="ko-KR" altLang="en-US" dirty="0" smtClean="0"/>
-              <a:t>개 정도</a:t>
-            </a:r>
-            <a:r>
-              <a:rPr lang="en-US" altLang="ko-KR" dirty="0" smtClean="0"/>
-              <a:t>)</a:t>
-            </a:r>
-            <a:endParaRPr lang="ko-KR" altLang="en-US" dirty="0"/>
-          </a:p>
-        </p:txBody>
-      </p:sp>
-      <p:sp>
-        <p:nvSpPr>
-          <p:cNvPr id="18" name="직사각형 17"/>
-          <p:cNvSpPr/>
-          <p:nvPr/>
-        </p:nvSpPr>
-        <p:spPr>
-          <a:xfrm>
-            <a:off x="762203" y="2472347"/>
-            <a:ext cx="10731284" cy="2488370"/>
-          </a:xfrm>
-          <a:prstGeom prst="rect">
-            <a:avLst/>
-          </a:prstGeom>
-          <a:solidFill>
-            <a:schemeClr val="accent3">
-              <a:alpha val="48000"/>
-            </a:schemeClr>
-          </a:solidFill>
-        </p:spPr>
-        <p:style>
-          <a:lnRef idx="2">
-            <a:schemeClr val="accent3">
-              <a:shade val="50000"/>
-            </a:schemeClr>
-          </a:lnRef>
-          <a:fillRef idx="1">
-            <a:schemeClr val="accent3"/>
-          </a:fillRef>
-          <a:effectRef idx="0">
-            <a:schemeClr val="accent3"/>
-          </a:effectRef>
-          <a:fontRef idx="minor">
-            <a:schemeClr val="lt1"/>
-          </a:fontRef>
-        </p:style>
-        <p:txBody>
-          <a:bodyPr rtlCol="0" anchor="ctr"/>
-          <a:lstStyle/>
-          <a:p>
-            <a:pPr algn="ctr"/>
-            <a:endParaRPr lang="ko-KR" altLang="en-US"/>
-          </a:p>
-        </p:txBody>
-      </p:sp>
-      <p:sp>
-        <p:nvSpPr>
-          <p:cNvPr id="15" name="TextBox 14"/>
-          <p:cNvSpPr txBox="1"/>
-          <p:nvPr/>
-        </p:nvSpPr>
-        <p:spPr>
-          <a:xfrm>
-            <a:off x="4565030" y="3415114"/>
-            <a:ext cx="3199915" cy="446892"/>
-          </a:xfrm>
-          <a:prstGeom prst="rect">
-            <a:avLst/>
-          </a:prstGeom>
-          <a:noFill/>
-        </p:spPr>
-        <p:txBody>
-          <a:bodyPr wrap="none" rtlCol="0">
-            <a:spAutoFit/>
-          </a:bodyPr>
-          <a:lstStyle/>
-          <a:p>
-            <a:r>
-              <a:rPr lang="ko-KR" altLang="en-US" dirty="0" smtClean="0"/>
-              <a:t>대표 메인 페이지로 슬라이드</a:t>
-            </a:r>
-            <a:endParaRPr lang="ko-KR" altLang="en-US" dirty="0"/>
-          </a:p>
-        </p:txBody>
-      </p:sp>
-      <p:sp>
-        <p:nvSpPr>
-          <p:cNvPr id="16" name="이등변 삼각형 15"/>
-          <p:cNvSpPr/>
-          <p:nvPr/>
-        </p:nvSpPr>
-        <p:spPr>
-          <a:xfrm rot="16200000">
-            <a:off x="761955" y="3418701"/>
-            <a:ext cx="369333" cy="318390"/>
-          </a:xfrm>
-          <a:prstGeom prst="triangle">
-            <a:avLst/>
-          </a:prstGeom>
-        </p:spPr>
-        <p:style>
-          <a:lnRef idx="2">
-            <a:schemeClr val="dk1">
-              <a:shade val="50000"/>
-            </a:schemeClr>
-          </a:lnRef>
-          <a:fillRef idx="1">
-            <a:schemeClr val="dk1"/>
-          </a:fillRef>
-          <a:effectRef idx="0">
-            <a:schemeClr val="dk1"/>
-          </a:effectRef>
-          <a:fontRef idx="minor">
-            <a:schemeClr val="lt1"/>
-          </a:fontRef>
-        </p:style>
-        <p:txBody>
-          <a:bodyPr rtlCol="0" anchor="ctr"/>
-          <a:lstStyle/>
-          <a:p>
-            <a:pPr algn="ctr"/>
-            <a:endParaRPr lang="ko-KR" altLang="en-US"/>
-          </a:p>
-        </p:txBody>
-      </p:sp>
-      <p:sp>
-        <p:nvSpPr>
-          <p:cNvPr id="17" name="이등변 삼각형 16"/>
-          <p:cNvSpPr/>
-          <p:nvPr/>
-        </p:nvSpPr>
-        <p:spPr>
-          <a:xfrm rot="5400000">
-            <a:off x="11039492" y="3437156"/>
-            <a:ext cx="369333" cy="318390"/>
-          </a:xfrm>
-          <a:prstGeom prst="triangle">
-            <a:avLst/>
-          </a:prstGeom>
-        </p:spPr>
-        <p:style>
-          <a:lnRef idx="2">
-            <a:schemeClr val="dk1">
-              <a:shade val="50000"/>
-            </a:schemeClr>
-          </a:lnRef>
-          <a:fillRef idx="1">
-            <a:schemeClr val="dk1"/>
-          </a:fillRef>
-          <a:effectRef idx="0">
-            <a:schemeClr val="dk1"/>
-          </a:effectRef>
-          <a:fontRef idx="minor">
-            <a:schemeClr val="lt1"/>
-          </a:fontRef>
-        </p:style>
-        <p:txBody>
-          <a:bodyPr rtlCol="0" anchor="ctr"/>
-          <a:lstStyle/>
-          <a:p>
-            <a:pPr algn="ctr"/>
-            <a:endParaRPr lang="ko-KR" altLang="en-US"/>
-          </a:p>
-        </p:txBody>
-      </p:sp>
-      <p:sp>
-        <p:nvSpPr>
-          <p:cNvPr id="19" name="타원 18"/>
-          <p:cNvSpPr/>
-          <p:nvPr/>
-        </p:nvSpPr>
-        <p:spPr>
-          <a:xfrm>
-            <a:off x="5852156" y="5083125"/>
-            <a:ext cx="98474" cy="98474"/>
-          </a:xfrm>
-          <a:prstGeom prst="ellipse">
-            <a:avLst/>
-          </a:prstGeom>
-        </p:spPr>
-        <p:style>
-          <a:lnRef idx="2">
-            <a:schemeClr val="accent1">
-              <a:shade val="50000"/>
-            </a:schemeClr>
-          </a:lnRef>
-          <a:fillRef idx="1">
-            <a:schemeClr val="accent1"/>
-          </a:fillRef>
-          <a:effectRef idx="0">
-            <a:schemeClr val="accent1"/>
-          </a:effectRef>
-          <a:fontRef idx="minor">
-            <a:schemeClr val="lt1"/>
-          </a:fontRef>
-        </p:style>
-        <p:txBody>
-          <a:bodyPr rtlCol="0" anchor="ctr"/>
-          <a:lstStyle/>
-          <a:p>
-            <a:pPr algn="ctr"/>
-            <a:endParaRPr lang="ko-KR" altLang="en-US"/>
-          </a:p>
-        </p:txBody>
-      </p:sp>
-      <p:sp>
-        <p:nvSpPr>
-          <p:cNvPr id="20" name="타원 19"/>
-          <p:cNvSpPr/>
-          <p:nvPr/>
-        </p:nvSpPr>
-        <p:spPr>
-          <a:xfrm>
-            <a:off x="6088963" y="5083125"/>
-            <a:ext cx="98474" cy="98474"/>
-          </a:xfrm>
-          <a:prstGeom prst="ellipse">
-            <a:avLst/>
-          </a:prstGeom>
-        </p:spPr>
-        <p:style>
-          <a:lnRef idx="2">
-            <a:schemeClr val="accent1">
-              <a:shade val="50000"/>
-            </a:schemeClr>
-          </a:lnRef>
-          <a:fillRef idx="1">
-            <a:schemeClr val="accent1"/>
-          </a:fillRef>
-          <a:effectRef idx="0">
-            <a:schemeClr val="accent1"/>
-          </a:effectRef>
-          <a:fontRef idx="minor">
-            <a:schemeClr val="lt1"/>
-          </a:fontRef>
-        </p:style>
-        <p:txBody>
-          <a:bodyPr rtlCol="0" anchor="ctr"/>
-          <a:lstStyle/>
-          <a:p>
-            <a:pPr algn="ctr"/>
-            <a:endParaRPr lang="ko-KR" altLang="en-US"/>
-          </a:p>
-        </p:txBody>
-      </p:sp>
-      <p:sp>
-        <p:nvSpPr>
-          <p:cNvPr id="21" name="타원 20"/>
-          <p:cNvSpPr/>
-          <p:nvPr/>
-        </p:nvSpPr>
-        <p:spPr>
-          <a:xfrm>
-            <a:off x="6342188" y="5083125"/>
-            <a:ext cx="98474" cy="98474"/>
-          </a:xfrm>
-          <a:prstGeom prst="ellipse">
-            <a:avLst/>
-          </a:prstGeom>
-        </p:spPr>
-        <p:style>
-          <a:lnRef idx="2">
-            <a:schemeClr val="accent1">
-              <a:shade val="50000"/>
-            </a:schemeClr>
-          </a:lnRef>
-          <a:fillRef idx="1">
-            <a:schemeClr val="accent1"/>
-          </a:fillRef>
-          <a:effectRef idx="0">
-            <a:schemeClr val="accent1"/>
-          </a:effectRef>
-          <a:fontRef idx="minor">
-            <a:schemeClr val="lt1"/>
-          </a:fontRef>
-        </p:style>
-        <p:txBody>
-          <a:bodyPr rtlCol="0" anchor="ctr"/>
-          <a:lstStyle/>
-          <a:p>
-            <a:pPr algn="ctr"/>
-            <a:endParaRPr lang="ko-KR" altLang="en-US"/>
-          </a:p>
-        </p:txBody>
-      </p:sp>
-      <p:sp>
-        <p:nvSpPr>
-          <p:cNvPr id="22" name="TextBox 21"/>
-          <p:cNvSpPr txBox="1"/>
-          <p:nvPr/>
-        </p:nvSpPr>
-        <p:spPr>
-          <a:xfrm>
-            <a:off x="5489497" y="6156995"/>
-            <a:ext cx="1276696" cy="369332"/>
-          </a:xfrm>
-          <a:prstGeom prst="rect">
-            <a:avLst/>
-          </a:prstGeom>
-          <a:noFill/>
-        </p:spPr>
-        <p:txBody>
-          <a:bodyPr wrap="none" rtlCol="0">
-            <a:spAutoFit/>
-          </a:bodyPr>
-          <a:lstStyle/>
-          <a:p>
-            <a:r>
-              <a:rPr lang="en-US" altLang="ko-KR" dirty="0" smtClean="0"/>
-              <a:t>Thank you</a:t>
+              <a:t> 설정</a:t>
             </a:r>
             <a:endParaRPr lang="ko-KR" altLang="en-US" dirty="0"/>
           </a:p>
@@ -4848,7 +4532,7 @@
     </p:spTree>
     <p:extLst>
       <p:ext uri="{BB962C8B-B14F-4D97-AF65-F5344CB8AC3E}">
-        <p14:creationId xmlns:p14="http://schemas.microsoft.com/office/powerpoint/2010/main" val="3694688878"/>
+        <p14:creationId xmlns:p14="http://schemas.microsoft.com/office/powerpoint/2010/main" val="2870779694"/>
       </p:ext>
     </p:extLst>
   </p:cSld>
@@ -4898,18 +4582,302 @@
           <a:lstStyle/>
           <a:p>
             <a:r>
+              <a:rPr lang="ko-KR" altLang="en-US" sz="2000" dirty="0" err="1" smtClean="0"/>
+              <a:t>메인페이지</a:t>
+            </a:r>
+            <a:r>
               <a:rPr lang="en-US" altLang="ko-KR" sz="2000" dirty="0" smtClean="0"/>
-              <a:t>work(</a:t>
-            </a:r>
-            <a:r>
-              <a:rPr lang="ko-KR" altLang="en-US" sz="2000" dirty="0" err="1" smtClean="0"/>
-              <a:t>컨텐츠</a:t>
-            </a:r>
-            <a:r>
-              <a:rPr lang="en-US" altLang="ko-KR" sz="2000" dirty="0" smtClean="0"/>
-              <a:t>)</a:t>
+              <a:t>, header, footer</a:t>
             </a:r>
             <a:endParaRPr lang="ko-KR" altLang="en-US" sz="2000" dirty="0"/>
+          </a:p>
+        </p:txBody>
+      </p:sp>
+      <p:sp>
+        <p:nvSpPr>
+          <p:cNvPr id="5" name="직사각형 4"/>
+          <p:cNvSpPr/>
+          <p:nvPr/>
+        </p:nvSpPr>
+        <p:spPr>
+          <a:xfrm>
+            <a:off x="423081" y="1173707"/>
+            <a:ext cx="11409528" cy="614148"/>
+          </a:xfrm>
+          <a:prstGeom prst="rect">
+            <a:avLst/>
+          </a:prstGeom>
+        </p:spPr>
+        <p:style>
+          <a:lnRef idx="2">
+            <a:schemeClr val="accent6"/>
+          </a:lnRef>
+          <a:fillRef idx="1">
+            <a:schemeClr val="lt1"/>
+          </a:fillRef>
+          <a:effectRef idx="0">
+            <a:schemeClr val="accent6"/>
+          </a:effectRef>
+          <a:fontRef idx="minor">
+            <a:schemeClr val="dk1"/>
+          </a:fontRef>
+        </p:style>
+        <p:txBody>
+          <a:bodyPr rtlCol="0" anchor="ctr"/>
+          <a:lstStyle/>
+          <a:p>
+            <a:pPr algn="ctr"/>
+            <a:endParaRPr lang="ko-KR" altLang="en-US" dirty="0"/>
+          </a:p>
+        </p:txBody>
+      </p:sp>
+      <p:sp>
+        <p:nvSpPr>
+          <p:cNvPr id="6" name="TextBox 5"/>
+          <p:cNvSpPr txBox="1"/>
+          <p:nvPr/>
+        </p:nvSpPr>
+        <p:spPr>
+          <a:xfrm>
+            <a:off x="423081" y="804375"/>
+            <a:ext cx="1047082" cy="369332"/>
+          </a:xfrm>
+          <a:prstGeom prst="rect">
+            <a:avLst/>
+          </a:prstGeom>
+          <a:noFill/>
+        </p:spPr>
+        <p:txBody>
+          <a:bodyPr wrap="none" rtlCol="0">
+            <a:spAutoFit/>
+          </a:bodyPr>
+          <a:lstStyle/>
+          <a:p>
+            <a:r>
+              <a:rPr lang="en-US" altLang="ko-KR" dirty="0" smtClean="0"/>
+              <a:t>(header)</a:t>
+            </a:r>
+            <a:endParaRPr lang="ko-KR" altLang="en-US" dirty="0"/>
+          </a:p>
+        </p:txBody>
+      </p:sp>
+      <p:sp>
+        <p:nvSpPr>
+          <p:cNvPr id="7" name="TextBox 6"/>
+          <p:cNvSpPr txBox="1"/>
+          <p:nvPr/>
+        </p:nvSpPr>
+        <p:spPr>
+          <a:xfrm>
+            <a:off x="618647" y="1296115"/>
+            <a:ext cx="655949" cy="369332"/>
+          </a:xfrm>
+          <a:prstGeom prst="rect">
+            <a:avLst/>
+          </a:prstGeom>
+          <a:noFill/>
+        </p:spPr>
+        <p:txBody>
+          <a:bodyPr wrap="none" rtlCol="0">
+            <a:spAutoFit/>
+          </a:bodyPr>
+          <a:lstStyle/>
+          <a:p>
+            <a:r>
+              <a:rPr lang="en-US" altLang="ko-KR" dirty="0" smtClean="0"/>
+              <a:t>logo</a:t>
+            </a:r>
+            <a:endParaRPr lang="ko-KR" altLang="en-US" dirty="0"/>
+          </a:p>
+        </p:txBody>
+      </p:sp>
+      <p:sp>
+        <p:nvSpPr>
+          <p:cNvPr id="8" name="TextBox 7"/>
+          <p:cNvSpPr txBox="1"/>
+          <p:nvPr/>
+        </p:nvSpPr>
+        <p:spPr>
+          <a:xfrm>
+            <a:off x="6086902" y="1019116"/>
+            <a:ext cx="2505109" cy="646331"/>
+          </a:xfrm>
+          <a:prstGeom prst="rect">
+            <a:avLst/>
+          </a:prstGeom>
+          <a:noFill/>
+        </p:spPr>
+        <p:txBody>
+          <a:bodyPr wrap="none" rtlCol="0">
+            <a:spAutoFit/>
+          </a:bodyPr>
+          <a:lstStyle/>
+          <a:p>
+            <a:r>
+              <a:rPr lang="en-US" altLang="ko-KR" dirty="0" err="1"/>
+              <a:t>g</a:t>
+            </a:r>
+            <a:r>
+              <a:rPr lang="en-US" altLang="ko-KR" dirty="0" err="1" smtClean="0"/>
+              <a:t>nb</a:t>
+            </a:r>
+            <a:endParaRPr lang="en-US" altLang="ko-KR" dirty="0" smtClean="0"/>
+          </a:p>
+          <a:p>
+            <a:r>
+              <a:rPr lang="en-US" altLang="ko-KR" dirty="0"/>
+              <a:t>w</a:t>
+            </a:r>
+            <a:r>
+              <a:rPr lang="en-US" altLang="ko-KR" dirty="0" smtClean="0"/>
+              <a:t>ork | about | contact</a:t>
+            </a:r>
+            <a:endParaRPr lang="ko-KR" altLang="en-US" dirty="0"/>
+          </a:p>
+        </p:txBody>
+      </p:sp>
+      <p:sp>
+        <p:nvSpPr>
+          <p:cNvPr id="9" name="직사각형 8"/>
+          <p:cNvSpPr/>
+          <p:nvPr/>
+        </p:nvSpPr>
+        <p:spPr>
+          <a:xfrm>
+            <a:off x="423081" y="6034587"/>
+            <a:ext cx="11409528" cy="614148"/>
+          </a:xfrm>
+          <a:prstGeom prst="rect">
+            <a:avLst/>
+          </a:prstGeom>
+        </p:spPr>
+        <p:style>
+          <a:lnRef idx="2">
+            <a:schemeClr val="accent6"/>
+          </a:lnRef>
+          <a:fillRef idx="1">
+            <a:schemeClr val="lt1"/>
+          </a:fillRef>
+          <a:effectRef idx="0">
+            <a:schemeClr val="accent6"/>
+          </a:effectRef>
+          <a:fontRef idx="minor">
+            <a:schemeClr val="dk1"/>
+          </a:fontRef>
+        </p:style>
+        <p:txBody>
+          <a:bodyPr rtlCol="0" anchor="ctr"/>
+          <a:lstStyle/>
+          <a:p>
+            <a:pPr algn="ctr"/>
+            <a:endParaRPr lang="ko-KR" altLang="en-US" dirty="0"/>
+          </a:p>
+        </p:txBody>
+      </p:sp>
+      <p:sp>
+        <p:nvSpPr>
+          <p:cNvPr id="10" name="TextBox 9"/>
+          <p:cNvSpPr txBox="1"/>
+          <p:nvPr/>
+        </p:nvSpPr>
+        <p:spPr>
+          <a:xfrm>
+            <a:off x="423081" y="5665255"/>
+            <a:ext cx="958596" cy="369332"/>
+          </a:xfrm>
+          <a:prstGeom prst="rect">
+            <a:avLst/>
+          </a:prstGeom>
+          <a:noFill/>
+        </p:spPr>
+        <p:txBody>
+          <a:bodyPr wrap="none" rtlCol="0">
+            <a:spAutoFit/>
+          </a:bodyPr>
+          <a:lstStyle/>
+          <a:p>
+            <a:r>
+              <a:rPr lang="en-US" altLang="ko-KR" dirty="0" smtClean="0"/>
+              <a:t>(footer)</a:t>
+            </a:r>
+            <a:endParaRPr lang="ko-KR" altLang="en-US" dirty="0"/>
+          </a:p>
+        </p:txBody>
+      </p:sp>
+      <p:sp>
+        <p:nvSpPr>
+          <p:cNvPr id="11" name="TextBox 10"/>
+          <p:cNvSpPr txBox="1"/>
+          <p:nvPr/>
+        </p:nvSpPr>
+        <p:spPr>
+          <a:xfrm>
+            <a:off x="618647" y="6156995"/>
+            <a:ext cx="1128835" cy="369332"/>
+          </a:xfrm>
+          <a:prstGeom prst="rect">
+            <a:avLst/>
+          </a:prstGeom>
+          <a:noFill/>
+        </p:spPr>
+        <p:txBody>
+          <a:bodyPr wrap="none" rtlCol="0">
+            <a:spAutoFit/>
+          </a:bodyPr>
+          <a:lstStyle/>
+          <a:p>
+            <a:r>
+              <a:rPr lang="en-US" altLang="ko-KR" dirty="0" smtClean="0"/>
+              <a:t>©</a:t>
+            </a:r>
+            <a:r>
+              <a:rPr lang="en-US" altLang="ko-KR" dirty="0" err="1" smtClean="0"/>
+              <a:t>JS.Choi</a:t>
+            </a:r>
+            <a:endParaRPr lang="ko-KR" altLang="en-US" dirty="0"/>
+          </a:p>
+        </p:txBody>
+      </p:sp>
+      <p:sp>
+        <p:nvSpPr>
+          <p:cNvPr id="12" name="TextBox 11"/>
+          <p:cNvSpPr txBox="1"/>
+          <p:nvPr/>
+        </p:nvSpPr>
+        <p:spPr>
+          <a:xfrm>
+            <a:off x="9856654" y="5879996"/>
+            <a:ext cx="1314784" cy="646331"/>
+          </a:xfrm>
+          <a:prstGeom prst="rect">
+            <a:avLst/>
+          </a:prstGeom>
+          <a:noFill/>
+        </p:spPr>
+        <p:txBody>
+          <a:bodyPr wrap="none" rtlCol="0">
+            <a:spAutoFit/>
+          </a:bodyPr>
+          <a:lstStyle/>
+          <a:p>
+            <a:pPr algn="r"/>
+            <a:r>
+              <a:rPr lang="en-US" altLang="ko-KR" dirty="0" err="1" smtClean="0"/>
+              <a:t>sns</a:t>
+            </a:r>
+            <a:endParaRPr lang="en-US" altLang="ko-KR" dirty="0" smtClean="0"/>
+          </a:p>
+          <a:p>
+            <a:pPr algn="r"/>
+            <a:r>
+              <a:rPr lang="en-US" altLang="ko-KR" dirty="0" err="1" smtClean="0"/>
+              <a:t>h.P</a:t>
+            </a:r>
+            <a:r>
+              <a:rPr lang="en-US" altLang="ko-KR" dirty="0" smtClean="0"/>
+              <a:t> / email</a:t>
+            </a:r>
+            <a:endParaRPr lang="ko-KR" altLang="en-US" dirty="0"/>
           </a:p>
         </p:txBody>
       </p:sp>
@@ -4921,8 +4889,8 @@
         </p:nvSpPr>
         <p:spPr>
           <a:xfrm>
-            <a:off x="423081" y="858547"/>
-            <a:ext cx="11409528" cy="5570388"/>
+            <a:off x="423081" y="1859880"/>
+            <a:ext cx="11409528" cy="3805376"/>
           </a:xfrm>
           <a:prstGeom prst="rect">
             <a:avLst/>
@@ -4959,8 +4927,8 @@
         </p:nvSpPr>
         <p:spPr>
           <a:xfrm>
-            <a:off x="590512" y="1116694"/>
-            <a:ext cx="9363461" cy="1200329"/>
+            <a:off x="618647" y="2103015"/>
+            <a:ext cx="2231701" cy="369332"/>
           </a:xfrm>
           <a:prstGeom prst="rect">
             <a:avLst/>
@@ -4975,46 +4943,66 @@
           <a:p>
             <a:r>
               <a:rPr lang="ko-KR" altLang="en-US" dirty="0" smtClean="0"/>
-              <a:t>프로젝트 목록</a:t>
-            </a:r>
-            <a:endParaRPr lang="en-US" altLang="ko-KR" dirty="0"/>
-          </a:p>
-          <a:p>
-            <a:endParaRPr lang="en-US" altLang="ko-KR" dirty="0" smtClean="0"/>
-          </a:p>
-          <a:p>
+              <a:t>최근 작업</a:t>
+            </a:r>
             <a:r>
               <a:rPr lang="en-US" altLang="ko-KR" dirty="0" smtClean="0"/>
-              <a:t>&lt;</a:t>
+              <a:t>(3</a:t>
             </a:r>
             <a:r>
               <a:rPr lang="ko-KR" altLang="en-US" dirty="0" smtClean="0"/>
-              <a:t>포트폴리오 프로젝트 업로드 공통 특징</a:t>
+              <a:t>개 정도</a:t>
             </a:r>
             <a:r>
               <a:rPr lang="en-US" altLang="ko-KR" dirty="0" smtClean="0"/>
-              <a:t>&gt;</a:t>
-            </a:r>
-            <a:endParaRPr lang="en-US" altLang="ko-KR" dirty="0"/>
-          </a:p>
-          <a:p>
-            <a:r>
-              <a:rPr lang="ko-KR" altLang="en-US" dirty="0" smtClean="0"/>
-              <a:t>사용자의 편의를 위해 중복되는 </a:t>
-            </a:r>
-            <a:r>
-              <a:rPr lang="ko-KR" altLang="en-US" dirty="0" err="1" smtClean="0"/>
-              <a:t>퍼블</a:t>
-            </a:r>
-            <a:r>
-              <a:rPr lang="ko-KR" altLang="en-US" dirty="0" smtClean="0"/>
-              <a:t> 작업은 통일하여 대표 페이지만 보이게 하였습니다</a:t>
-            </a:r>
-            <a:r>
-              <a:rPr lang="en-US" altLang="ko-KR" dirty="0" smtClean="0"/>
-              <a:t>.</a:t>
+              <a:t>)</a:t>
             </a:r>
             <a:endParaRPr lang="ko-KR" altLang="en-US" dirty="0"/>
+          </a:p>
+        </p:txBody>
+      </p:sp>
+      <p:sp>
+        <p:nvSpPr>
+          <p:cNvPr id="18" name="직사각형 17"/>
+          <p:cNvSpPr/>
+          <p:nvPr/>
+        </p:nvSpPr>
+        <p:spPr>
+          <a:xfrm>
+            <a:off x="762203" y="2472347"/>
+            <a:ext cx="10731284" cy="2488370"/>
+          </a:xfrm>
+          <a:prstGeom prst="rect">
+            <a:avLst/>
+          </a:prstGeom>
+          <a:solidFill>
+            <a:schemeClr val="accent3">
+              <a:alpha val="48000"/>
+            </a:schemeClr>
+          </a:solidFill>
+        </p:spPr>
+        <p:style>
+          <a:lnRef idx="2">
+            <a:schemeClr val="accent3">
+              <a:shade val="50000"/>
+            </a:schemeClr>
+          </a:lnRef>
+          <a:fillRef idx="1">
+            <a:schemeClr val="accent3"/>
+          </a:fillRef>
+          <a:effectRef idx="0">
+            <a:schemeClr val="accent3"/>
+          </a:effectRef>
+          <a:fontRef idx="minor">
+            <a:schemeClr val="lt1"/>
+          </a:fontRef>
+        </p:style>
+        <p:txBody>
+          <a:bodyPr rtlCol="0" anchor="ctr"/>
+          <a:lstStyle/>
+          <a:p>
+            <a:pPr algn="ctr"/>
+            <a:endParaRPr lang="ko-KR" altLang="en-US"/>
           </a:p>
         </p:txBody>
       </p:sp>
@@ -5026,8 +5014,8 @@
         </p:nvSpPr>
         <p:spPr>
           <a:xfrm>
-            <a:off x="590512" y="2635133"/>
-            <a:ext cx="11158824" cy="2308324"/>
+            <a:off x="4565030" y="3415114"/>
+            <a:ext cx="3199915" cy="446892"/>
           </a:xfrm>
           <a:prstGeom prst="rect">
             <a:avLst/>
@@ -5041,141 +5029,238 @@
           <a:lstStyle/>
           <a:p>
             <a:r>
+              <a:rPr lang="ko-KR" altLang="en-US" dirty="0" smtClean="0"/>
+              <a:t>대표 메인 페이지로 슬라이드</a:t>
+            </a:r>
+            <a:endParaRPr lang="ko-KR" altLang="en-US" dirty="0"/>
+          </a:p>
+        </p:txBody>
+      </p:sp>
+      <p:sp>
+        <p:nvSpPr>
+          <p:cNvPr id="16" name="이등변 삼각형 15"/>
+          <p:cNvSpPr/>
+          <p:nvPr/>
+        </p:nvSpPr>
+        <p:spPr>
+          <a:xfrm rot="16200000">
+            <a:off x="761955" y="3418701"/>
+            <a:ext cx="369333" cy="318390"/>
+          </a:xfrm>
+          <a:prstGeom prst="triangle">
+            <a:avLst/>
+          </a:prstGeom>
+        </p:spPr>
+        <p:style>
+          <a:lnRef idx="2">
+            <a:schemeClr val="dk1">
+              <a:shade val="50000"/>
+            </a:schemeClr>
+          </a:lnRef>
+          <a:fillRef idx="1">
+            <a:schemeClr val="dk1"/>
+          </a:fillRef>
+          <a:effectRef idx="0">
+            <a:schemeClr val="dk1"/>
+          </a:effectRef>
+          <a:fontRef idx="minor">
+            <a:schemeClr val="lt1"/>
+          </a:fontRef>
+        </p:style>
+        <p:txBody>
+          <a:bodyPr rtlCol="0" anchor="ctr"/>
+          <a:lstStyle/>
+          <a:p>
+            <a:pPr algn="ctr"/>
+            <a:endParaRPr lang="ko-KR" altLang="en-US"/>
+          </a:p>
+        </p:txBody>
+      </p:sp>
+      <p:sp>
+        <p:nvSpPr>
+          <p:cNvPr id="17" name="이등변 삼각형 16"/>
+          <p:cNvSpPr/>
+          <p:nvPr/>
+        </p:nvSpPr>
+        <p:spPr>
+          <a:xfrm rot="5400000">
+            <a:off x="11039492" y="3437156"/>
+            <a:ext cx="369333" cy="318390"/>
+          </a:xfrm>
+          <a:prstGeom prst="triangle">
+            <a:avLst/>
+          </a:prstGeom>
+        </p:spPr>
+        <p:style>
+          <a:lnRef idx="2">
+            <a:schemeClr val="dk1">
+              <a:shade val="50000"/>
+            </a:schemeClr>
+          </a:lnRef>
+          <a:fillRef idx="1">
+            <a:schemeClr val="dk1"/>
+          </a:fillRef>
+          <a:effectRef idx="0">
+            <a:schemeClr val="dk1"/>
+          </a:effectRef>
+          <a:fontRef idx="minor">
+            <a:schemeClr val="lt1"/>
+          </a:fontRef>
+        </p:style>
+        <p:txBody>
+          <a:bodyPr rtlCol="0" anchor="ctr"/>
+          <a:lstStyle/>
+          <a:p>
+            <a:pPr algn="ctr"/>
+            <a:endParaRPr lang="ko-KR" altLang="en-US"/>
+          </a:p>
+        </p:txBody>
+      </p:sp>
+      <p:sp>
+        <p:nvSpPr>
+          <p:cNvPr id="19" name="타원 18"/>
+          <p:cNvSpPr/>
+          <p:nvPr/>
+        </p:nvSpPr>
+        <p:spPr>
+          <a:xfrm>
+            <a:off x="5852156" y="5083125"/>
+            <a:ext cx="98474" cy="98474"/>
+          </a:xfrm>
+          <a:prstGeom prst="ellipse">
+            <a:avLst/>
+          </a:prstGeom>
+        </p:spPr>
+        <p:style>
+          <a:lnRef idx="2">
+            <a:schemeClr val="accent1">
+              <a:shade val="50000"/>
+            </a:schemeClr>
+          </a:lnRef>
+          <a:fillRef idx="1">
+            <a:schemeClr val="accent1"/>
+          </a:fillRef>
+          <a:effectRef idx="0">
+            <a:schemeClr val="accent1"/>
+          </a:effectRef>
+          <a:fontRef idx="minor">
+            <a:schemeClr val="lt1"/>
+          </a:fontRef>
+        </p:style>
+        <p:txBody>
+          <a:bodyPr rtlCol="0" anchor="ctr"/>
+          <a:lstStyle/>
+          <a:p>
+            <a:pPr algn="ctr"/>
+            <a:endParaRPr lang="ko-KR" altLang="en-US"/>
+          </a:p>
+        </p:txBody>
+      </p:sp>
+      <p:sp>
+        <p:nvSpPr>
+          <p:cNvPr id="20" name="타원 19"/>
+          <p:cNvSpPr/>
+          <p:nvPr/>
+        </p:nvSpPr>
+        <p:spPr>
+          <a:xfrm>
+            <a:off x="6088963" y="5083125"/>
+            <a:ext cx="98474" cy="98474"/>
+          </a:xfrm>
+          <a:prstGeom prst="ellipse">
+            <a:avLst/>
+          </a:prstGeom>
+        </p:spPr>
+        <p:style>
+          <a:lnRef idx="2">
+            <a:schemeClr val="accent1">
+              <a:shade val="50000"/>
+            </a:schemeClr>
+          </a:lnRef>
+          <a:fillRef idx="1">
+            <a:schemeClr val="accent1"/>
+          </a:fillRef>
+          <a:effectRef idx="0">
+            <a:schemeClr val="accent1"/>
+          </a:effectRef>
+          <a:fontRef idx="minor">
+            <a:schemeClr val="lt1"/>
+          </a:fontRef>
+        </p:style>
+        <p:txBody>
+          <a:bodyPr rtlCol="0" anchor="ctr"/>
+          <a:lstStyle/>
+          <a:p>
+            <a:pPr algn="ctr"/>
+            <a:endParaRPr lang="ko-KR" altLang="en-US"/>
+          </a:p>
+        </p:txBody>
+      </p:sp>
+      <p:sp>
+        <p:nvSpPr>
+          <p:cNvPr id="21" name="타원 20"/>
+          <p:cNvSpPr/>
+          <p:nvPr/>
+        </p:nvSpPr>
+        <p:spPr>
+          <a:xfrm>
+            <a:off x="6342188" y="5083125"/>
+            <a:ext cx="98474" cy="98474"/>
+          </a:xfrm>
+          <a:prstGeom prst="ellipse">
+            <a:avLst/>
+          </a:prstGeom>
+        </p:spPr>
+        <p:style>
+          <a:lnRef idx="2">
+            <a:schemeClr val="accent1">
+              <a:shade val="50000"/>
+            </a:schemeClr>
+          </a:lnRef>
+          <a:fillRef idx="1">
+            <a:schemeClr val="accent1"/>
+          </a:fillRef>
+          <a:effectRef idx="0">
+            <a:schemeClr val="accent1"/>
+          </a:effectRef>
+          <a:fontRef idx="minor">
+            <a:schemeClr val="lt1"/>
+          </a:fontRef>
+        </p:style>
+        <p:txBody>
+          <a:bodyPr rtlCol="0" anchor="ctr"/>
+          <a:lstStyle/>
+          <a:p>
+            <a:pPr algn="ctr"/>
+            <a:endParaRPr lang="ko-KR" altLang="en-US"/>
+          </a:p>
+        </p:txBody>
+      </p:sp>
+      <p:sp>
+        <p:nvSpPr>
+          <p:cNvPr id="22" name="TextBox 21"/>
+          <p:cNvSpPr txBox="1"/>
+          <p:nvPr/>
+        </p:nvSpPr>
+        <p:spPr>
+          <a:xfrm>
+            <a:off x="5489497" y="6156995"/>
+            <a:ext cx="1276696" cy="369332"/>
+          </a:xfrm>
+          <a:prstGeom prst="rect">
+            <a:avLst/>
+          </a:prstGeom>
+          <a:noFill/>
+        </p:spPr>
+        <p:txBody>
+          <a:bodyPr wrap="none" rtlCol="0">
+            <a:spAutoFit/>
+          </a:bodyPr>
+          <a:lstStyle/>
+          <a:p>
+            <a:r>
               <a:rPr lang="en-US" altLang="ko-KR" dirty="0" smtClean="0"/>
-              <a:t>&lt;</a:t>
-            </a:r>
-            <a:r>
-              <a:rPr lang="ko-KR" altLang="en-US" dirty="0" smtClean="0"/>
-              <a:t>프로젝트 대부분의 공통 특징</a:t>
-            </a:r>
-            <a:r>
-              <a:rPr lang="en-US" altLang="ko-KR" dirty="0" smtClean="0"/>
-              <a:t>&gt;</a:t>
-            </a:r>
-          </a:p>
-          <a:p>
-            <a:pPr marL="342900" indent="-342900">
-              <a:buAutoNum type="arabicPeriod"/>
-            </a:pPr>
-            <a:r>
-              <a:rPr lang="en-US" altLang="ko-KR" dirty="0" smtClean="0"/>
-              <a:t>common.css</a:t>
-            </a:r>
-            <a:r>
-              <a:rPr lang="ko-KR" altLang="en-US" dirty="0" smtClean="0"/>
-              <a:t>에 </a:t>
-            </a:r>
-            <a:r>
-              <a:rPr lang="en-US" altLang="ko-KR" dirty="0" smtClean="0"/>
-              <a:t>reset, base, layout, </a:t>
-            </a:r>
-            <a:r>
-              <a:rPr lang="ko-KR" altLang="en-US" dirty="0" smtClean="0"/>
-              <a:t>자주 쓰일 법한 </a:t>
-            </a:r>
-            <a:r>
-              <a:rPr lang="en-US" altLang="ko-KR" dirty="0" smtClean="0"/>
-              <a:t>width, height </a:t>
-            </a:r>
-            <a:r>
-              <a:rPr lang="ko-KR" altLang="en-US" dirty="0" smtClean="0"/>
-              <a:t>퍼센트 값과 </a:t>
-            </a:r>
-            <a:r>
-              <a:rPr lang="en-US" altLang="ko-KR" dirty="0" smtClean="0"/>
-              <a:t>margin, padding </a:t>
-            </a:r>
-            <a:r>
-              <a:rPr lang="ko-KR" altLang="en-US" dirty="0" smtClean="0"/>
-              <a:t>값 등 </a:t>
-            </a:r>
-            <a:endParaRPr lang="en-US" altLang="ko-KR" dirty="0" smtClean="0"/>
-          </a:p>
-          <a:p>
-            <a:r>
-              <a:rPr lang="ko-KR" altLang="en-US" dirty="0" smtClean="0"/>
-              <a:t>직접 클래스를 지정하여 유지보수를 효율적으로 할 수 있게 하였습니다</a:t>
-            </a:r>
-            <a:r>
-              <a:rPr lang="en-US" altLang="ko-KR" dirty="0" smtClean="0"/>
-              <a:t>.</a:t>
-            </a:r>
-          </a:p>
-          <a:p>
-            <a:endParaRPr lang="en-US" altLang="ko-KR" dirty="0"/>
-          </a:p>
-          <a:p>
-            <a:r>
-              <a:rPr lang="en-US" altLang="ko-KR" dirty="0" smtClean="0"/>
-              <a:t>2. default.js</a:t>
-            </a:r>
-            <a:r>
-              <a:rPr lang="ko-KR" altLang="en-US" dirty="0" smtClean="0"/>
-              <a:t>에 기본적인 자바스크립트</a:t>
-            </a:r>
-            <a:r>
-              <a:rPr lang="en-US" altLang="ko-KR" dirty="0" smtClean="0"/>
-              <a:t>, </a:t>
-            </a:r>
-            <a:r>
-              <a:rPr lang="ko-KR" altLang="en-US" dirty="0" smtClean="0"/>
-              <a:t>제이쿼리를 따로 만들고 주석을 달아 공동 작업자</a:t>
-            </a:r>
-            <a:r>
-              <a:rPr lang="en-US" altLang="ko-KR" dirty="0" smtClean="0"/>
-              <a:t>(</a:t>
-            </a:r>
-            <a:r>
-              <a:rPr lang="ko-KR" altLang="en-US" dirty="0" smtClean="0"/>
-              <a:t>개발자</a:t>
-            </a:r>
-            <a:r>
-              <a:rPr lang="en-US" altLang="ko-KR" dirty="0" smtClean="0"/>
-              <a:t>)</a:t>
-            </a:r>
-            <a:r>
-              <a:rPr lang="ko-KR" altLang="en-US" dirty="0" smtClean="0"/>
-              <a:t>에게 좋은</a:t>
-            </a:r>
-            <a:endParaRPr lang="en-US" altLang="ko-KR" dirty="0" smtClean="0"/>
-          </a:p>
-          <a:p>
-            <a:r>
-              <a:rPr lang="ko-KR" altLang="en-US" dirty="0" smtClean="0"/>
-              <a:t>환경을 구축하였습니다</a:t>
-            </a:r>
-            <a:r>
-              <a:rPr lang="en-US" altLang="ko-KR" dirty="0" smtClean="0"/>
-              <a:t>.</a:t>
-            </a:r>
-          </a:p>
-          <a:p>
-            <a:endParaRPr lang="en-US" altLang="ko-KR" dirty="0"/>
-          </a:p>
-          <a:p>
-            <a:r>
-              <a:rPr lang="en-US" altLang="ko-KR" dirty="0" smtClean="0"/>
-              <a:t>3. </a:t>
-            </a:r>
-            <a:r>
-              <a:rPr lang="ko-KR" altLang="en-US" dirty="0" smtClean="0"/>
-              <a:t>이미지는 </a:t>
-            </a:r>
-            <a:r>
-              <a:rPr lang="en-US" altLang="ko-KR" dirty="0" smtClean="0"/>
-              <a:t>images </a:t>
-            </a:r>
-            <a:r>
-              <a:rPr lang="ko-KR" altLang="en-US" dirty="0" err="1" smtClean="0"/>
-              <a:t>폴더명으로</a:t>
-            </a:r>
-            <a:r>
-              <a:rPr lang="ko-KR" altLang="en-US" dirty="0" smtClean="0"/>
-              <a:t> 통일하여 넣었습니다</a:t>
-            </a:r>
-            <a:r>
-              <a:rPr lang="en-US" altLang="ko-KR" dirty="0" smtClean="0"/>
-              <a:t>. </a:t>
+              <a:t>Thank you</a:t>
             </a:r>
             <a:endParaRPr lang="ko-KR" altLang="en-US" dirty="0"/>
           </a:p>
@@ -5184,7 +5269,7 @@
     </p:spTree>
     <p:extLst>
       <p:ext uri="{BB962C8B-B14F-4D97-AF65-F5344CB8AC3E}">
-        <p14:creationId xmlns:p14="http://schemas.microsoft.com/office/powerpoint/2010/main" val="39539309"/>
+        <p14:creationId xmlns:p14="http://schemas.microsoft.com/office/powerpoint/2010/main" val="3694688878"/>
       </p:ext>
     </p:extLst>
   </p:cSld>
@@ -5283,103 +5368,20 @@
           <a:lstStyle/>
           <a:p>
             <a:pPr algn="ctr"/>
-            <a:endParaRPr lang="ko-KR" altLang="en-US" dirty="0"/>
-          </a:p>
-        </p:txBody>
-      </p:sp>
-      <p:sp>
-        <p:nvSpPr>
-          <p:cNvPr id="6" name="직사각형 5"/>
-          <p:cNvSpPr/>
-          <p:nvPr/>
-        </p:nvSpPr>
-        <p:spPr>
-          <a:xfrm>
-            <a:off x="651013" y="1597181"/>
-            <a:ext cx="3146469" cy="3872182"/>
-          </a:xfrm>
-          <a:prstGeom prst="rect">
-            <a:avLst/>
-          </a:prstGeom>
-          <a:solidFill>
-            <a:schemeClr val="accent3">
-              <a:alpha val="48000"/>
-            </a:schemeClr>
-          </a:solidFill>
-        </p:spPr>
-        <p:style>
-          <a:lnRef idx="2">
-            <a:schemeClr val="accent3">
-              <a:shade val="50000"/>
-            </a:schemeClr>
-          </a:lnRef>
-          <a:fillRef idx="1">
-            <a:schemeClr val="accent3"/>
-          </a:fillRef>
-          <a:effectRef idx="0">
-            <a:schemeClr val="accent3"/>
-          </a:effectRef>
-          <a:fontRef idx="minor">
-            <a:schemeClr val="lt1"/>
-          </a:fontRef>
-        </p:style>
-        <p:txBody>
-          <a:bodyPr rtlCol="0" anchor="ctr"/>
-          <a:lstStyle/>
-          <a:p>
-            <a:pPr algn="ctr"/>
-            <a:endParaRPr lang="ko-KR" altLang="en-US"/>
-          </a:p>
-        </p:txBody>
-      </p:sp>
-      <p:sp>
-        <p:nvSpPr>
-          <p:cNvPr id="8" name="직사각형 7"/>
-          <p:cNvSpPr/>
-          <p:nvPr/>
-        </p:nvSpPr>
-        <p:spPr>
-          <a:xfrm>
-            <a:off x="803413" y="1749582"/>
-            <a:ext cx="2827404" cy="2200472"/>
-          </a:xfrm>
-          <a:prstGeom prst="rect">
-            <a:avLst/>
-          </a:prstGeom>
-        </p:spPr>
-        <p:style>
-          <a:lnRef idx="2">
-            <a:schemeClr val="accent1"/>
-          </a:lnRef>
-          <a:fillRef idx="1">
-            <a:schemeClr val="lt1"/>
-          </a:fillRef>
-          <a:effectRef idx="0">
-            <a:schemeClr val="accent1"/>
-          </a:effectRef>
-          <a:fontRef idx="minor">
-            <a:schemeClr val="dk1"/>
-          </a:fontRef>
-        </p:style>
-        <p:txBody>
-          <a:bodyPr rtlCol="0" anchor="ctr"/>
-          <a:lstStyle/>
-          <a:p>
-            <a:pPr algn="ctr"/>
-            <a:endParaRPr lang="ko-KR" altLang="en-US"/>
-          </a:p>
-        </p:txBody>
-      </p:sp>
-      <p:sp>
-        <p:nvSpPr>
-          <p:cNvPr id="2" name="TextBox 1"/>
+            <a:endParaRPr lang="ko-KR" altLang="en-US"/>
+          </a:p>
+        </p:txBody>
+      </p:sp>
+      <p:sp>
+        <p:nvSpPr>
+          <p:cNvPr id="14" name="TextBox 13"/>
           <p:cNvSpPr txBox="1"/>
           <p:nvPr/>
         </p:nvSpPr>
         <p:spPr>
           <a:xfrm>
-            <a:off x="1932340" y="2665152"/>
-            <a:ext cx="583814" cy="369332"/>
+            <a:off x="590512" y="1116694"/>
+            <a:ext cx="9363461" cy="1200329"/>
           </a:xfrm>
           <a:prstGeom prst="rect">
             <a:avLst/>
@@ -5393,8 +5395,45 @@
           <a:lstStyle/>
           <a:p>
             <a:r>
-              <a:rPr lang="en-US" altLang="ko-KR" dirty="0" err="1" smtClean="0"/>
-              <a:t>img</a:t>
+              <a:rPr lang="ko-KR" altLang="en-US" dirty="0" smtClean="0"/>
+              <a:t>프로젝트 목록</a:t>
+            </a:r>
+            <a:endParaRPr lang="en-US" altLang="ko-KR" dirty="0"/>
+          </a:p>
+          <a:p>
+            <a:endParaRPr lang="en-US" altLang="ko-KR" dirty="0" smtClean="0"/>
+          </a:p>
+          <a:p>
+            <a:r>
+              <a:rPr lang="en-US" altLang="ko-KR" dirty="0" smtClean="0"/>
+              <a:t>&lt;</a:t>
+            </a:r>
+            <a:r>
+              <a:rPr lang="ko-KR" altLang="en-US" dirty="0" smtClean="0"/>
+              <a:t>포트폴리오 프로젝트 업로드 공통 특징</a:t>
+            </a:r>
+            <a:r>
+              <a:rPr lang="en-US" altLang="ko-KR" dirty="0" smtClean="0"/>
+              <a:t>&gt;</a:t>
+            </a:r>
+            <a:endParaRPr lang="en-US" altLang="ko-KR" dirty="0"/>
+          </a:p>
+          <a:p>
+            <a:r>
+              <a:rPr lang="ko-KR" altLang="en-US" dirty="0" smtClean="0"/>
+              <a:t>사용자의 편의를 위해 중복되는 </a:t>
+            </a:r>
+            <a:r>
+              <a:rPr lang="ko-KR" altLang="en-US" dirty="0" err="1" smtClean="0"/>
+              <a:t>퍼블</a:t>
+            </a:r>
+            <a:r>
+              <a:rPr lang="ko-KR" altLang="en-US" dirty="0" smtClean="0"/>
+              <a:t> 작업은 통일하여 대표 페이지만 보이게 하였습니다</a:t>
+            </a:r>
+            <a:r>
+              <a:rPr lang="en-US" altLang="ko-KR" dirty="0" smtClean="0"/>
+              <a:t>.</a:t>
             </a:r>
             <a:endParaRPr lang="ko-KR" altLang="en-US" dirty="0"/>
           </a:p>
@@ -5402,14 +5441,14 @@
       </p:sp>
       <p:sp>
         <p:nvSpPr>
-          <p:cNvPr id="3" name="TextBox 2"/>
+          <p:cNvPr id="15" name="TextBox 14"/>
           <p:cNvSpPr txBox="1"/>
           <p:nvPr/>
         </p:nvSpPr>
         <p:spPr>
           <a:xfrm>
-            <a:off x="803413" y="4147209"/>
-            <a:ext cx="1338828" cy="369332"/>
+            <a:off x="590512" y="2635133"/>
+            <a:ext cx="11158824" cy="2308324"/>
           </a:xfrm>
           <a:prstGeom prst="rect">
             <a:avLst/>
@@ -5423,504 +5462,141 @@
           <a:lstStyle/>
           <a:p>
             <a:r>
+              <a:rPr lang="en-US" altLang="ko-KR" dirty="0" smtClean="0"/>
+              <a:t>&lt;</a:t>
+            </a:r>
+            <a:r>
+              <a:rPr lang="ko-KR" altLang="en-US" dirty="0" smtClean="0"/>
+              <a:t>프로젝트 대부분의 공통 특징</a:t>
+            </a:r>
+            <a:r>
+              <a:rPr lang="en-US" altLang="ko-KR" dirty="0" smtClean="0"/>
+              <a:t>&gt;</a:t>
+            </a:r>
+          </a:p>
+          <a:p>
+            <a:pPr marL="342900" indent="-342900">
+              <a:buAutoNum type="arabicPeriod"/>
+            </a:pPr>
+            <a:r>
+              <a:rPr lang="en-US" altLang="ko-KR" dirty="0" smtClean="0"/>
+              <a:t>common.css</a:t>
+            </a:r>
+            <a:r>
+              <a:rPr lang="ko-KR" altLang="en-US" dirty="0" smtClean="0"/>
+              <a:t>에 </a:t>
+            </a:r>
+            <a:r>
+              <a:rPr lang="en-US" altLang="ko-KR" dirty="0" smtClean="0"/>
+              <a:t>reset, base, layout, </a:t>
+            </a:r>
+            <a:r>
+              <a:rPr lang="ko-KR" altLang="en-US" dirty="0" smtClean="0"/>
+              <a:t>자주 쓰일 법한 </a:t>
+            </a:r>
+            <a:r>
+              <a:rPr lang="en-US" altLang="ko-KR" dirty="0" smtClean="0"/>
+              <a:t>width, height </a:t>
+            </a:r>
+            <a:r>
+              <a:rPr lang="ko-KR" altLang="en-US" dirty="0" smtClean="0"/>
+              <a:t>퍼센트 값과 </a:t>
+            </a:r>
+            <a:r>
+              <a:rPr lang="en-US" altLang="ko-KR" dirty="0" smtClean="0"/>
+              <a:t>margin, padding </a:t>
+            </a:r>
+            <a:r>
+              <a:rPr lang="ko-KR" altLang="en-US" dirty="0" smtClean="0"/>
+              <a:t>값 등 </a:t>
+            </a:r>
+            <a:endParaRPr lang="en-US" altLang="ko-KR" dirty="0" smtClean="0"/>
+          </a:p>
+          <a:p>
+            <a:r>
+              <a:rPr lang="ko-KR" altLang="en-US" dirty="0" smtClean="0"/>
+              <a:t>직접 클래스를 지정하여 유지보수를 효율적으로 할 수 있게 하였습니다</a:t>
+            </a:r>
+            <a:r>
+              <a:rPr lang="en-US" altLang="ko-KR" dirty="0" smtClean="0"/>
+              <a:t>.</a:t>
+            </a:r>
+          </a:p>
+          <a:p>
+            <a:endParaRPr lang="en-US" altLang="ko-KR" dirty="0"/>
+          </a:p>
+          <a:p>
+            <a:r>
+              <a:rPr lang="en-US" altLang="ko-KR" dirty="0" smtClean="0"/>
+              <a:t>2. default.js</a:t>
+            </a:r>
+            <a:r>
+              <a:rPr lang="ko-KR" altLang="en-US" dirty="0" smtClean="0"/>
+              <a:t>에 기본적인 자바스크립트</a:t>
+            </a:r>
+            <a:r>
+              <a:rPr lang="en-US" altLang="ko-KR" dirty="0" smtClean="0"/>
+              <a:t>, </a:t>
+            </a:r>
+            <a:r>
+              <a:rPr lang="ko-KR" altLang="en-US" dirty="0" smtClean="0"/>
+              <a:t>제이쿼리를 따로 만들고 주석을 달아 공동 작업자</a:t>
+            </a:r>
+            <a:r>
+              <a:rPr lang="en-US" altLang="ko-KR" dirty="0" smtClean="0"/>
+              <a:t>(</a:t>
+            </a:r>
+            <a:r>
+              <a:rPr lang="ko-KR" altLang="en-US" dirty="0" smtClean="0"/>
+              <a:t>개발자</a:t>
+            </a:r>
+            <a:r>
+              <a:rPr lang="en-US" altLang="ko-KR" dirty="0" smtClean="0"/>
+              <a:t>)</a:t>
+            </a:r>
+            <a:r>
+              <a:rPr lang="ko-KR" altLang="en-US" dirty="0" smtClean="0"/>
+              <a:t>에게 좋은</a:t>
+            </a:r>
+            <a:endParaRPr lang="en-US" altLang="ko-KR" dirty="0" smtClean="0"/>
+          </a:p>
+          <a:p>
+            <a:r>
+              <a:rPr lang="ko-KR" altLang="en-US" dirty="0" smtClean="0"/>
+              <a:t>환경을 구축하였습니다</a:t>
+            </a:r>
+            <a:r>
+              <a:rPr lang="en-US" altLang="ko-KR" dirty="0" smtClean="0"/>
+              <a:t>.</a:t>
+            </a:r>
+          </a:p>
+          <a:p>
+            <a:endParaRPr lang="en-US" altLang="ko-KR" dirty="0"/>
+          </a:p>
+          <a:p>
+            <a:r>
+              <a:rPr lang="en-US" altLang="ko-KR" dirty="0" smtClean="0"/>
+              <a:t>3. </a:t>
+            </a:r>
+            <a:r>
+              <a:rPr lang="ko-KR" altLang="en-US" dirty="0" smtClean="0"/>
+              <a:t>이미지는 </a:t>
+            </a:r>
+            <a:r>
+              <a:rPr lang="en-US" altLang="ko-KR" dirty="0" smtClean="0"/>
+              <a:t>images </a:t>
+            </a:r>
+            <a:r>
               <a:rPr lang="ko-KR" altLang="en-US" dirty="0" err="1" smtClean="0"/>
-              <a:t>프로젝트명</a:t>
-            </a:r>
-            <a:endParaRPr lang="ko-KR" altLang="en-US" dirty="0"/>
-          </a:p>
-        </p:txBody>
-      </p:sp>
-      <p:sp>
-        <p:nvSpPr>
-          <p:cNvPr id="11" name="직사각형 10"/>
-          <p:cNvSpPr/>
-          <p:nvPr/>
-        </p:nvSpPr>
-        <p:spPr>
-          <a:xfrm>
-            <a:off x="810545" y="4676332"/>
-            <a:ext cx="2827404" cy="504094"/>
-          </a:xfrm>
-          <a:prstGeom prst="rect">
-            <a:avLst/>
-          </a:prstGeom>
-        </p:spPr>
-        <p:style>
-          <a:lnRef idx="2">
-            <a:schemeClr val="accent1">
-              <a:shade val="50000"/>
-            </a:schemeClr>
-          </a:lnRef>
-          <a:fillRef idx="1">
-            <a:schemeClr val="accent1"/>
-          </a:fillRef>
-          <a:effectRef idx="0">
-            <a:schemeClr val="accent1"/>
-          </a:effectRef>
-          <a:fontRef idx="minor">
-            <a:schemeClr val="lt1"/>
-          </a:fontRef>
-        </p:style>
-        <p:txBody>
-          <a:bodyPr rtlCol="0" anchor="ctr"/>
-          <a:lstStyle/>
-          <a:p>
-            <a:pPr algn="ctr"/>
-            <a:endParaRPr lang="ko-KR" altLang="en-US"/>
-          </a:p>
-        </p:txBody>
-      </p:sp>
-      <p:sp>
-        <p:nvSpPr>
-          <p:cNvPr id="12" name="TextBox 11"/>
-          <p:cNvSpPr txBox="1"/>
-          <p:nvPr/>
-        </p:nvSpPr>
-        <p:spPr>
-          <a:xfrm>
-            <a:off x="1923191" y="4743426"/>
-            <a:ext cx="646331" cy="369332"/>
-          </a:xfrm>
-          <a:prstGeom prst="rect">
-            <a:avLst/>
-          </a:prstGeom>
-          <a:noFill/>
-        </p:spPr>
-        <p:txBody>
-          <a:bodyPr wrap="none" rtlCol="0">
-            <a:spAutoFit/>
-          </a:bodyPr>
-          <a:lstStyle/>
-          <a:p>
+              <a:t>폴더명으로</a:t>
+            </a:r>
             <a:r>
               <a:rPr lang="ko-KR" altLang="en-US" dirty="0" smtClean="0"/>
-              <a:t>보기</a:t>
-            </a:r>
-            <a:endParaRPr lang="ko-KR" altLang="en-US" dirty="0"/>
-          </a:p>
-        </p:txBody>
-      </p:sp>
-      <p:sp>
-        <p:nvSpPr>
-          <p:cNvPr id="16" name="직사각형 15"/>
-          <p:cNvSpPr/>
-          <p:nvPr/>
-        </p:nvSpPr>
-        <p:spPr>
-          <a:xfrm>
-            <a:off x="4512250" y="1597181"/>
-            <a:ext cx="3146469" cy="3872182"/>
-          </a:xfrm>
-          <a:prstGeom prst="rect">
-            <a:avLst/>
-          </a:prstGeom>
-          <a:solidFill>
-            <a:schemeClr val="accent3">
-              <a:alpha val="48000"/>
-            </a:schemeClr>
-          </a:solidFill>
-        </p:spPr>
-        <p:style>
-          <a:lnRef idx="2">
-            <a:schemeClr val="accent3">
-              <a:shade val="50000"/>
-            </a:schemeClr>
-          </a:lnRef>
-          <a:fillRef idx="1">
-            <a:schemeClr val="accent3"/>
-          </a:fillRef>
-          <a:effectRef idx="0">
-            <a:schemeClr val="accent3"/>
-          </a:effectRef>
-          <a:fontRef idx="minor">
-            <a:schemeClr val="lt1"/>
-          </a:fontRef>
-        </p:style>
-        <p:txBody>
-          <a:bodyPr rtlCol="0" anchor="ctr"/>
-          <a:lstStyle/>
-          <a:p>
-            <a:pPr algn="ctr"/>
-            <a:endParaRPr lang="ko-KR" altLang="en-US"/>
-          </a:p>
-        </p:txBody>
-      </p:sp>
-      <p:sp>
-        <p:nvSpPr>
-          <p:cNvPr id="17" name="직사각형 16"/>
-          <p:cNvSpPr/>
-          <p:nvPr/>
-        </p:nvSpPr>
-        <p:spPr>
-          <a:xfrm>
-            <a:off x="4664650" y="1749582"/>
-            <a:ext cx="2827404" cy="2200472"/>
-          </a:xfrm>
-          <a:prstGeom prst="rect">
-            <a:avLst/>
-          </a:prstGeom>
-        </p:spPr>
-        <p:style>
-          <a:lnRef idx="2">
-            <a:schemeClr val="accent1"/>
-          </a:lnRef>
-          <a:fillRef idx="1">
-            <a:schemeClr val="lt1"/>
-          </a:fillRef>
-          <a:effectRef idx="0">
-            <a:schemeClr val="accent1"/>
-          </a:effectRef>
-          <a:fontRef idx="minor">
-            <a:schemeClr val="dk1"/>
-          </a:fontRef>
-        </p:style>
-        <p:txBody>
-          <a:bodyPr rtlCol="0" anchor="ctr"/>
-          <a:lstStyle/>
-          <a:p>
-            <a:pPr algn="ctr"/>
-            <a:endParaRPr lang="ko-KR" altLang="en-US"/>
-          </a:p>
-        </p:txBody>
-      </p:sp>
-      <p:sp>
-        <p:nvSpPr>
-          <p:cNvPr id="18" name="TextBox 17"/>
-          <p:cNvSpPr txBox="1"/>
-          <p:nvPr/>
-        </p:nvSpPr>
-        <p:spPr>
-          <a:xfrm>
-            <a:off x="5793577" y="2665152"/>
-            <a:ext cx="583814" cy="369332"/>
-          </a:xfrm>
-          <a:prstGeom prst="rect">
-            <a:avLst/>
-          </a:prstGeom>
-          <a:noFill/>
-        </p:spPr>
-        <p:txBody>
-          <a:bodyPr wrap="none" rtlCol="0">
-            <a:spAutoFit/>
-          </a:bodyPr>
-          <a:lstStyle/>
-          <a:p>
-            <a:r>
-              <a:rPr lang="en-US" altLang="ko-KR" dirty="0" err="1" smtClean="0"/>
-              <a:t>img</a:t>
-            </a:r>
-            <a:endParaRPr lang="ko-KR" altLang="en-US" dirty="0"/>
-          </a:p>
-        </p:txBody>
-      </p:sp>
-      <p:sp>
-        <p:nvSpPr>
-          <p:cNvPr id="19" name="TextBox 18"/>
-          <p:cNvSpPr txBox="1"/>
-          <p:nvPr/>
-        </p:nvSpPr>
-        <p:spPr>
-          <a:xfrm>
-            <a:off x="4664650" y="4147209"/>
-            <a:ext cx="1338828" cy="369332"/>
-          </a:xfrm>
-          <a:prstGeom prst="rect">
-            <a:avLst/>
-          </a:prstGeom>
-          <a:noFill/>
-        </p:spPr>
-        <p:txBody>
-          <a:bodyPr wrap="none" rtlCol="0">
-            <a:spAutoFit/>
-          </a:bodyPr>
-          <a:lstStyle/>
-          <a:p>
-            <a:r>
-              <a:rPr lang="ko-KR" altLang="en-US" dirty="0" err="1" smtClean="0"/>
-              <a:t>프로젝트명</a:t>
-            </a:r>
-            <a:endParaRPr lang="ko-KR" altLang="en-US" dirty="0"/>
-          </a:p>
-        </p:txBody>
-      </p:sp>
-      <p:sp>
-        <p:nvSpPr>
-          <p:cNvPr id="20" name="직사각형 19"/>
-          <p:cNvSpPr/>
-          <p:nvPr/>
-        </p:nvSpPr>
-        <p:spPr>
-          <a:xfrm>
-            <a:off x="4671782" y="4676332"/>
-            <a:ext cx="2827404" cy="504094"/>
-          </a:xfrm>
-          <a:prstGeom prst="rect">
-            <a:avLst/>
-          </a:prstGeom>
-        </p:spPr>
-        <p:style>
-          <a:lnRef idx="2">
-            <a:schemeClr val="accent1">
-              <a:shade val="50000"/>
-            </a:schemeClr>
-          </a:lnRef>
-          <a:fillRef idx="1">
-            <a:schemeClr val="accent1"/>
-          </a:fillRef>
-          <a:effectRef idx="0">
-            <a:schemeClr val="accent1"/>
-          </a:effectRef>
-          <a:fontRef idx="minor">
-            <a:schemeClr val="lt1"/>
-          </a:fontRef>
-        </p:style>
-        <p:txBody>
-          <a:bodyPr rtlCol="0" anchor="ctr"/>
-          <a:lstStyle/>
-          <a:p>
-            <a:pPr algn="ctr"/>
-            <a:endParaRPr lang="ko-KR" altLang="en-US"/>
-          </a:p>
-        </p:txBody>
-      </p:sp>
-      <p:sp>
-        <p:nvSpPr>
-          <p:cNvPr id="21" name="TextBox 20"/>
-          <p:cNvSpPr txBox="1"/>
-          <p:nvPr/>
-        </p:nvSpPr>
-        <p:spPr>
-          <a:xfrm>
-            <a:off x="5784428" y="4743426"/>
-            <a:ext cx="646331" cy="369332"/>
-          </a:xfrm>
-          <a:prstGeom prst="rect">
-            <a:avLst/>
-          </a:prstGeom>
-          <a:noFill/>
-        </p:spPr>
-        <p:txBody>
-          <a:bodyPr wrap="none" rtlCol="0">
-            <a:spAutoFit/>
-          </a:bodyPr>
-          <a:lstStyle/>
-          <a:p>
-            <a:r>
-              <a:rPr lang="ko-KR" altLang="en-US" dirty="0" smtClean="0"/>
-              <a:t>보기</a:t>
-            </a:r>
-            <a:endParaRPr lang="ko-KR" altLang="en-US" dirty="0"/>
-          </a:p>
-        </p:txBody>
-      </p:sp>
-      <p:sp>
-        <p:nvSpPr>
-          <p:cNvPr id="22" name="직사각형 21"/>
-          <p:cNvSpPr/>
-          <p:nvPr/>
-        </p:nvSpPr>
-        <p:spPr>
-          <a:xfrm>
-            <a:off x="8357574" y="1576215"/>
-            <a:ext cx="3146469" cy="3872182"/>
-          </a:xfrm>
-          <a:prstGeom prst="rect">
-            <a:avLst/>
-          </a:prstGeom>
-          <a:solidFill>
-            <a:schemeClr val="accent3">
-              <a:alpha val="48000"/>
-            </a:schemeClr>
-          </a:solidFill>
-        </p:spPr>
-        <p:style>
-          <a:lnRef idx="2">
-            <a:schemeClr val="accent3">
-              <a:shade val="50000"/>
-            </a:schemeClr>
-          </a:lnRef>
-          <a:fillRef idx="1">
-            <a:schemeClr val="accent3"/>
-          </a:fillRef>
-          <a:effectRef idx="0">
-            <a:schemeClr val="accent3"/>
-          </a:effectRef>
-          <a:fontRef idx="minor">
-            <a:schemeClr val="lt1"/>
-          </a:fontRef>
-        </p:style>
-        <p:txBody>
-          <a:bodyPr rtlCol="0" anchor="ctr"/>
-          <a:lstStyle/>
-          <a:p>
-            <a:pPr algn="ctr"/>
-            <a:endParaRPr lang="ko-KR" altLang="en-US"/>
-          </a:p>
-        </p:txBody>
-      </p:sp>
-      <p:sp>
-        <p:nvSpPr>
-          <p:cNvPr id="23" name="직사각형 22"/>
-          <p:cNvSpPr/>
-          <p:nvPr/>
-        </p:nvSpPr>
-        <p:spPr>
-          <a:xfrm>
-            <a:off x="8509974" y="1728616"/>
-            <a:ext cx="2827404" cy="2200472"/>
-          </a:xfrm>
-          <a:prstGeom prst="rect">
-            <a:avLst/>
-          </a:prstGeom>
-        </p:spPr>
-        <p:style>
-          <a:lnRef idx="2">
-            <a:schemeClr val="accent1"/>
-          </a:lnRef>
-          <a:fillRef idx="1">
-            <a:schemeClr val="lt1"/>
-          </a:fillRef>
-          <a:effectRef idx="0">
-            <a:schemeClr val="accent1"/>
-          </a:effectRef>
-          <a:fontRef idx="minor">
-            <a:schemeClr val="dk1"/>
-          </a:fontRef>
-        </p:style>
-        <p:txBody>
-          <a:bodyPr rtlCol="0" anchor="ctr"/>
-          <a:lstStyle/>
-          <a:p>
-            <a:pPr algn="ctr"/>
-            <a:endParaRPr lang="ko-KR" altLang="en-US"/>
-          </a:p>
-        </p:txBody>
-      </p:sp>
-      <p:sp>
-        <p:nvSpPr>
-          <p:cNvPr id="24" name="TextBox 23"/>
-          <p:cNvSpPr txBox="1"/>
-          <p:nvPr/>
-        </p:nvSpPr>
-        <p:spPr>
-          <a:xfrm>
-            <a:off x="9638901" y="2644186"/>
-            <a:ext cx="583814" cy="369332"/>
-          </a:xfrm>
-          <a:prstGeom prst="rect">
-            <a:avLst/>
-          </a:prstGeom>
-          <a:noFill/>
-        </p:spPr>
-        <p:txBody>
-          <a:bodyPr wrap="none" rtlCol="0">
-            <a:spAutoFit/>
-          </a:bodyPr>
-          <a:lstStyle/>
-          <a:p>
-            <a:r>
-              <a:rPr lang="en-US" altLang="ko-KR" dirty="0" err="1" smtClean="0"/>
-              <a:t>img</a:t>
-            </a:r>
-            <a:endParaRPr lang="ko-KR" altLang="en-US" dirty="0"/>
-          </a:p>
-        </p:txBody>
-      </p:sp>
-      <p:sp>
-        <p:nvSpPr>
-          <p:cNvPr id="25" name="TextBox 24"/>
-          <p:cNvSpPr txBox="1"/>
-          <p:nvPr/>
-        </p:nvSpPr>
-        <p:spPr>
-          <a:xfrm>
-            <a:off x="8509974" y="4126243"/>
-            <a:ext cx="1338828" cy="369332"/>
-          </a:xfrm>
-          <a:prstGeom prst="rect">
-            <a:avLst/>
-          </a:prstGeom>
-          <a:noFill/>
-        </p:spPr>
-        <p:txBody>
-          <a:bodyPr wrap="none" rtlCol="0">
-            <a:spAutoFit/>
-          </a:bodyPr>
-          <a:lstStyle/>
-          <a:p>
-            <a:r>
-              <a:rPr lang="ko-KR" altLang="en-US" dirty="0" err="1" smtClean="0"/>
-              <a:t>프로젝트명</a:t>
-            </a:r>
-            <a:endParaRPr lang="ko-KR" altLang="en-US" dirty="0"/>
-          </a:p>
-        </p:txBody>
-      </p:sp>
-      <p:sp>
-        <p:nvSpPr>
-          <p:cNvPr id="26" name="직사각형 25"/>
-          <p:cNvSpPr/>
-          <p:nvPr/>
-        </p:nvSpPr>
-        <p:spPr>
-          <a:xfrm>
-            <a:off x="8517106" y="4655366"/>
-            <a:ext cx="2827404" cy="504094"/>
-          </a:xfrm>
-          <a:prstGeom prst="rect">
-            <a:avLst/>
-          </a:prstGeom>
-        </p:spPr>
-        <p:style>
-          <a:lnRef idx="2">
-            <a:schemeClr val="accent1">
-              <a:shade val="50000"/>
-            </a:schemeClr>
-          </a:lnRef>
-          <a:fillRef idx="1">
-            <a:schemeClr val="accent1"/>
-          </a:fillRef>
-          <a:effectRef idx="0">
-            <a:schemeClr val="accent1"/>
-          </a:effectRef>
-          <a:fontRef idx="minor">
-            <a:schemeClr val="lt1"/>
-          </a:fontRef>
-        </p:style>
-        <p:txBody>
-          <a:bodyPr rtlCol="0" anchor="ctr"/>
-          <a:lstStyle/>
-          <a:p>
-            <a:pPr algn="ctr"/>
-            <a:endParaRPr lang="ko-KR" altLang="en-US"/>
-          </a:p>
-        </p:txBody>
-      </p:sp>
-      <p:sp>
-        <p:nvSpPr>
-          <p:cNvPr id="27" name="TextBox 26"/>
-          <p:cNvSpPr txBox="1"/>
-          <p:nvPr/>
-        </p:nvSpPr>
-        <p:spPr>
-          <a:xfrm>
-            <a:off x="9629752" y="4722460"/>
-            <a:ext cx="646331" cy="369332"/>
-          </a:xfrm>
-          <a:prstGeom prst="rect">
-            <a:avLst/>
-          </a:prstGeom>
-          <a:noFill/>
-        </p:spPr>
-        <p:txBody>
-          <a:bodyPr wrap="none" rtlCol="0">
-            <a:spAutoFit/>
-          </a:bodyPr>
-          <a:lstStyle/>
-          <a:p>
-            <a:r>
-              <a:rPr lang="ko-KR" altLang="en-US" dirty="0" smtClean="0"/>
-              <a:t>보기</a:t>
+              <a:t> 통일하여 넣었습니다</a:t>
+            </a:r>
+            <a:r>
+              <a:rPr lang="en-US" altLang="ko-KR" dirty="0" smtClean="0"/>
+              <a:t>. </a:t>
             </a:r>
             <a:endParaRPr lang="ko-KR" altLang="en-US" dirty="0"/>
           </a:p>
@@ -5929,7 +5605,7 @@
     </p:spTree>
     <p:extLst>
       <p:ext uri="{BB962C8B-B14F-4D97-AF65-F5344CB8AC3E}">
-        <p14:creationId xmlns:p14="http://schemas.microsoft.com/office/powerpoint/2010/main" val="246566250"/>
+        <p14:creationId xmlns:p14="http://schemas.microsoft.com/office/powerpoint/2010/main" val="39539309"/>
       </p:ext>
     </p:extLst>
   </p:cSld>
@@ -5979,16 +5655,8 @@
           <a:lstStyle/>
           <a:p>
             <a:r>
-              <a:rPr lang="en-US" altLang="ko-KR" sz="2000" dirty="0" err="1"/>
-              <a:t>w</a:t>
-            </a:r>
-            <a:r>
-              <a:rPr lang="en-US" altLang="ko-KR" sz="2000" dirty="0" err="1" smtClean="0"/>
-              <a:t>ork_sub</a:t>
-            </a:r>
-            <a:r>
               <a:rPr lang="en-US" altLang="ko-KR" sz="2000" dirty="0" smtClean="0"/>
-              <a:t>(</a:t>
+              <a:t>work(</a:t>
             </a:r>
             <a:r>
               <a:rPr lang="ko-KR" altLang="en-US" sz="2000" dirty="0" err="1" smtClean="0"/>
@@ -6042,128 +5710,14 @@
       </p:sp>
       <p:sp>
         <p:nvSpPr>
-          <p:cNvPr id="16" name="직사각형 15"/>
+          <p:cNvPr id="6" name="직사각형 5"/>
           <p:cNvSpPr/>
           <p:nvPr/>
         </p:nvSpPr>
         <p:spPr>
           <a:xfrm>
-            <a:off x="737319" y="1598891"/>
-            <a:ext cx="3546512" cy="542960"/>
-          </a:xfrm>
-          <a:prstGeom prst="rect">
-            <a:avLst/>
-          </a:prstGeom>
-        </p:spPr>
-        <p:style>
-          <a:lnRef idx="3">
-            <a:schemeClr val="lt1"/>
-          </a:lnRef>
-          <a:fillRef idx="1">
-            <a:schemeClr val="accent3"/>
-          </a:fillRef>
-          <a:effectRef idx="1">
-            <a:schemeClr val="accent3"/>
-          </a:effectRef>
-          <a:fontRef idx="minor">
-            <a:schemeClr val="lt1"/>
-          </a:fontRef>
-        </p:style>
-        <p:txBody>
-          <a:bodyPr rtlCol="0" anchor="ctr"/>
-          <a:lstStyle/>
-          <a:p>
-            <a:pPr algn="ctr"/>
-            <a:endParaRPr lang="ko-KR" altLang="en-US"/>
-          </a:p>
-        </p:txBody>
-      </p:sp>
-      <p:sp>
-        <p:nvSpPr>
-          <p:cNvPr id="18" name="TextBox 17"/>
-          <p:cNvSpPr txBox="1"/>
-          <p:nvPr/>
-        </p:nvSpPr>
-        <p:spPr>
-          <a:xfrm>
-            <a:off x="715141" y="1032175"/>
-            <a:ext cx="1338828" cy="369332"/>
-          </a:xfrm>
-          <a:prstGeom prst="rect">
-            <a:avLst/>
-          </a:prstGeom>
-          <a:noFill/>
-        </p:spPr>
-        <p:txBody>
-          <a:bodyPr wrap="none" rtlCol="0">
-            <a:spAutoFit/>
-          </a:bodyPr>
-          <a:lstStyle/>
-          <a:p>
-            <a:r>
-              <a:rPr lang="ko-KR" altLang="en-US" dirty="0" err="1" smtClean="0"/>
-              <a:t>프로젝트명</a:t>
-            </a:r>
-            <a:endParaRPr lang="ko-KR" altLang="en-US" dirty="0"/>
-          </a:p>
-        </p:txBody>
-      </p:sp>
-      <p:sp>
-        <p:nvSpPr>
-          <p:cNvPr id="28" name="TextBox 27"/>
-          <p:cNvSpPr txBox="1"/>
-          <p:nvPr/>
-        </p:nvSpPr>
-        <p:spPr>
-          <a:xfrm>
-            <a:off x="1569452" y="1685705"/>
-            <a:ext cx="1882247" cy="369332"/>
-          </a:xfrm>
-          <a:prstGeom prst="rect">
-            <a:avLst/>
-          </a:prstGeom>
-          <a:noFill/>
-        </p:spPr>
-        <p:txBody>
-          <a:bodyPr wrap="none" rtlCol="0">
-            <a:spAutoFit/>
-          </a:bodyPr>
-          <a:lstStyle/>
-          <a:p>
-            <a:r>
-              <a:rPr lang="ko-KR" altLang="en-US" dirty="0" smtClean="0">
-                <a:solidFill>
-                  <a:schemeClr val="bg1"/>
-                </a:solidFill>
-              </a:rPr>
-              <a:t>프로젝트 </a:t>
-            </a:r>
-            <a:r>
-              <a:rPr lang="ko-KR" altLang="en-US" dirty="0" err="1" smtClean="0">
-                <a:solidFill>
-                  <a:schemeClr val="bg1"/>
-                </a:solidFill>
-              </a:rPr>
-              <a:t>서브명</a:t>
-            </a:r>
-            <a:endParaRPr lang="ko-KR" altLang="en-US" dirty="0">
-              <a:solidFill>
-                <a:schemeClr val="bg1"/>
-              </a:solidFill>
-            </a:endParaRPr>
-          </a:p>
-        </p:txBody>
-      </p:sp>
-      <p:sp>
-        <p:nvSpPr>
-          <p:cNvPr id="29" name="직사각형 28"/>
-          <p:cNvSpPr/>
-          <p:nvPr/>
-        </p:nvSpPr>
-        <p:spPr>
-          <a:xfrm>
-            <a:off x="4336303" y="1598891"/>
-            <a:ext cx="3700148" cy="542960"/>
+            <a:off x="651013" y="1597181"/>
+            <a:ext cx="3146469" cy="3872182"/>
           </a:xfrm>
           <a:prstGeom prst="rect">
             <a:avLst/>
@@ -6201,14 +5755,52 @@
       </p:sp>
       <p:sp>
         <p:nvSpPr>
-          <p:cNvPr id="30" name="TextBox 29"/>
+          <p:cNvPr id="8" name="직사각형 7"/>
+          <p:cNvSpPr/>
+          <p:nvPr/>
+        </p:nvSpPr>
+        <p:spPr>
+          <a:xfrm>
+            <a:off x="803413" y="1749582"/>
+            <a:ext cx="2827404" cy="2200472"/>
+          </a:xfrm>
+          <a:prstGeom prst="rect">
+            <a:avLst/>
+          </a:prstGeom>
+        </p:spPr>
+        <p:style>
+          <a:lnRef idx="2">
+            <a:schemeClr val="accent1"/>
+          </a:lnRef>
+          <a:fillRef idx="1">
+            <a:schemeClr val="lt1"/>
+          </a:fillRef>
+          <a:effectRef idx="0">
+            <a:schemeClr val="accent1"/>
+          </a:effectRef>
+          <a:fontRef idx="minor">
+            <a:schemeClr val="dk1"/>
+          </a:fontRef>
+        </p:style>
+        <p:txBody>
+          <a:bodyPr rtlCol="0" anchor="ctr"/>
+          <a:lstStyle/>
+          <a:p>
+            <a:pPr algn="ctr"/>
+            <a:endParaRPr lang="ko-KR" altLang="en-US"/>
+          </a:p>
+        </p:txBody>
+      </p:sp>
+      <p:sp>
+        <p:nvSpPr>
+          <p:cNvPr id="2" name="TextBox 1"/>
           <p:cNvSpPr txBox="1"/>
           <p:nvPr/>
         </p:nvSpPr>
         <p:spPr>
           <a:xfrm>
-            <a:off x="5245254" y="1685705"/>
-            <a:ext cx="1882247" cy="369332"/>
+            <a:off x="1932340" y="2665152"/>
+            <a:ext cx="583814" cy="369332"/>
           </a:xfrm>
           <a:prstGeom prst="rect">
             <a:avLst/>
@@ -6222,12 +5814,108 @@
           <a:lstStyle/>
           <a:p>
             <a:r>
+              <a:rPr lang="en-US" altLang="ko-KR" dirty="0" err="1" smtClean="0"/>
+              <a:t>img</a:t>
+            </a:r>
+            <a:endParaRPr lang="ko-KR" altLang="en-US" dirty="0"/>
+          </a:p>
+        </p:txBody>
+      </p:sp>
+      <p:sp>
+        <p:nvSpPr>
+          <p:cNvPr id="3" name="TextBox 2"/>
+          <p:cNvSpPr txBox="1"/>
+          <p:nvPr/>
+        </p:nvSpPr>
+        <p:spPr>
+          <a:xfrm>
+            <a:off x="803413" y="4147209"/>
+            <a:ext cx="1338828" cy="369332"/>
+          </a:xfrm>
+          <a:prstGeom prst="rect">
+            <a:avLst/>
+          </a:prstGeom>
+          <a:noFill/>
+        </p:spPr>
+        <p:txBody>
+          <a:bodyPr wrap="none" rtlCol="0">
+            <a:spAutoFit/>
+          </a:bodyPr>
+          <a:lstStyle/>
+          <a:p>
+            <a:r>
+              <a:rPr lang="ko-KR" altLang="en-US" dirty="0" err="1" smtClean="0"/>
+              <a:t>프로젝트명</a:t>
+            </a:r>
+            <a:endParaRPr lang="ko-KR" altLang="en-US" dirty="0"/>
+          </a:p>
+        </p:txBody>
+      </p:sp>
+      <p:sp>
+        <p:nvSpPr>
+          <p:cNvPr id="11" name="직사각형 10"/>
+          <p:cNvSpPr/>
+          <p:nvPr/>
+        </p:nvSpPr>
+        <p:spPr>
+          <a:xfrm>
+            <a:off x="810545" y="4676332"/>
+            <a:ext cx="2827404" cy="504094"/>
+          </a:xfrm>
+          <a:prstGeom prst="rect">
+            <a:avLst/>
+          </a:prstGeom>
+        </p:spPr>
+        <p:style>
+          <a:lnRef idx="2">
+            <a:schemeClr val="accent1">
+              <a:shade val="50000"/>
+            </a:schemeClr>
+          </a:lnRef>
+          <a:fillRef idx="1">
+            <a:schemeClr val="accent1"/>
+          </a:fillRef>
+          <a:effectRef idx="0">
+            <a:schemeClr val="accent1"/>
+          </a:effectRef>
+          <a:fontRef idx="minor">
+            <a:schemeClr val="lt1"/>
+          </a:fontRef>
+        </p:style>
+        <p:txBody>
+          <a:bodyPr rtlCol="0" anchor="ctr"/>
+          <a:lstStyle/>
+          <a:p>
+            <a:pPr algn="ctr"/>
+            <a:endParaRPr lang="ko-KR" altLang="en-US"/>
+          </a:p>
+        </p:txBody>
+      </p:sp>
+      <p:sp>
+        <p:nvSpPr>
+          <p:cNvPr id="12" name="TextBox 11"/>
+          <p:cNvSpPr txBox="1"/>
+          <p:nvPr/>
+        </p:nvSpPr>
+        <p:spPr>
+          <a:xfrm>
+            <a:off x="1923191" y="4743426"/>
+            <a:ext cx="646331" cy="369332"/>
+          </a:xfrm>
+          <a:prstGeom prst="rect">
+            <a:avLst/>
+          </a:prstGeom>
+          <a:noFill/>
+        </p:spPr>
+        <p:txBody>
+          <a:bodyPr wrap="none" rtlCol="0">
+            <a:spAutoFit/>
+          </a:bodyPr>
+          <a:lstStyle/>
+          <a:p>
+            <a:r>
               <a:rPr lang="ko-KR" altLang="en-US" dirty="0" smtClean="0"/>
-              <a:t>프로젝트 </a:t>
-            </a:r>
-            <a:r>
-              <a:rPr lang="ko-KR" altLang="en-US" dirty="0" err="1" smtClean="0"/>
-              <a:t>서브명</a:t>
+              <a:t>보기</a:t>
             </a:r>
             <a:endParaRPr lang="ko-KR" altLang="en-US" dirty="0"/>
           </a:p>
@@ -6235,14 +5923,14 @@
       </p:sp>
       <p:sp>
         <p:nvSpPr>
-          <p:cNvPr id="31" name="직사각형 30"/>
+          <p:cNvPr id="16" name="직사각형 15"/>
           <p:cNvSpPr/>
           <p:nvPr/>
         </p:nvSpPr>
         <p:spPr>
           <a:xfrm>
-            <a:off x="8117059" y="1598891"/>
-            <a:ext cx="3576993" cy="542960"/>
+            <a:off x="4512250" y="1597181"/>
+            <a:ext cx="3146469" cy="3872182"/>
           </a:xfrm>
           <a:prstGeom prst="rect">
             <a:avLst/>
@@ -6280,65 +5968,31 @@
       </p:sp>
       <p:sp>
         <p:nvSpPr>
-          <p:cNvPr id="32" name="TextBox 31"/>
-          <p:cNvSpPr txBox="1"/>
-          <p:nvPr/>
-        </p:nvSpPr>
-        <p:spPr>
-          <a:xfrm>
-            <a:off x="8940955" y="1685705"/>
-            <a:ext cx="1872929" cy="369332"/>
-          </a:xfrm>
-          <a:prstGeom prst="rect">
-            <a:avLst/>
-          </a:prstGeom>
-          <a:noFill/>
-        </p:spPr>
-        <p:txBody>
-          <a:bodyPr wrap="square" rtlCol="0">
-            <a:spAutoFit/>
-          </a:bodyPr>
-          <a:lstStyle/>
-          <a:p>
-            <a:r>
-              <a:rPr lang="ko-KR" altLang="en-US" dirty="0" smtClean="0"/>
-              <a:t>프로젝트 </a:t>
-            </a:r>
-            <a:r>
-              <a:rPr lang="ko-KR" altLang="en-US" dirty="0" err="1" smtClean="0"/>
-              <a:t>서브명</a:t>
-            </a:r>
-            <a:endParaRPr lang="ko-KR" altLang="en-US" dirty="0"/>
-          </a:p>
-        </p:txBody>
-      </p:sp>
-      <p:sp>
-        <p:nvSpPr>
-          <p:cNvPr id="33" name="직사각형 32"/>
+          <p:cNvPr id="17" name="직사각형 16"/>
           <p:cNvSpPr/>
           <p:nvPr/>
         </p:nvSpPr>
         <p:spPr>
           <a:xfrm>
-            <a:off x="737319" y="2141851"/>
-            <a:ext cx="10981069" cy="4146408"/>
+            <a:off x="4664650" y="1749582"/>
+            <a:ext cx="2827404" cy="2200472"/>
           </a:xfrm>
           <a:prstGeom prst="rect">
             <a:avLst/>
           </a:prstGeom>
         </p:spPr>
         <p:style>
-          <a:lnRef idx="3">
-            <a:schemeClr val="lt1"/>
+          <a:lnRef idx="2">
+            <a:schemeClr val="accent1"/>
           </a:lnRef>
           <a:fillRef idx="1">
-            <a:schemeClr val="accent3"/>
+            <a:schemeClr val="lt1"/>
           </a:fillRef>
-          <a:effectRef idx="1">
-            <a:schemeClr val="accent3"/>
+          <a:effectRef idx="0">
+            <a:schemeClr val="accent1"/>
           </a:effectRef>
           <a:fontRef idx="minor">
-            <a:schemeClr val="lt1"/>
+            <a:schemeClr val="dk1"/>
           </a:fontRef>
         </p:style>
         <p:txBody>
@@ -6352,14 +6006,14 @@
       </p:sp>
       <p:sp>
         <p:nvSpPr>
-          <p:cNvPr id="34" name="TextBox 33"/>
+          <p:cNvPr id="18" name="TextBox 17"/>
           <p:cNvSpPr txBox="1"/>
           <p:nvPr/>
         </p:nvSpPr>
         <p:spPr>
           <a:xfrm>
-            <a:off x="927620" y="2339235"/>
-            <a:ext cx="1107996" cy="369332"/>
+            <a:off x="5793577" y="2665152"/>
+            <a:ext cx="583814" cy="369332"/>
           </a:xfrm>
           <a:prstGeom prst="rect">
             <a:avLst/>
@@ -6373,69 +6027,23 @@
           <a:lstStyle/>
           <a:p>
             <a:r>
-              <a:rPr lang="ko-KR" altLang="en-US" dirty="0" err="1" smtClean="0">
-                <a:solidFill>
-                  <a:schemeClr val="bg1"/>
-                </a:solidFill>
-              </a:rPr>
-              <a:t>미리보기</a:t>
-            </a:r>
-            <a:endParaRPr lang="ko-KR" altLang="en-US" dirty="0">
-              <a:solidFill>
-                <a:schemeClr val="bg1"/>
-              </a:solidFill>
-            </a:endParaRPr>
-          </a:p>
-        </p:txBody>
-      </p:sp>
-      <p:sp>
-        <p:nvSpPr>
-          <p:cNvPr id="35" name="직사각형 34"/>
-          <p:cNvSpPr/>
-          <p:nvPr/>
-        </p:nvSpPr>
-        <p:spPr>
-          <a:xfrm>
-            <a:off x="1250250" y="2864772"/>
-            <a:ext cx="9919498" cy="1932311"/>
-          </a:xfrm>
-          <a:prstGeom prst="rect">
-            <a:avLst/>
-          </a:prstGeom>
-        </p:spPr>
-        <p:style>
-          <a:lnRef idx="3">
-            <a:schemeClr val="lt1"/>
-          </a:lnRef>
-          <a:fillRef idx="1">
-            <a:schemeClr val="accent1"/>
-          </a:fillRef>
-          <a:effectRef idx="1">
-            <a:schemeClr val="accent1"/>
-          </a:effectRef>
-          <a:fontRef idx="minor">
-            <a:schemeClr val="lt1"/>
-          </a:fontRef>
-        </p:style>
-        <p:txBody>
-          <a:bodyPr rtlCol="0" anchor="ctr"/>
-          <a:lstStyle/>
-          <a:p>
-            <a:pPr algn="ctr"/>
-            <a:endParaRPr lang="ko-KR" altLang="en-US"/>
-          </a:p>
-        </p:txBody>
-      </p:sp>
-      <p:sp>
-        <p:nvSpPr>
-          <p:cNvPr id="36" name="TextBox 35"/>
+              <a:rPr lang="en-US" altLang="ko-KR" dirty="0" err="1" smtClean="0"/>
+              <a:t>img</a:t>
+            </a:r>
+            <a:endParaRPr lang="ko-KR" altLang="en-US" dirty="0"/>
+          </a:p>
+        </p:txBody>
+      </p:sp>
+      <p:sp>
+        <p:nvSpPr>
+          <p:cNvPr id="19" name="TextBox 18"/>
           <p:cNvSpPr txBox="1"/>
           <p:nvPr/>
         </p:nvSpPr>
         <p:spPr>
           <a:xfrm>
-            <a:off x="5632379" y="3646261"/>
-            <a:ext cx="1107996" cy="369332"/>
+            <a:off x="4664650" y="4147209"/>
+            <a:ext cx="1338828" cy="369332"/>
           </a:xfrm>
           <a:prstGeom prst="rect">
             <a:avLst/>
@@ -6449,260 +6057,25 @@
           <a:lstStyle/>
           <a:p>
             <a:r>
-              <a:rPr lang="ko-KR" altLang="en-US" dirty="0" smtClean="0">
-                <a:solidFill>
-                  <a:schemeClr val="bg1"/>
-                </a:solidFill>
-              </a:rPr>
-              <a:t>슬라이드</a:t>
-            </a:r>
-            <a:endParaRPr lang="ko-KR" altLang="en-US" dirty="0">
-              <a:solidFill>
-                <a:schemeClr val="bg1"/>
-              </a:solidFill>
-            </a:endParaRPr>
-          </a:p>
-        </p:txBody>
-      </p:sp>
-      <p:sp>
-        <p:nvSpPr>
-          <p:cNvPr id="37" name="TextBox 36"/>
-          <p:cNvSpPr txBox="1"/>
-          <p:nvPr/>
-        </p:nvSpPr>
-        <p:spPr>
-          <a:xfrm>
-            <a:off x="1250250" y="4988673"/>
-            <a:ext cx="9919498" cy="1477328"/>
-          </a:xfrm>
-          <a:prstGeom prst="rect">
-            <a:avLst/>
-          </a:prstGeom>
-          <a:noFill/>
-        </p:spPr>
-        <p:txBody>
-          <a:bodyPr wrap="square" rtlCol="0">
-            <a:spAutoFit/>
-          </a:bodyPr>
-          <a:lstStyle/>
-          <a:p>
-            <a:r>
-              <a:rPr lang="ko-KR" altLang="en-US" dirty="0" err="1" smtClean="0">
-                <a:solidFill>
-                  <a:schemeClr val="bg1"/>
-                </a:solidFill>
-              </a:rPr>
-              <a:t>퍼블한</a:t>
-            </a:r>
-            <a:r>
-              <a:rPr lang="ko-KR" altLang="en-US" dirty="0" smtClean="0">
-                <a:solidFill>
-                  <a:schemeClr val="bg1"/>
-                </a:solidFill>
-              </a:rPr>
-              <a:t> 링크 목록</a:t>
-            </a:r>
-            <a:endParaRPr lang="en-US" altLang="ko-KR" dirty="0" smtClean="0">
-              <a:solidFill>
-                <a:schemeClr val="bg1"/>
-              </a:solidFill>
-            </a:endParaRPr>
-          </a:p>
-          <a:p>
-            <a:pPr marL="285750" indent="-285750">
-              <a:buFont typeface="Arial" panose="020B0604020202020204" pitchFamily="34" charset="0"/>
-              <a:buChar char="•"/>
-            </a:pPr>
-            <a:r>
-              <a:rPr lang="ko-KR" altLang="en-US" dirty="0" err="1" smtClean="0">
-                <a:solidFill>
-                  <a:schemeClr val="bg1"/>
-                </a:solidFill>
-              </a:rPr>
-              <a:t>퍼블</a:t>
-            </a:r>
-            <a:r>
-              <a:rPr lang="ko-KR" altLang="en-US" dirty="0" smtClean="0">
-                <a:solidFill>
-                  <a:schemeClr val="bg1"/>
-                </a:solidFill>
-              </a:rPr>
-              <a:t> 링크</a:t>
-            </a:r>
-            <a:r>
-              <a:rPr lang="en-US" altLang="ko-KR" dirty="0" smtClean="0">
-                <a:solidFill>
-                  <a:schemeClr val="bg1"/>
-                </a:solidFill>
-              </a:rPr>
-              <a:t>1</a:t>
-            </a:r>
-          </a:p>
-          <a:p>
-            <a:pPr marL="285750" indent="-285750">
-              <a:buFont typeface="Arial" panose="020B0604020202020204" pitchFamily="34" charset="0"/>
-              <a:buChar char="•"/>
-            </a:pPr>
-            <a:r>
-              <a:rPr lang="ko-KR" altLang="en-US" dirty="0" err="1" smtClean="0">
-                <a:solidFill>
-                  <a:schemeClr val="bg1"/>
-                </a:solidFill>
-              </a:rPr>
-              <a:t>퍼블</a:t>
-            </a:r>
-            <a:r>
-              <a:rPr lang="ko-KR" altLang="en-US" dirty="0" smtClean="0">
-                <a:solidFill>
-                  <a:schemeClr val="bg1"/>
-                </a:solidFill>
-              </a:rPr>
-              <a:t> 링크</a:t>
-            </a:r>
-            <a:r>
-              <a:rPr lang="en-US" altLang="ko-KR" dirty="0" smtClean="0">
-                <a:solidFill>
-                  <a:schemeClr val="bg1"/>
-                </a:solidFill>
-              </a:rPr>
-              <a:t>2</a:t>
-            </a:r>
-          </a:p>
-          <a:p>
-            <a:pPr marL="285750" indent="-285750">
-              <a:buFont typeface="Arial" panose="020B0604020202020204" pitchFamily="34" charset="0"/>
-              <a:buChar char="•"/>
-            </a:pPr>
-            <a:r>
-              <a:rPr lang="ko-KR" altLang="en-US" dirty="0" err="1" smtClean="0">
-                <a:solidFill>
-                  <a:schemeClr val="bg1"/>
-                </a:solidFill>
-              </a:rPr>
-              <a:t>퍼블</a:t>
-            </a:r>
-            <a:r>
-              <a:rPr lang="ko-KR" altLang="en-US" dirty="0" smtClean="0">
-                <a:solidFill>
-                  <a:schemeClr val="bg1"/>
-                </a:solidFill>
-              </a:rPr>
-              <a:t> 링크</a:t>
-            </a:r>
-            <a:r>
-              <a:rPr lang="en-US" altLang="ko-KR" dirty="0" smtClean="0">
-                <a:solidFill>
-                  <a:schemeClr val="bg1"/>
-                </a:solidFill>
-              </a:rPr>
-              <a:t>3</a:t>
-            </a:r>
-          </a:p>
-          <a:p>
-            <a:pPr marL="285750" indent="-285750">
-              <a:buFont typeface="Arial" panose="020B0604020202020204" pitchFamily="34" charset="0"/>
-              <a:buChar char="•"/>
-            </a:pPr>
-            <a:endParaRPr lang="ko-KR" altLang="en-US" dirty="0">
-              <a:solidFill>
-                <a:schemeClr val="bg1"/>
-              </a:solidFill>
-            </a:endParaRPr>
-          </a:p>
-        </p:txBody>
-      </p:sp>
-      <p:sp>
-        <p:nvSpPr>
-          <p:cNvPr id="38" name="이등변 삼각형 37"/>
+              <a:rPr lang="ko-KR" altLang="en-US" dirty="0" err="1" smtClean="0"/>
+              <a:t>프로젝트명</a:t>
+            </a:r>
+            <a:endParaRPr lang="ko-KR" altLang="en-US" dirty="0"/>
+          </a:p>
+        </p:txBody>
+      </p:sp>
+      <p:sp>
+        <p:nvSpPr>
+          <p:cNvPr id="20" name="직사각형 19"/>
           <p:cNvSpPr/>
           <p:nvPr/>
         </p:nvSpPr>
         <p:spPr>
-          <a:xfrm rot="16200000">
-            <a:off x="1493478" y="3629721"/>
-            <a:ext cx="369333" cy="318390"/>
-          </a:xfrm>
-          <a:prstGeom prst="triangle">
-            <a:avLst/>
-          </a:prstGeom>
-        </p:spPr>
-        <p:style>
-          <a:lnRef idx="2">
-            <a:schemeClr val="dk1">
-              <a:shade val="50000"/>
-            </a:schemeClr>
-          </a:lnRef>
-          <a:fillRef idx="1">
-            <a:schemeClr val="dk1"/>
-          </a:fillRef>
-          <a:effectRef idx="0">
-            <a:schemeClr val="dk1"/>
-          </a:effectRef>
-          <a:fontRef idx="minor">
-            <a:schemeClr val="lt1"/>
-          </a:fontRef>
-        </p:style>
-        <p:txBody>
-          <a:bodyPr rtlCol="0" anchor="ctr"/>
-          <a:lstStyle/>
-          <a:p>
-            <a:pPr algn="ctr"/>
-            <a:endParaRPr lang="ko-KR" altLang="en-US"/>
-          </a:p>
-        </p:txBody>
-      </p:sp>
-      <p:sp>
-        <p:nvSpPr>
-          <p:cNvPr id="39" name="이등변 삼각형 38"/>
-          <p:cNvSpPr/>
-          <p:nvPr/>
-        </p:nvSpPr>
-        <p:spPr>
-          <a:xfrm rot="5400000">
-            <a:off x="10533055" y="3634104"/>
-            <a:ext cx="369333" cy="318390"/>
-          </a:xfrm>
-          <a:prstGeom prst="triangle">
-            <a:avLst/>
-          </a:prstGeom>
-        </p:spPr>
-        <p:style>
-          <a:lnRef idx="2">
-            <a:schemeClr val="dk1">
-              <a:shade val="50000"/>
-            </a:schemeClr>
-          </a:lnRef>
-          <a:fillRef idx="1">
-            <a:schemeClr val="dk1"/>
-          </a:fillRef>
-          <a:effectRef idx="0">
-            <a:schemeClr val="dk1"/>
-          </a:effectRef>
-          <a:fontRef idx="minor">
-            <a:schemeClr val="lt1"/>
-          </a:fontRef>
-        </p:style>
-        <p:txBody>
-          <a:bodyPr rtlCol="0" anchor="ctr"/>
-          <a:lstStyle/>
-          <a:p>
-            <a:pPr algn="ctr"/>
-            <a:endParaRPr lang="ko-KR" altLang="en-US"/>
-          </a:p>
-        </p:txBody>
-      </p:sp>
-      <p:sp>
-        <p:nvSpPr>
-          <p:cNvPr id="40" name="타원 39"/>
-          <p:cNvSpPr/>
-          <p:nvPr/>
-        </p:nvSpPr>
-        <p:spPr>
-          <a:xfrm>
-            <a:off x="5852156" y="5083125"/>
-            <a:ext cx="98474" cy="98474"/>
-          </a:xfrm>
-          <a:prstGeom prst="ellipse">
+          <a:xfrm>
+            <a:off x="4671782" y="4676332"/>
+            <a:ext cx="2827404" cy="504094"/>
+          </a:xfrm>
+          <a:prstGeom prst="rect">
             <a:avLst/>
           </a:prstGeom>
         </p:spPr>
@@ -6733,16 +6106,189 @@
       </p:sp>
       <p:sp>
         <p:nvSpPr>
-          <p:cNvPr id="41" name="타원 40"/>
+          <p:cNvPr id="21" name="TextBox 20"/>
+          <p:cNvSpPr txBox="1"/>
+          <p:nvPr/>
+        </p:nvSpPr>
+        <p:spPr>
+          <a:xfrm>
+            <a:off x="5784428" y="4743426"/>
+            <a:ext cx="646331" cy="369332"/>
+          </a:xfrm>
+          <a:prstGeom prst="rect">
+            <a:avLst/>
+          </a:prstGeom>
+          <a:noFill/>
+        </p:spPr>
+        <p:txBody>
+          <a:bodyPr wrap="none" rtlCol="0">
+            <a:spAutoFit/>
+          </a:bodyPr>
+          <a:lstStyle/>
+          <a:p>
+            <a:r>
+              <a:rPr lang="ko-KR" altLang="en-US" dirty="0" smtClean="0"/>
+              <a:t>보기</a:t>
+            </a:r>
+            <a:endParaRPr lang="ko-KR" altLang="en-US" dirty="0"/>
+          </a:p>
+        </p:txBody>
+      </p:sp>
+      <p:sp>
+        <p:nvSpPr>
+          <p:cNvPr id="22" name="직사각형 21"/>
           <p:cNvSpPr/>
           <p:nvPr/>
         </p:nvSpPr>
         <p:spPr>
           <a:xfrm>
-            <a:off x="6088963" y="5083125"/>
-            <a:ext cx="98474" cy="98474"/>
-          </a:xfrm>
-          <a:prstGeom prst="ellipse">
+            <a:off x="8357574" y="1576215"/>
+            <a:ext cx="3146469" cy="3872182"/>
+          </a:xfrm>
+          <a:prstGeom prst="rect">
+            <a:avLst/>
+          </a:prstGeom>
+          <a:solidFill>
+            <a:schemeClr val="accent3">
+              <a:alpha val="48000"/>
+            </a:schemeClr>
+          </a:solidFill>
+        </p:spPr>
+        <p:style>
+          <a:lnRef idx="2">
+            <a:schemeClr val="accent3">
+              <a:shade val="50000"/>
+            </a:schemeClr>
+          </a:lnRef>
+          <a:fillRef idx="1">
+            <a:schemeClr val="accent3"/>
+          </a:fillRef>
+          <a:effectRef idx="0">
+            <a:schemeClr val="accent3"/>
+          </a:effectRef>
+          <a:fontRef idx="minor">
+            <a:schemeClr val="lt1"/>
+          </a:fontRef>
+        </p:style>
+        <p:txBody>
+          <a:bodyPr rtlCol="0" anchor="ctr"/>
+          <a:lstStyle/>
+          <a:p>
+            <a:pPr algn="ctr"/>
+            <a:endParaRPr lang="ko-KR" altLang="en-US"/>
+          </a:p>
+        </p:txBody>
+      </p:sp>
+      <p:sp>
+        <p:nvSpPr>
+          <p:cNvPr id="23" name="직사각형 22"/>
+          <p:cNvSpPr/>
+          <p:nvPr/>
+        </p:nvSpPr>
+        <p:spPr>
+          <a:xfrm>
+            <a:off x="8509974" y="1728616"/>
+            <a:ext cx="2827404" cy="2200472"/>
+          </a:xfrm>
+          <a:prstGeom prst="rect">
+            <a:avLst/>
+          </a:prstGeom>
+        </p:spPr>
+        <p:style>
+          <a:lnRef idx="2">
+            <a:schemeClr val="accent1"/>
+          </a:lnRef>
+          <a:fillRef idx="1">
+            <a:schemeClr val="lt1"/>
+          </a:fillRef>
+          <a:effectRef idx="0">
+            <a:schemeClr val="accent1"/>
+          </a:effectRef>
+          <a:fontRef idx="minor">
+            <a:schemeClr val="dk1"/>
+          </a:fontRef>
+        </p:style>
+        <p:txBody>
+          <a:bodyPr rtlCol="0" anchor="ctr"/>
+          <a:lstStyle/>
+          <a:p>
+            <a:pPr algn="ctr"/>
+            <a:endParaRPr lang="ko-KR" altLang="en-US"/>
+          </a:p>
+        </p:txBody>
+      </p:sp>
+      <p:sp>
+        <p:nvSpPr>
+          <p:cNvPr id="24" name="TextBox 23"/>
+          <p:cNvSpPr txBox="1"/>
+          <p:nvPr/>
+        </p:nvSpPr>
+        <p:spPr>
+          <a:xfrm>
+            <a:off x="9638901" y="2644186"/>
+            <a:ext cx="583814" cy="369332"/>
+          </a:xfrm>
+          <a:prstGeom prst="rect">
+            <a:avLst/>
+          </a:prstGeom>
+          <a:noFill/>
+        </p:spPr>
+        <p:txBody>
+          <a:bodyPr wrap="none" rtlCol="0">
+            <a:spAutoFit/>
+          </a:bodyPr>
+          <a:lstStyle/>
+          <a:p>
+            <a:r>
+              <a:rPr lang="en-US" altLang="ko-KR" dirty="0" err="1" smtClean="0"/>
+              <a:t>img</a:t>
+            </a:r>
+            <a:endParaRPr lang="ko-KR" altLang="en-US" dirty="0"/>
+          </a:p>
+        </p:txBody>
+      </p:sp>
+      <p:sp>
+        <p:nvSpPr>
+          <p:cNvPr id="25" name="TextBox 24"/>
+          <p:cNvSpPr txBox="1"/>
+          <p:nvPr/>
+        </p:nvSpPr>
+        <p:spPr>
+          <a:xfrm>
+            <a:off x="8509974" y="4126243"/>
+            <a:ext cx="1338828" cy="369332"/>
+          </a:xfrm>
+          <a:prstGeom prst="rect">
+            <a:avLst/>
+          </a:prstGeom>
+          <a:noFill/>
+        </p:spPr>
+        <p:txBody>
+          <a:bodyPr wrap="none" rtlCol="0">
+            <a:spAutoFit/>
+          </a:bodyPr>
+          <a:lstStyle/>
+          <a:p>
+            <a:r>
+              <a:rPr lang="ko-KR" altLang="en-US" dirty="0" err="1" smtClean="0"/>
+              <a:t>프로젝트명</a:t>
+            </a:r>
+            <a:endParaRPr lang="ko-KR" altLang="en-US" dirty="0"/>
+          </a:p>
+        </p:txBody>
+      </p:sp>
+      <p:sp>
+        <p:nvSpPr>
+          <p:cNvPr id="26" name="직사각형 25"/>
+          <p:cNvSpPr/>
+          <p:nvPr/>
+        </p:nvSpPr>
+        <p:spPr>
+          <a:xfrm>
+            <a:off x="8517106" y="4655366"/>
+            <a:ext cx="2827404" cy="504094"/>
+          </a:xfrm>
+          <a:prstGeom prst="rect">
             <a:avLst/>
           </a:prstGeom>
         </p:spPr>
@@ -6773,48 +6319,38 @@
       </p:sp>
       <p:sp>
         <p:nvSpPr>
-          <p:cNvPr id="42" name="타원 41"/>
-          <p:cNvSpPr/>
-          <p:nvPr/>
-        </p:nvSpPr>
-        <p:spPr>
-          <a:xfrm>
-            <a:off x="6342188" y="5083125"/>
-            <a:ext cx="98474" cy="98474"/>
-          </a:xfrm>
-          <a:prstGeom prst="ellipse">
-            <a:avLst/>
-          </a:prstGeom>
-        </p:spPr>
-        <p:style>
-          <a:lnRef idx="2">
-            <a:schemeClr val="accent1">
-              <a:shade val="50000"/>
-            </a:schemeClr>
-          </a:lnRef>
-          <a:fillRef idx="1">
-            <a:schemeClr val="accent1"/>
-          </a:fillRef>
-          <a:effectRef idx="0">
-            <a:schemeClr val="accent1"/>
-          </a:effectRef>
-          <a:fontRef idx="minor">
-            <a:schemeClr val="lt1"/>
-          </a:fontRef>
-        </p:style>
-        <p:txBody>
-          <a:bodyPr rtlCol="0" anchor="ctr"/>
-          <a:lstStyle/>
-          <a:p>
-            <a:pPr algn="ctr"/>
-            <a:endParaRPr lang="ko-KR" altLang="en-US"/>
+          <p:cNvPr id="27" name="TextBox 26"/>
+          <p:cNvSpPr txBox="1"/>
+          <p:nvPr/>
+        </p:nvSpPr>
+        <p:spPr>
+          <a:xfrm>
+            <a:off x="9629752" y="4722460"/>
+            <a:ext cx="646331" cy="369332"/>
+          </a:xfrm>
+          <a:prstGeom prst="rect">
+            <a:avLst/>
+          </a:prstGeom>
+          <a:noFill/>
+        </p:spPr>
+        <p:txBody>
+          <a:bodyPr wrap="none" rtlCol="0">
+            <a:spAutoFit/>
+          </a:bodyPr>
+          <a:lstStyle/>
+          <a:p>
+            <a:r>
+              <a:rPr lang="ko-KR" altLang="en-US" dirty="0" smtClean="0"/>
+              <a:t>보기</a:t>
+            </a:r>
+            <a:endParaRPr lang="ko-KR" altLang="en-US" dirty="0"/>
           </a:p>
         </p:txBody>
       </p:sp>
     </p:spTree>
     <p:extLst>
       <p:ext uri="{BB962C8B-B14F-4D97-AF65-F5344CB8AC3E}">
-        <p14:creationId xmlns:p14="http://schemas.microsoft.com/office/powerpoint/2010/main" val="1005141471"/>
+        <p14:creationId xmlns:p14="http://schemas.microsoft.com/office/powerpoint/2010/main" val="246566250"/>
       </p:ext>
     </p:extLst>
   </p:cSld>
@@ -6864,8 +6400,16 @@
           <a:lstStyle/>
           <a:p>
             <a:r>
+              <a:rPr lang="en-US" altLang="ko-KR" sz="2000" dirty="0" err="1"/>
+              <a:t>w</a:t>
+            </a:r>
+            <a:r>
+              <a:rPr lang="en-US" altLang="ko-KR" sz="2000" dirty="0" err="1" smtClean="0"/>
+              <a:t>ork_sub</a:t>
+            </a:r>
+            <a:r>
               <a:rPr lang="en-US" altLang="ko-KR" sz="2000" dirty="0" smtClean="0"/>
-              <a:t>about(</a:t>
+              <a:t>(</a:t>
             </a:r>
             <a:r>
               <a:rPr lang="ko-KR" altLang="en-US" sz="2000" dirty="0" err="1" smtClean="0"/>
@@ -6919,16 +6463,667 @@
       </p:sp>
       <p:sp>
         <p:nvSpPr>
-          <p:cNvPr id="2" name="직사각형 1"/>
+          <p:cNvPr id="16" name="직사각형 15"/>
           <p:cNvSpPr/>
           <p:nvPr/>
         </p:nvSpPr>
         <p:spPr>
           <a:xfrm>
-            <a:off x="576775" y="1041010"/>
-            <a:ext cx="10986868" cy="1702190"/>
-          </a:xfrm>
-          <a:prstGeom prst="rect">
+            <a:off x="737319" y="1598891"/>
+            <a:ext cx="3546512" cy="542960"/>
+          </a:xfrm>
+          <a:prstGeom prst="rect">
+            <a:avLst/>
+          </a:prstGeom>
+        </p:spPr>
+        <p:style>
+          <a:lnRef idx="3">
+            <a:schemeClr val="lt1"/>
+          </a:lnRef>
+          <a:fillRef idx="1">
+            <a:schemeClr val="accent3"/>
+          </a:fillRef>
+          <a:effectRef idx="1">
+            <a:schemeClr val="accent3"/>
+          </a:effectRef>
+          <a:fontRef idx="minor">
+            <a:schemeClr val="lt1"/>
+          </a:fontRef>
+        </p:style>
+        <p:txBody>
+          <a:bodyPr rtlCol="0" anchor="ctr"/>
+          <a:lstStyle/>
+          <a:p>
+            <a:pPr algn="ctr"/>
+            <a:endParaRPr lang="ko-KR" altLang="en-US"/>
+          </a:p>
+        </p:txBody>
+      </p:sp>
+      <p:sp>
+        <p:nvSpPr>
+          <p:cNvPr id="18" name="TextBox 17"/>
+          <p:cNvSpPr txBox="1"/>
+          <p:nvPr/>
+        </p:nvSpPr>
+        <p:spPr>
+          <a:xfrm>
+            <a:off x="715141" y="1032175"/>
+            <a:ext cx="1338828" cy="369332"/>
+          </a:xfrm>
+          <a:prstGeom prst="rect">
+            <a:avLst/>
+          </a:prstGeom>
+          <a:noFill/>
+        </p:spPr>
+        <p:txBody>
+          <a:bodyPr wrap="none" rtlCol="0">
+            <a:spAutoFit/>
+          </a:bodyPr>
+          <a:lstStyle/>
+          <a:p>
+            <a:r>
+              <a:rPr lang="ko-KR" altLang="en-US" dirty="0" err="1" smtClean="0"/>
+              <a:t>프로젝트명</a:t>
+            </a:r>
+            <a:endParaRPr lang="ko-KR" altLang="en-US" dirty="0"/>
+          </a:p>
+        </p:txBody>
+      </p:sp>
+      <p:sp>
+        <p:nvSpPr>
+          <p:cNvPr id="28" name="TextBox 27"/>
+          <p:cNvSpPr txBox="1"/>
+          <p:nvPr/>
+        </p:nvSpPr>
+        <p:spPr>
+          <a:xfrm>
+            <a:off x="1569452" y="1685705"/>
+            <a:ext cx="1882247" cy="369332"/>
+          </a:xfrm>
+          <a:prstGeom prst="rect">
+            <a:avLst/>
+          </a:prstGeom>
+          <a:noFill/>
+        </p:spPr>
+        <p:txBody>
+          <a:bodyPr wrap="none" rtlCol="0">
+            <a:spAutoFit/>
+          </a:bodyPr>
+          <a:lstStyle/>
+          <a:p>
+            <a:r>
+              <a:rPr lang="ko-KR" altLang="en-US" dirty="0" smtClean="0">
+                <a:solidFill>
+                  <a:schemeClr val="bg1"/>
+                </a:solidFill>
+              </a:rPr>
+              <a:t>프로젝트 </a:t>
+            </a:r>
+            <a:r>
+              <a:rPr lang="ko-KR" altLang="en-US" dirty="0" err="1" smtClean="0">
+                <a:solidFill>
+                  <a:schemeClr val="bg1"/>
+                </a:solidFill>
+              </a:rPr>
+              <a:t>서브명</a:t>
+            </a:r>
+            <a:endParaRPr lang="ko-KR" altLang="en-US" dirty="0">
+              <a:solidFill>
+                <a:schemeClr val="bg1"/>
+              </a:solidFill>
+            </a:endParaRPr>
+          </a:p>
+        </p:txBody>
+      </p:sp>
+      <p:sp>
+        <p:nvSpPr>
+          <p:cNvPr id="29" name="직사각형 28"/>
+          <p:cNvSpPr/>
+          <p:nvPr/>
+        </p:nvSpPr>
+        <p:spPr>
+          <a:xfrm>
+            <a:off x="4336303" y="1598891"/>
+            <a:ext cx="3700148" cy="542960"/>
+          </a:xfrm>
+          <a:prstGeom prst="rect">
+            <a:avLst/>
+          </a:prstGeom>
+          <a:solidFill>
+            <a:schemeClr val="accent3">
+              <a:alpha val="48000"/>
+            </a:schemeClr>
+          </a:solidFill>
+        </p:spPr>
+        <p:style>
+          <a:lnRef idx="2">
+            <a:schemeClr val="accent3">
+              <a:shade val="50000"/>
+            </a:schemeClr>
+          </a:lnRef>
+          <a:fillRef idx="1">
+            <a:schemeClr val="accent3"/>
+          </a:fillRef>
+          <a:effectRef idx="0">
+            <a:schemeClr val="accent3"/>
+          </a:effectRef>
+          <a:fontRef idx="minor">
+            <a:schemeClr val="lt1"/>
+          </a:fontRef>
+        </p:style>
+        <p:txBody>
+          <a:bodyPr rtlCol="0" anchor="ctr"/>
+          <a:lstStyle/>
+          <a:p>
+            <a:pPr algn="ctr"/>
+            <a:endParaRPr lang="ko-KR" altLang="en-US"/>
+          </a:p>
+        </p:txBody>
+      </p:sp>
+      <p:sp>
+        <p:nvSpPr>
+          <p:cNvPr id="30" name="TextBox 29"/>
+          <p:cNvSpPr txBox="1"/>
+          <p:nvPr/>
+        </p:nvSpPr>
+        <p:spPr>
+          <a:xfrm>
+            <a:off x="5245254" y="1685705"/>
+            <a:ext cx="1882247" cy="369332"/>
+          </a:xfrm>
+          <a:prstGeom prst="rect">
+            <a:avLst/>
+          </a:prstGeom>
+          <a:noFill/>
+        </p:spPr>
+        <p:txBody>
+          <a:bodyPr wrap="none" rtlCol="0">
+            <a:spAutoFit/>
+          </a:bodyPr>
+          <a:lstStyle/>
+          <a:p>
+            <a:r>
+              <a:rPr lang="ko-KR" altLang="en-US" dirty="0" smtClean="0"/>
+              <a:t>프로젝트 </a:t>
+            </a:r>
+            <a:r>
+              <a:rPr lang="ko-KR" altLang="en-US" dirty="0" err="1" smtClean="0"/>
+              <a:t>서브명</a:t>
+            </a:r>
+            <a:endParaRPr lang="ko-KR" altLang="en-US" dirty="0"/>
+          </a:p>
+        </p:txBody>
+      </p:sp>
+      <p:sp>
+        <p:nvSpPr>
+          <p:cNvPr id="31" name="직사각형 30"/>
+          <p:cNvSpPr/>
+          <p:nvPr/>
+        </p:nvSpPr>
+        <p:spPr>
+          <a:xfrm>
+            <a:off x="8117059" y="1598891"/>
+            <a:ext cx="3576993" cy="542960"/>
+          </a:xfrm>
+          <a:prstGeom prst="rect">
+            <a:avLst/>
+          </a:prstGeom>
+          <a:solidFill>
+            <a:schemeClr val="accent3">
+              <a:alpha val="48000"/>
+            </a:schemeClr>
+          </a:solidFill>
+        </p:spPr>
+        <p:style>
+          <a:lnRef idx="2">
+            <a:schemeClr val="accent3">
+              <a:shade val="50000"/>
+            </a:schemeClr>
+          </a:lnRef>
+          <a:fillRef idx="1">
+            <a:schemeClr val="accent3"/>
+          </a:fillRef>
+          <a:effectRef idx="0">
+            <a:schemeClr val="accent3"/>
+          </a:effectRef>
+          <a:fontRef idx="minor">
+            <a:schemeClr val="lt1"/>
+          </a:fontRef>
+        </p:style>
+        <p:txBody>
+          <a:bodyPr rtlCol="0" anchor="ctr"/>
+          <a:lstStyle/>
+          <a:p>
+            <a:pPr algn="ctr"/>
+            <a:endParaRPr lang="ko-KR" altLang="en-US"/>
+          </a:p>
+        </p:txBody>
+      </p:sp>
+      <p:sp>
+        <p:nvSpPr>
+          <p:cNvPr id="32" name="TextBox 31"/>
+          <p:cNvSpPr txBox="1"/>
+          <p:nvPr/>
+        </p:nvSpPr>
+        <p:spPr>
+          <a:xfrm>
+            <a:off x="8940955" y="1685705"/>
+            <a:ext cx="1872929" cy="369332"/>
+          </a:xfrm>
+          <a:prstGeom prst="rect">
+            <a:avLst/>
+          </a:prstGeom>
+          <a:noFill/>
+        </p:spPr>
+        <p:txBody>
+          <a:bodyPr wrap="square" rtlCol="0">
+            <a:spAutoFit/>
+          </a:bodyPr>
+          <a:lstStyle/>
+          <a:p>
+            <a:r>
+              <a:rPr lang="ko-KR" altLang="en-US" dirty="0" smtClean="0"/>
+              <a:t>프로젝트 </a:t>
+            </a:r>
+            <a:r>
+              <a:rPr lang="ko-KR" altLang="en-US" dirty="0" err="1" smtClean="0"/>
+              <a:t>서브명</a:t>
+            </a:r>
+            <a:endParaRPr lang="ko-KR" altLang="en-US" dirty="0"/>
+          </a:p>
+        </p:txBody>
+      </p:sp>
+      <p:sp>
+        <p:nvSpPr>
+          <p:cNvPr id="33" name="직사각형 32"/>
+          <p:cNvSpPr/>
+          <p:nvPr/>
+        </p:nvSpPr>
+        <p:spPr>
+          <a:xfrm>
+            <a:off x="737319" y="2141851"/>
+            <a:ext cx="10981069" cy="4146408"/>
+          </a:xfrm>
+          <a:prstGeom prst="rect">
+            <a:avLst/>
+          </a:prstGeom>
+        </p:spPr>
+        <p:style>
+          <a:lnRef idx="3">
+            <a:schemeClr val="lt1"/>
+          </a:lnRef>
+          <a:fillRef idx="1">
+            <a:schemeClr val="accent3"/>
+          </a:fillRef>
+          <a:effectRef idx="1">
+            <a:schemeClr val="accent3"/>
+          </a:effectRef>
+          <a:fontRef idx="minor">
+            <a:schemeClr val="lt1"/>
+          </a:fontRef>
+        </p:style>
+        <p:txBody>
+          <a:bodyPr rtlCol="0" anchor="ctr"/>
+          <a:lstStyle/>
+          <a:p>
+            <a:pPr algn="ctr"/>
+            <a:endParaRPr lang="ko-KR" altLang="en-US"/>
+          </a:p>
+        </p:txBody>
+      </p:sp>
+      <p:sp>
+        <p:nvSpPr>
+          <p:cNvPr id="34" name="TextBox 33"/>
+          <p:cNvSpPr txBox="1"/>
+          <p:nvPr/>
+        </p:nvSpPr>
+        <p:spPr>
+          <a:xfrm>
+            <a:off x="927620" y="2339235"/>
+            <a:ext cx="1107996" cy="369332"/>
+          </a:xfrm>
+          <a:prstGeom prst="rect">
+            <a:avLst/>
+          </a:prstGeom>
+          <a:noFill/>
+        </p:spPr>
+        <p:txBody>
+          <a:bodyPr wrap="none" rtlCol="0">
+            <a:spAutoFit/>
+          </a:bodyPr>
+          <a:lstStyle/>
+          <a:p>
+            <a:r>
+              <a:rPr lang="ko-KR" altLang="en-US" dirty="0" err="1" smtClean="0">
+                <a:solidFill>
+                  <a:schemeClr val="bg1"/>
+                </a:solidFill>
+              </a:rPr>
+              <a:t>미리보기</a:t>
+            </a:r>
+            <a:endParaRPr lang="ko-KR" altLang="en-US" dirty="0">
+              <a:solidFill>
+                <a:schemeClr val="bg1"/>
+              </a:solidFill>
+            </a:endParaRPr>
+          </a:p>
+        </p:txBody>
+      </p:sp>
+      <p:sp>
+        <p:nvSpPr>
+          <p:cNvPr id="35" name="직사각형 34"/>
+          <p:cNvSpPr/>
+          <p:nvPr/>
+        </p:nvSpPr>
+        <p:spPr>
+          <a:xfrm>
+            <a:off x="1250250" y="2864772"/>
+            <a:ext cx="9919498" cy="1932311"/>
+          </a:xfrm>
+          <a:prstGeom prst="rect">
+            <a:avLst/>
+          </a:prstGeom>
+        </p:spPr>
+        <p:style>
+          <a:lnRef idx="3">
+            <a:schemeClr val="lt1"/>
+          </a:lnRef>
+          <a:fillRef idx="1">
+            <a:schemeClr val="accent1"/>
+          </a:fillRef>
+          <a:effectRef idx="1">
+            <a:schemeClr val="accent1"/>
+          </a:effectRef>
+          <a:fontRef idx="minor">
+            <a:schemeClr val="lt1"/>
+          </a:fontRef>
+        </p:style>
+        <p:txBody>
+          <a:bodyPr rtlCol="0" anchor="ctr"/>
+          <a:lstStyle/>
+          <a:p>
+            <a:pPr algn="ctr"/>
+            <a:endParaRPr lang="ko-KR" altLang="en-US"/>
+          </a:p>
+        </p:txBody>
+      </p:sp>
+      <p:sp>
+        <p:nvSpPr>
+          <p:cNvPr id="36" name="TextBox 35"/>
+          <p:cNvSpPr txBox="1"/>
+          <p:nvPr/>
+        </p:nvSpPr>
+        <p:spPr>
+          <a:xfrm>
+            <a:off x="5632379" y="3646261"/>
+            <a:ext cx="1107996" cy="369332"/>
+          </a:xfrm>
+          <a:prstGeom prst="rect">
+            <a:avLst/>
+          </a:prstGeom>
+          <a:noFill/>
+        </p:spPr>
+        <p:txBody>
+          <a:bodyPr wrap="none" rtlCol="0">
+            <a:spAutoFit/>
+          </a:bodyPr>
+          <a:lstStyle/>
+          <a:p>
+            <a:r>
+              <a:rPr lang="ko-KR" altLang="en-US" dirty="0" smtClean="0">
+                <a:solidFill>
+                  <a:schemeClr val="bg1"/>
+                </a:solidFill>
+              </a:rPr>
+              <a:t>슬라이드</a:t>
+            </a:r>
+            <a:endParaRPr lang="ko-KR" altLang="en-US" dirty="0">
+              <a:solidFill>
+                <a:schemeClr val="bg1"/>
+              </a:solidFill>
+            </a:endParaRPr>
+          </a:p>
+        </p:txBody>
+      </p:sp>
+      <p:sp>
+        <p:nvSpPr>
+          <p:cNvPr id="37" name="TextBox 36"/>
+          <p:cNvSpPr txBox="1"/>
+          <p:nvPr/>
+        </p:nvSpPr>
+        <p:spPr>
+          <a:xfrm>
+            <a:off x="1250250" y="4988673"/>
+            <a:ext cx="9919498" cy="1477328"/>
+          </a:xfrm>
+          <a:prstGeom prst="rect">
+            <a:avLst/>
+          </a:prstGeom>
+          <a:noFill/>
+        </p:spPr>
+        <p:txBody>
+          <a:bodyPr wrap="square" rtlCol="0">
+            <a:spAutoFit/>
+          </a:bodyPr>
+          <a:lstStyle/>
+          <a:p>
+            <a:r>
+              <a:rPr lang="ko-KR" altLang="en-US" dirty="0" err="1" smtClean="0">
+                <a:solidFill>
+                  <a:schemeClr val="bg1"/>
+                </a:solidFill>
+              </a:rPr>
+              <a:t>퍼블한</a:t>
+            </a:r>
+            <a:r>
+              <a:rPr lang="ko-KR" altLang="en-US" dirty="0" smtClean="0">
+                <a:solidFill>
+                  <a:schemeClr val="bg1"/>
+                </a:solidFill>
+              </a:rPr>
+              <a:t> 링크 목록</a:t>
+            </a:r>
+            <a:endParaRPr lang="en-US" altLang="ko-KR" dirty="0" smtClean="0">
+              <a:solidFill>
+                <a:schemeClr val="bg1"/>
+              </a:solidFill>
+            </a:endParaRPr>
+          </a:p>
+          <a:p>
+            <a:pPr marL="285750" indent="-285750">
+              <a:buFont typeface="Arial" panose="020B0604020202020204" pitchFamily="34" charset="0"/>
+              <a:buChar char="•"/>
+            </a:pPr>
+            <a:r>
+              <a:rPr lang="ko-KR" altLang="en-US" dirty="0" err="1" smtClean="0">
+                <a:solidFill>
+                  <a:schemeClr val="bg1"/>
+                </a:solidFill>
+              </a:rPr>
+              <a:t>퍼블</a:t>
+            </a:r>
+            <a:r>
+              <a:rPr lang="ko-KR" altLang="en-US" dirty="0" smtClean="0">
+                <a:solidFill>
+                  <a:schemeClr val="bg1"/>
+                </a:solidFill>
+              </a:rPr>
+              <a:t> 링크</a:t>
+            </a:r>
+            <a:r>
+              <a:rPr lang="en-US" altLang="ko-KR" dirty="0" smtClean="0">
+                <a:solidFill>
+                  <a:schemeClr val="bg1"/>
+                </a:solidFill>
+              </a:rPr>
+              <a:t>1</a:t>
+            </a:r>
+          </a:p>
+          <a:p>
+            <a:pPr marL="285750" indent="-285750">
+              <a:buFont typeface="Arial" panose="020B0604020202020204" pitchFamily="34" charset="0"/>
+              <a:buChar char="•"/>
+            </a:pPr>
+            <a:r>
+              <a:rPr lang="ko-KR" altLang="en-US" dirty="0" err="1" smtClean="0">
+                <a:solidFill>
+                  <a:schemeClr val="bg1"/>
+                </a:solidFill>
+              </a:rPr>
+              <a:t>퍼블</a:t>
+            </a:r>
+            <a:r>
+              <a:rPr lang="ko-KR" altLang="en-US" dirty="0" smtClean="0">
+                <a:solidFill>
+                  <a:schemeClr val="bg1"/>
+                </a:solidFill>
+              </a:rPr>
+              <a:t> 링크</a:t>
+            </a:r>
+            <a:r>
+              <a:rPr lang="en-US" altLang="ko-KR" dirty="0" smtClean="0">
+                <a:solidFill>
+                  <a:schemeClr val="bg1"/>
+                </a:solidFill>
+              </a:rPr>
+              <a:t>2</a:t>
+            </a:r>
+          </a:p>
+          <a:p>
+            <a:pPr marL="285750" indent="-285750">
+              <a:buFont typeface="Arial" panose="020B0604020202020204" pitchFamily="34" charset="0"/>
+              <a:buChar char="•"/>
+            </a:pPr>
+            <a:r>
+              <a:rPr lang="ko-KR" altLang="en-US" dirty="0" err="1" smtClean="0">
+                <a:solidFill>
+                  <a:schemeClr val="bg1"/>
+                </a:solidFill>
+              </a:rPr>
+              <a:t>퍼블</a:t>
+            </a:r>
+            <a:r>
+              <a:rPr lang="ko-KR" altLang="en-US" dirty="0" smtClean="0">
+                <a:solidFill>
+                  <a:schemeClr val="bg1"/>
+                </a:solidFill>
+              </a:rPr>
+              <a:t> 링크</a:t>
+            </a:r>
+            <a:r>
+              <a:rPr lang="en-US" altLang="ko-KR" dirty="0" smtClean="0">
+                <a:solidFill>
+                  <a:schemeClr val="bg1"/>
+                </a:solidFill>
+              </a:rPr>
+              <a:t>3</a:t>
+            </a:r>
+          </a:p>
+          <a:p>
+            <a:pPr marL="285750" indent="-285750">
+              <a:buFont typeface="Arial" panose="020B0604020202020204" pitchFamily="34" charset="0"/>
+              <a:buChar char="•"/>
+            </a:pPr>
+            <a:endParaRPr lang="ko-KR" altLang="en-US" dirty="0">
+              <a:solidFill>
+                <a:schemeClr val="bg1"/>
+              </a:solidFill>
+            </a:endParaRPr>
+          </a:p>
+        </p:txBody>
+      </p:sp>
+      <p:sp>
+        <p:nvSpPr>
+          <p:cNvPr id="38" name="이등변 삼각형 37"/>
+          <p:cNvSpPr/>
+          <p:nvPr/>
+        </p:nvSpPr>
+        <p:spPr>
+          <a:xfrm rot="16200000">
+            <a:off x="1493478" y="3629721"/>
+            <a:ext cx="369333" cy="318390"/>
+          </a:xfrm>
+          <a:prstGeom prst="triangle">
+            <a:avLst/>
+          </a:prstGeom>
+        </p:spPr>
+        <p:style>
+          <a:lnRef idx="2">
+            <a:schemeClr val="dk1">
+              <a:shade val="50000"/>
+            </a:schemeClr>
+          </a:lnRef>
+          <a:fillRef idx="1">
+            <a:schemeClr val="dk1"/>
+          </a:fillRef>
+          <a:effectRef idx="0">
+            <a:schemeClr val="dk1"/>
+          </a:effectRef>
+          <a:fontRef idx="minor">
+            <a:schemeClr val="lt1"/>
+          </a:fontRef>
+        </p:style>
+        <p:txBody>
+          <a:bodyPr rtlCol="0" anchor="ctr"/>
+          <a:lstStyle/>
+          <a:p>
+            <a:pPr algn="ctr"/>
+            <a:endParaRPr lang="ko-KR" altLang="en-US"/>
+          </a:p>
+        </p:txBody>
+      </p:sp>
+      <p:sp>
+        <p:nvSpPr>
+          <p:cNvPr id="39" name="이등변 삼각형 38"/>
+          <p:cNvSpPr/>
+          <p:nvPr/>
+        </p:nvSpPr>
+        <p:spPr>
+          <a:xfrm rot="5400000">
+            <a:off x="10533055" y="3634104"/>
+            <a:ext cx="369333" cy="318390"/>
+          </a:xfrm>
+          <a:prstGeom prst="triangle">
+            <a:avLst/>
+          </a:prstGeom>
+        </p:spPr>
+        <p:style>
+          <a:lnRef idx="2">
+            <a:schemeClr val="dk1">
+              <a:shade val="50000"/>
+            </a:schemeClr>
+          </a:lnRef>
+          <a:fillRef idx="1">
+            <a:schemeClr val="dk1"/>
+          </a:fillRef>
+          <a:effectRef idx="0">
+            <a:schemeClr val="dk1"/>
+          </a:effectRef>
+          <a:fontRef idx="minor">
+            <a:schemeClr val="lt1"/>
+          </a:fontRef>
+        </p:style>
+        <p:txBody>
+          <a:bodyPr rtlCol="0" anchor="ctr"/>
+          <a:lstStyle/>
+          <a:p>
+            <a:pPr algn="ctr"/>
+            <a:endParaRPr lang="ko-KR" altLang="en-US"/>
+          </a:p>
+        </p:txBody>
+      </p:sp>
+      <p:sp>
+        <p:nvSpPr>
+          <p:cNvPr id="40" name="타원 39"/>
+          <p:cNvSpPr/>
+          <p:nvPr/>
+        </p:nvSpPr>
+        <p:spPr>
+          <a:xfrm>
+            <a:off x="5852156" y="5083125"/>
+            <a:ext cx="98474" cy="98474"/>
+          </a:xfrm>
+          <a:prstGeom prst="ellipse">
             <a:avLst/>
           </a:prstGeom>
         </p:spPr>
@@ -6959,107 +7154,16 @@
       </p:sp>
       <p:sp>
         <p:nvSpPr>
-          <p:cNvPr id="36" name="TextBox 35"/>
-          <p:cNvSpPr txBox="1"/>
-          <p:nvPr/>
-        </p:nvSpPr>
-        <p:spPr>
-          <a:xfrm>
-            <a:off x="5632379" y="3646261"/>
-            <a:ext cx="1107996" cy="369332"/>
-          </a:xfrm>
-          <a:prstGeom prst="rect">
-            <a:avLst/>
-          </a:prstGeom>
-          <a:noFill/>
-        </p:spPr>
-        <p:txBody>
-          <a:bodyPr wrap="none" rtlCol="0">
-            <a:spAutoFit/>
-          </a:bodyPr>
-          <a:lstStyle/>
-          <a:p>
-            <a:r>
-              <a:rPr lang="ko-KR" altLang="en-US" dirty="0" smtClean="0">
-                <a:solidFill>
-                  <a:schemeClr val="bg1"/>
-                </a:solidFill>
-              </a:rPr>
-              <a:t>슬라이드</a:t>
-            </a:r>
-            <a:endParaRPr lang="ko-KR" altLang="en-US" dirty="0">
-              <a:solidFill>
-                <a:schemeClr val="bg1"/>
-              </a:solidFill>
-            </a:endParaRPr>
-          </a:p>
-        </p:txBody>
-      </p:sp>
-      <p:sp>
-        <p:nvSpPr>
-          <p:cNvPr id="18" name="TextBox 17"/>
-          <p:cNvSpPr txBox="1"/>
-          <p:nvPr/>
-        </p:nvSpPr>
-        <p:spPr>
-          <a:xfrm>
-            <a:off x="743276" y="1162792"/>
-            <a:ext cx="7697339" cy="1477328"/>
-          </a:xfrm>
-          <a:prstGeom prst="rect">
-            <a:avLst/>
-          </a:prstGeom>
-          <a:noFill/>
-        </p:spPr>
-        <p:txBody>
-          <a:bodyPr wrap="square" rtlCol="0">
-            <a:spAutoFit/>
-          </a:bodyPr>
-          <a:lstStyle/>
-          <a:p>
-            <a:r>
-              <a:rPr lang="en-US" altLang="ko-KR" dirty="0"/>
-              <a:t>a</a:t>
-            </a:r>
-            <a:r>
-              <a:rPr lang="en-US" altLang="ko-KR" dirty="0" smtClean="0"/>
-              <a:t>bout</a:t>
-            </a:r>
-          </a:p>
-          <a:p>
-            <a:endParaRPr lang="en-US" altLang="ko-KR" dirty="0"/>
-          </a:p>
-          <a:p>
-            <a:r>
-              <a:rPr lang="ko-KR" altLang="en-US" dirty="0" smtClean="0"/>
-              <a:t>이름</a:t>
-            </a:r>
-            <a:endParaRPr lang="en-US" altLang="ko-KR" dirty="0" smtClean="0"/>
-          </a:p>
-          <a:p>
-            <a:endParaRPr lang="en-US" altLang="ko-KR" dirty="0"/>
-          </a:p>
-          <a:p>
-            <a:r>
-              <a:rPr lang="ko-KR" altLang="en-US" dirty="0" smtClean="0"/>
-              <a:t>정보</a:t>
-            </a:r>
-            <a:endParaRPr lang="ko-KR" altLang="en-US" dirty="0"/>
-          </a:p>
-        </p:txBody>
-      </p:sp>
-      <p:sp>
-        <p:nvSpPr>
-          <p:cNvPr id="22" name="직사각형 21"/>
+          <p:cNvPr id="41" name="타원 40"/>
           <p:cNvSpPr/>
           <p:nvPr/>
         </p:nvSpPr>
         <p:spPr>
           <a:xfrm>
-            <a:off x="576775" y="2864982"/>
-            <a:ext cx="10986868" cy="3338870"/>
-          </a:xfrm>
-          <a:prstGeom prst="rect">
+            <a:off x="6088963" y="5083125"/>
+            <a:ext cx="98474" cy="98474"/>
+          </a:xfrm>
+          <a:prstGeom prst="ellipse">
             <a:avLst/>
           </a:prstGeom>
         </p:spPr>
@@ -7090,60 +7194,33 @@
       </p:sp>
       <p:sp>
         <p:nvSpPr>
-          <p:cNvPr id="23" name="TextBox 22"/>
-          <p:cNvSpPr txBox="1"/>
-          <p:nvPr/>
-        </p:nvSpPr>
-        <p:spPr>
-          <a:xfrm>
-            <a:off x="743276" y="2986764"/>
-            <a:ext cx="7697339" cy="369332"/>
-          </a:xfrm>
-          <a:prstGeom prst="rect">
-            <a:avLst/>
-          </a:prstGeom>
-          <a:noFill/>
-        </p:spPr>
-        <p:txBody>
-          <a:bodyPr wrap="square" rtlCol="0">
-            <a:spAutoFit/>
-          </a:bodyPr>
-          <a:lstStyle/>
-          <a:p>
-            <a:r>
-              <a:rPr lang="en-US" altLang="ko-KR" dirty="0" smtClean="0"/>
-              <a:t>history</a:t>
-            </a:r>
-          </a:p>
-        </p:txBody>
-      </p:sp>
-      <p:sp>
-        <p:nvSpPr>
-          <p:cNvPr id="46" name="직사각형 45"/>
+          <p:cNvPr id="42" name="타원 41"/>
           <p:cNvSpPr/>
           <p:nvPr/>
         </p:nvSpPr>
         <p:spPr>
           <a:xfrm>
-            <a:off x="3180777" y="3466968"/>
-            <a:ext cx="4903204" cy="1249297"/>
-          </a:xfrm>
-          <a:prstGeom prst="rect">
+            <a:off x="6342188" y="5083125"/>
+            <a:ext cx="98474" cy="98474"/>
+          </a:xfrm>
+          <a:prstGeom prst="ellipse">
             <a:avLst/>
           </a:prstGeom>
         </p:spPr>
         <p:style>
           <a:lnRef idx="2">
-            <a:schemeClr val="accent6"/>
+            <a:schemeClr val="accent1">
+              <a:shade val="50000"/>
+            </a:schemeClr>
           </a:lnRef>
           <a:fillRef idx="1">
-            <a:schemeClr val="lt1"/>
+            <a:schemeClr val="accent1"/>
           </a:fillRef>
           <a:effectRef idx="0">
-            <a:schemeClr val="accent6"/>
+            <a:schemeClr val="accent1"/>
           </a:effectRef>
           <a:fontRef idx="minor">
-            <a:schemeClr val="dk1"/>
+            <a:schemeClr val="lt1"/>
           </a:fontRef>
         </p:style>
         <p:txBody>
@@ -7152,310 +7229,13 @@
           <a:p>
             <a:pPr algn="ctr"/>
             <a:endParaRPr lang="ko-KR" altLang="en-US"/>
-          </a:p>
-        </p:txBody>
-      </p:sp>
-      <p:sp>
-        <p:nvSpPr>
-          <p:cNvPr id="47" name="TextBox 46"/>
-          <p:cNvSpPr txBox="1"/>
-          <p:nvPr/>
-        </p:nvSpPr>
-        <p:spPr>
-          <a:xfrm>
-            <a:off x="4982622" y="3819807"/>
-            <a:ext cx="1704520" cy="369332"/>
-          </a:xfrm>
-          <a:prstGeom prst="rect">
-            <a:avLst/>
-          </a:prstGeom>
-          <a:noFill/>
-        </p:spPr>
-        <p:txBody>
-          <a:bodyPr wrap="square" rtlCol="0">
-            <a:spAutoFit/>
-          </a:bodyPr>
-          <a:lstStyle/>
-          <a:p>
-            <a:r>
-              <a:rPr lang="ko-KR" altLang="en-US" smtClean="0"/>
-              <a:t>가장최근달력</a:t>
-            </a:r>
-            <a:endParaRPr lang="en-US" altLang="ko-KR" dirty="0" smtClean="0"/>
-          </a:p>
-        </p:txBody>
-      </p:sp>
-      <p:cxnSp>
-        <p:nvCxnSpPr>
-          <p:cNvPr id="10" name="직선 연결선 9"/>
-          <p:cNvCxnSpPr/>
-          <p:nvPr/>
-        </p:nvCxnSpPr>
-        <p:spPr>
-          <a:xfrm>
-            <a:off x="1997612" y="5528603"/>
-            <a:ext cx="8941069" cy="32665"/>
-          </a:xfrm>
-          <a:prstGeom prst="line">
-            <a:avLst/>
-          </a:prstGeom>
-        </p:spPr>
-        <p:style>
-          <a:lnRef idx="1">
-            <a:schemeClr val="dk1"/>
-          </a:lnRef>
-          <a:fillRef idx="0">
-            <a:schemeClr val="dk1"/>
-          </a:fillRef>
-          <a:effectRef idx="0">
-            <a:schemeClr val="dk1"/>
-          </a:effectRef>
-          <a:fontRef idx="minor">
-            <a:schemeClr val="tx1"/>
-          </a:fontRef>
-        </p:style>
-      </p:cxnSp>
-      <p:sp>
-        <p:nvSpPr>
-          <p:cNvPr id="48" name="TextBox 47"/>
-          <p:cNvSpPr txBox="1"/>
-          <p:nvPr/>
-        </p:nvSpPr>
-        <p:spPr>
-          <a:xfrm>
-            <a:off x="1997611" y="4753102"/>
-            <a:ext cx="773723" cy="369332"/>
-          </a:xfrm>
-          <a:prstGeom prst="rect">
-            <a:avLst/>
-          </a:prstGeom>
-          <a:noFill/>
-        </p:spPr>
-        <p:txBody>
-          <a:bodyPr wrap="square" rtlCol="0">
-            <a:spAutoFit/>
-          </a:bodyPr>
-          <a:lstStyle/>
-          <a:p>
-            <a:r>
-              <a:rPr lang="en-US" altLang="ko-KR" dirty="0" smtClean="0"/>
-              <a:t>2017</a:t>
-            </a:r>
-          </a:p>
-        </p:txBody>
-      </p:sp>
-      <p:sp>
-        <p:nvSpPr>
-          <p:cNvPr id="49" name="TextBox 48"/>
-          <p:cNvSpPr txBox="1"/>
-          <p:nvPr/>
-        </p:nvSpPr>
-        <p:spPr>
-          <a:xfrm>
-            <a:off x="2159390" y="5159271"/>
-            <a:ext cx="773723" cy="369332"/>
-          </a:xfrm>
-          <a:prstGeom prst="rect">
-            <a:avLst/>
-          </a:prstGeom>
-          <a:noFill/>
-        </p:spPr>
-        <p:txBody>
-          <a:bodyPr wrap="square" rtlCol="0">
-            <a:spAutoFit/>
-          </a:bodyPr>
-          <a:lstStyle/>
-          <a:p>
-            <a:r>
-              <a:rPr lang="en-US" altLang="ko-KR" dirty="0" smtClean="0"/>
-              <a:t>1</a:t>
-            </a:r>
-            <a:r>
-              <a:rPr lang="ko-KR" altLang="en-US" dirty="0" smtClean="0"/>
-              <a:t>월</a:t>
-            </a:r>
-            <a:endParaRPr lang="en-US" altLang="ko-KR" dirty="0" smtClean="0"/>
-          </a:p>
-        </p:txBody>
-      </p:sp>
-      <p:sp>
-        <p:nvSpPr>
-          <p:cNvPr id="51" name="TextBox 50"/>
-          <p:cNvSpPr txBox="1"/>
-          <p:nvPr/>
-        </p:nvSpPr>
-        <p:spPr>
-          <a:xfrm>
-            <a:off x="3086807" y="5159271"/>
-            <a:ext cx="773723" cy="369332"/>
-          </a:xfrm>
-          <a:prstGeom prst="rect">
-            <a:avLst/>
-          </a:prstGeom>
-          <a:noFill/>
-        </p:spPr>
-        <p:txBody>
-          <a:bodyPr wrap="square" rtlCol="0">
-            <a:spAutoFit/>
-          </a:bodyPr>
-          <a:lstStyle/>
-          <a:p>
-            <a:r>
-              <a:rPr lang="en-US" altLang="ko-KR" dirty="0" smtClean="0"/>
-              <a:t>2</a:t>
-            </a:r>
-            <a:r>
-              <a:rPr lang="ko-KR" altLang="en-US" dirty="0" smtClean="0"/>
-              <a:t>월</a:t>
-            </a:r>
-            <a:endParaRPr lang="en-US" altLang="ko-KR" dirty="0" smtClean="0"/>
-          </a:p>
-        </p:txBody>
-      </p:sp>
-      <p:sp>
-        <p:nvSpPr>
-          <p:cNvPr id="52" name="TextBox 51"/>
-          <p:cNvSpPr txBox="1"/>
-          <p:nvPr/>
-        </p:nvSpPr>
-        <p:spPr>
-          <a:xfrm>
-            <a:off x="9935428" y="5192717"/>
-            <a:ext cx="773723" cy="369332"/>
-          </a:xfrm>
-          <a:prstGeom prst="rect">
-            <a:avLst/>
-          </a:prstGeom>
-          <a:noFill/>
-        </p:spPr>
-        <p:txBody>
-          <a:bodyPr wrap="square" rtlCol="0">
-            <a:spAutoFit/>
-          </a:bodyPr>
-          <a:lstStyle/>
-          <a:p>
-            <a:r>
-              <a:rPr lang="en-US" altLang="ko-KR" dirty="0"/>
-              <a:t>1</a:t>
-            </a:r>
-            <a:r>
-              <a:rPr lang="en-US" altLang="ko-KR" dirty="0" smtClean="0"/>
-              <a:t>2</a:t>
-            </a:r>
-            <a:r>
-              <a:rPr lang="ko-KR" altLang="en-US" dirty="0" smtClean="0"/>
-              <a:t>월</a:t>
-            </a:r>
-            <a:endParaRPr lang="en-US" altLang="ko-KR" dirty="0" smtClean="0"/>
-          </a:p>
-        </p:txBody>
-      </p:sp>
-      <p:sp>
-        <p:nvSpPr>
-          <p:cNvPr id="53" name="TextBox 52"/>
-          <p:cNvSpPr txBox="1"/>
-          <p:nvPr/>
-        </p:nvSpPr>
-        <p:spPr>
-          <a:xfrm>
-            <a:off x="2159388" y="5682822"/>
-            <a:ext cx="8954089" cy="369332"/>
-          </a:xfrm>
-          <a:prstGeom prst="rect">
-            <a:avLst/>
-          </a:prstGeom>
-          <a:noFill/>
-        </p:spPr>
-        <p:txBody>
-          <a:bodyPr wrap="square" rtlCol="0">
-            <a:spAutoFit/>
-          </a:bodyPr>
-          <a:lstStyle/>
-          <a:p>
-            <a:r>
-              <a:rPr lang="ko-KR" altLang="en-US" dirty="0" smtClean="0"/>
-              <a:t>맡은 </a:t>
-            </a:r>
-            <a:r>
-              <a:rPr lang="ko-KR" altLang="en-US" dirty="0" err="1" smtClean="0"/>
-              <a:t>프로젝트명</a:t>
-            </a:r>
-            <a:r>
-              <a:rPr lang="en-US" altLang="ko-KR" dirty="0" smtClean="0"/>
-              <a:t>(</a:t>
-            </a:r>
-            <a:r>
-              <a:rPr lang="ko-KR" altLang="en-US" dirty="0" smtClean="0"/>
-              <a:t>색상</a:t>
-            </a:r>
-            <a:r>
-              <a:rPr lang="en-US" altLang="ko-KR" dirty="0" smtClean="0"/>
-              <a:t>1)</a:t>
-            </a:r>
-            <a:r>
-              <a:rPr lang="ko-KR" altLang="en-US" dirty="0" smtClean="0"/>
-              <a:t> 혹은 </a:t>
-            </a:r>
-            <a:r>
-              <a:rPr lang="ko-KR" altLang="en-US" dirty="0" err="1" smtClean="0"/>
-              <a:t>스터디</a:t>
-            </a:r>
-            <a:r>
-              <a:rPr lang="en-US" altLang="ko-KR" dirty="0" smtClean="0"/>
-              <a:t>, </a:t>
-            </a:r>
-            <a:r>
-              <a:rPr lang="ko-KR" altLang="en-US" dirty="0" smtClean="0"/>
-              <a:t>현재 </a:t>
-            </a:r>
-            <a:r>
-              <a:rPr lang="ko-KR" altLang="en-US" dirty="0" err="1" smtClean="0"/>
-              <a:t>듣고있는강의</a:t>
-            </a:r>
-            <a:r>
-              <a:rPr lang="en-US" altLang="ko-KR" dirty="0" smtClean="0"/>
-              <a:t>, </a:t>
-            </a:r>
-            <a:r>
-              <a:rPr lang="ko-KR" altLang="en-US" dirty="0" err="1" smtClean="0"/>
-              <a:t>포폴</a:t>
-            </a:r>
-            <a:r>
-              <a:rPr lang="ko-KR" altLang="en-US" dirty="0"/>
-              <a:t> </a:t>
-            </a:r>
-            <a:r>
-              <a:rPr lang="ko-KR" altLang="en-US" dirty="0" smtClean="0"/>
-              <a:t>진도</a:t>
-            </a:r>
-            <a:r>
-              <a:rPr lang="en-US" altLang="ko-KR" dirty="0" smtClean="0"/>
-              <a:t> (</a:t>
-            </a:r>
-            <a:r>
-              <a:rPr lang="ko-KR" altLang="en-US" dirty="0" smtClean="0"/>
-              <a:t>색상</a:t>
-            </a:r>
-            <a:r>
-              <a:rPr lang="en-US" altLang="ko-KR" dirty="0"/>
-              <a:t>2</a:t>
-            </a:r>
-            <a:r>
-              <a:rPr lang="en-US" altLang="ko-KR" dirty="0" smtClean="0"/>
-              <a:t>)</a:t>
-            </a:r>
-            <a:r>
-              <a:rPr lang="ko-KR" altLang="en-US" dirty="0" smtClean="0"/>
-              <a:t> </a:t>
-            </a:r>
-            <a:endParaRPr lang="en-US" altLang="ko-KR" dirty="0" smtClean="0"/>
           </a:p>
         </p:txBody>
       </p:sp>
     </p:spTree>
     <p:extLst>
       <p:ext uri="{BB962C8B-B14F-4D97-AF65-F5344CB8AC3E}">
-        <p14:creationId xmlns:p14="http://schemas.microsoft.com/office/powerpoint/2010/main" val="2733357647"/>
+        <p14:creationId xmlns:p14="http://schemas.microsoft.com/office/powerpoint/2010/main" val="1005141471"/>
       </p:ext>
     </p:extLst>
   </p:cSld>
@@ -7560,52 +7340,14 @@
       </p:sp>
       <p:sp>
         <p:nvSpPr>
-          <p:cNvPr id="36" name="TextBox 35"/>
-          <p:cNvSpPr txBox="1"/>
-          <p:nvPr/>
-        </p:nvSpPr>
-        <p:spPr>
-          <a:xfrm>
-            <a:off x="5632379" y="3646261"/>
-            <a:ext cx="1107996" cy="369332"/>
-          </a:xfrm>
-          <a:prstGeom prst="rect">
-            <a:avLst/>
-          </a:prstGeom>
-          <a:noFill/>
-        </p:spPr>
-        <p:txBody>
-          <a:bodyPr wrap="none" rtlCol="0">
-            <a:spAutoFit/>
-          </a:bodyPr>
-          <a:lstStyle/>
-          <a:p>
-            <a:r>
-              <a:rPr lang="ko-KR" altLang="en-US" dirty="0" smtClean="0">
-                <a:solidFill>
-                  <a:schemeClr val="bg1"/>
-                </a:solidFill>
-              </a:rPr>
-              <a:t>슬라이드</a:t>
-            </a:r>
-            <a:endParaRPr lang="ko-KR" altLang="en-US" dirty="0">
-              <a:solidFill>
-                <a:schemeClr val="bg1"/>
-              </a:solidFill>
-            </a:endParaRPr>
-          </a:p>
-        </p:txBody>
-      </p:sp>
-      <p:sp>
-        <p:nvSpPr>
-          <p:cNvPr id="24" name="직사각형 23"/>
+          <p:cNvPr id="2" name="직사각형 1"/>
           <p:cNvSpPr/>
           <p:nvPr/>
         </p:nvSpPr>
         <p:spPr>
           <a:xfrm>
-            <a:off x="634411" y="1280159"/>
-            <a:ext cx="10986868" cy="4726745"/>
+            <a:off x="576775" y="1041010"/>
+            <a:ext cx="10986868" cy="1702190"/>
           </a:xfrm>
           <a:prstGeom prst="rect">
             <a:avLst/>
@@ -7638,14 +7380,52 @@
       </p:sp>
       <p:sp>
         <p:nvSpPr>
-          <p:cNvPr id="25" name="TextBox 24"/>
+          <p:cNvPr id="36" name="TextBox 35"/>
           <p:cNvSpPr txBox="1"/>
           <p:nvPr/>
         </p:nvSpPr>
         <p:spPr>
           <a:xfrm>
-            <a:off x="634411" y="1414225"/>
-            <a:ext cx="7697339" cy="369332"/>
+            <a:off x="5632379" y="3646261"/>
+            <a:ext cx="1107996" cy="369332"/>
+          </a:xfrm>
+          <a:prstGeom prst="rect">
+            <a:avLst/>
+          </a:prstGeom>
+          <a:noFill/>
+        </p:spPr>
+        <p:txBody>
+          <a:bodyPr wrap="none" rtlCol="0">
+            <a:spAutoFit/>
+          </a:bodyPr>
+          <a:lstStyle/>
+          <a:p>
+            <a:r>
+              <a:rPr lang="ko-KR" altLang="en-US" dirty="0" smtClean="0">
+                <a:solidFill>
+                  <a:schemeClr val="bg1"/>
+                </a:solidFill>
+              </a:rPr>
+              <a:t>슬라이드</a:t>
+            </a:r>
+            <a:endParaRPr lang="ko-KR" altLang="en-US" dirty="0">
+              <a:solidFill>
+                <a:schemeClr val="bg1"/>
+              </a:solidFill>
+            </a:endParaRPr>
+          </a:p>
+        </p:txBody>
+      </p:sp>
+      <p:sp>
+        <p:nvSpPr>
+          <p:cNvPr id="18" name="TextBox 17"/>
+          <p:cNvSpPr txBox="1"/>
+          <p:nvPr/>
+        </p:nvSpPr>
+        <p:spPr>
+          <a:xfrm>
+            <a:off x="743276" y="1162792"/>
+            <a:ext cx="7697339" cy="1477328"/>
           </a:xfrm>
           <a:prstGeom prst="rect">
             <a:avLst/>
@@ -7659,102 +7439,46 @@
           <a:lstStyle/>
           <a:p>
             <a:r>
+              <a:rPr lang="en-US" altLang="ko-KR" dirty="0"/>
+              <a:t>a</a:t>
+            </a:r>
+            <a:r>
               <a:rPr lang="en-US" altLang="ko-KR" dirty="0" smtClean="0"/>
-              <a:t>portfolio</a:t>
-            </a:r>
-          </a:p>
-        </p:txBody>
-      </p:sp>
-      <p:sp>
-        <p:nvSpPr>
-          <p:cNvPr id="26" name="직사각형 25"/>
+              <a:t>bout</a:t>
+            </a:r>
+          </a:p>
+          <a:p>
+            <a:endParaRPr lang="en-US" altLang="ko-KR" dirty="0"/>
+          </a:p>
+          <a:p>
+            <a:r>
+              <a:rPr lang="ko-KR" altLang="en-US" dirty="0" smtClean="0"/>
+              <a:t>이름</a:t>
+            </a:r>
+            <a:endParaRPr lang="en-US" altLang="ko-KR" dirty="0" smtClean="0"/>
+          </a:p>
+          <a:p>
+            <a:endParaRPr lang="en-US" altLang="ko-KR" dirty="0"/>
+          </a:p>
+          <a:p>
+            <a:r>
+              <a:rPr lang="ko-KR" altLang="en-US" dirty="0" smtClean="0"/>
+              <a:t>정보</a:t>
+            </a:r>
+            <a:endParaRPr lang="ko-KR" altLang="en-US" dirty="0"/>
+          </a:p>
+        </p:txBody>
+      </p:sp>
+      <p:sp>
+        <p:nvSpPr>
+          <p:cNvPr id="22" name="직사각형 21"/>
           <p:cNvSpPr/>
           <p:nvPr/>
         </p:nvSpPr>
         <p:spPr>
           <a:xfrm>
-            <a:off x="799547" y="1963376"/>
-            <a:ext cx="5010410" cy="3452686"/>
-          </a:xfrm>
-          <a:prstGeom prst="rect">
-            <a:avLst/>
-          </a:prstGeom>
-        </p:spPr>
-        <p:style>
-          <a:lnRef idx="3">
-            <a:schemeClr val="lt1"/>
-          </a:lnRef>
-          <a:fillRef idx="1">
-            <a:schemeClr val="accent3"/>
-          </a:fillRef>
-          <a:effectRef idx="1">
-            <a:schemeClr val="accent3"/>
-          </a:effectRef>
-          <a:fontRef idx="minor">
-            <a:schemeClr val="lt1"/>
-          </a:fontRef>
-        </p:style>
-        <p:txBody>
-          <a:bodyPr rtlCol="0" anchor="ctr"/>
-          <a:lstStyle/>
-          <a:p>
-            <a:pPr algn="ctr"/>
-            <a:endParaRPr lang="ko-KR" altLang="en-US"/>
-          </a:p>
-        </p:txBody>
-      </p:sp>
-      <p:sp>
-        <p:nvSpPr>
-          <p:cNvPr id="43" name="TextBox 42"/>
-          <p:cNvSpPr txBox="1"/>
-          <p:nvPr/>
-        </p:nvSpPr>
-        <p:spPr>
-          <a:xfrm>
-            <a:off x="951947" y="3778940"/>
-            <a:ext cx="4680432" cy="646331"/>
-          </a:xfrm>
-          <a:prstGeom prst="rect">
-            <a:avLst/>
-          </a:prstGeom>
-          <a:noFill/>
-        </p:spPr>
-        <p:txBody>
-          <a:bodyPr wrap="square" rtlCol="0">
-            <a:spAutoFit/>
-          </a:bodyPr>
-          <a:lstStyle/>
-          <a:p>
-            <a:r>
-              <a:rPr lang="ko-KR" altLang="en-US" dirty="0" err="1" smtClean="0"/>
-              <a:t>두번째</a:t>
-            </a:r>
-            <a:r>
-              <a:rPr lang="ko-KR" altLang="en-US" dirty="0" smtClean="0"/>
-              <a:t> 포트폴리오 </a:t>
-            </a:r>
-            <a:endParaRPr lang="en-US" altLang="ko-KR" dirty="0" smtClean="0"/>
-          </a:p>
-          <a:p>
-            <a:pPr algn="r"/>
-            <a:r>
-              <a:rPr lang="ko-KR" altLang="en-US" dirty="0" smtClean="0"/>
-              <a:t>제작 월</a:t>
-            </a:r>
-            <a:endParaRPr lang="ko-KR" altLang="en-US" dirty="0"/>
-          </a:p>
-        </p:txBody>
-      </p:sp>
-      <p:sp>
-        <p:nvSpPr>
-          <p:cNvPr id="44" name="직사각형 43"/>
-          <p:cNvSpPr/>
-          <p:nvPr/>
-        </p:nvSpPr>
-        <p:spPr>
-          <a:xfrm>
-            <a:off x="1790824" y="4661907"/>
-            <a:ext cx="2827404" cy="504094"/>
+            <a:off x="576775" y="2864982"/>
+            <a:ext cx="10986868" cy="3338870"/>
           </a:xfrm>
           <a:prstGeom prst="rect">
             <a:avLst/>
@@ -7787,14 +7511,14 @@
       </p:sp>
       <p:sp>
         <p:nvSpPr>
-          <p:cNvPr id="45" name="TextBox 44"/>
+          <p:cNvPr id="23" name="TextBox 22"/>
           <p:cNvSpPr txBox="1"/>
           <p:nvPr/>
         </p:nvSpPr>
         <p:spPr>
           <a:xfrm>
-            <a:off x="2903470" y="4729001"/>
-            <a:ext cx="646331" cy="369332"/>
+            <a:off x="743276" y="2986764"/>
+            <a:ext cx="7697339" cy="369332"/>
           </a:xfrm>
           <a:prstGeom prst="rect">
             <a:avLst/>
@@ -7802,143 +7526,126 @@
           <a:noFill/>
         </p:spPr>
         <p:txBody>
-          <a:bodyPr wrap="none" rtlCol="0">
+          <a:bodyPr wrap="square" rtlCol="0">
             <a:spAutoFit/>
           </a:bodyPr>
           <a:lstStyle/>
           <a:p>
             <a:r>
-              <a:rPr lang="ko-KR" altLang="en-US" dirty="0" smtClean="0"/>
-              <a:t>보기</a:t>
-            </a:r>
-            <a:endParaRPr lang="ko-KR" altLang="en-US" dirty="0"/>
-          </a:p>
-        </p:txBody>
-      </p:sp>
-      <p:sp>
-        <p:nvSpPr>
-          <p:cNvPr id="17" name="직사각형 16"/>
+              <a:rPr lang="en-US" altLang="ko-KR" dirty="0" smtClean="0"/>
+              <a:t>history</a:t>
+            </a:r>
+          </a:p>
+        </p:txBody>
+      </p:sp>
+      <p:sp>
+        <p:nvSpPr>
+          <p:cNvPr id="46" name="직사각형 45"/>
           <p:cNvSpPr/>
           <p:nvPr/>
         </p:nvSpPr>
         <p:spPr>
           <a:xfrm>
-            <a:off x="951947" y="2064109"/>
-            <a:ext cx="4680432" cy="1514484"/>
+            <a:off x="3180777" y="3466968"/>
+            <a:ext cx="4903204" cy="1249297"/>
           </a:xfrm>
           <a:prstGeom prst="rect">
             <a:avLst/>
           </a:prstGeom>
         </p:spPr>
         <p:style>
-          <a:lnRef idx="3">
-            <a:schemeClr val="lt1"/>
+          <a:lnRef idx="2">
+            <a:schemeClr val="accent6"/>
           </a:lnRef>
           <a:fillRef idx="1">
+            <a:schemeClr val="lt1"/>
+          </a:fillRef>
+          <a:effectRef idx="0">
+            <a:schemeClr val="accent6"/>
+          </a:effectRef>
+          <a:fontRef idx="minor">
+            <a:schemeClr val="dk1"/>
+          </a:fontRef>
+        </p:style>
+        <p:txBody>
+          <a:bodyPr rtlCol="0" anchor="ctr"/>
+          <a:lstStyle/>
+          <a:p>
+            <a:pPr algn="ctr"/>
+            <a:endParaRPr lang="ko-KR" altLang="en-US"/>
+          </a:p>
+        </p:txBody>
+      </p:sp>
+      <p:sp>
+        <p:nvSpPr>
+          <p:cNvPr id="47" name="TextBox 46"/>
+          <p:cNvSpPr txBox="1"/>
+          <p:nvPr/>
+        </p:nvSpPr>
+        <p:spPr>
+          <a:xfrm>
+            <a:off x="4982622" y="3819807"/>
+            <a:ext cx="1704520" cy="369332"/>
+          </a:xfrm>
+          <a:prstGeom prst="rect">
+            <a:avLst/>
+          </a:prstGeom>
+          <a:noFill/>
+        </p:spPr>
+        <p:txBody>
+          <a:bodyPr wrap="square" rtlCol="0">
+            <a:spAutoFit/>
+          </a:bodyPr>
+          <a:lstStyle/>
+          <a:p>
+            <a:r>
+              <a:rPr lang="ko-KR" altLang="en-US" smtClean="0"/>
+              <a:t>가장최근달력</a:t>
+            </a:r>
+            <a:endParaRPr lang="en-US" altLang="ko-KR" dirty="0" smtClean="0"/>
+          </a:p>
+        </p:txBody>
+      </p:sp>
+      <p:cxnSp>
+        <p:nvCxnSpPr>
+          <p:cNvPr id="10" name="직선 연결선 9"/>
+          <p:cNvCxnSpPr/>
+          <p:nvPr/>
+        </p:nvCxnSpPr>
+        <p:spPr>
+          <a:xfrm>
+            <a:off x="1997612" y="5528603"/>
+            <a:ext cx="8941069" cy="32665"/>
+          </a:xfrm>
+          <a:prstGeom prst="line">
+            <a:avLst/>
+          </a:prstGeom>
+        </p:spPr>
+        <p:style>
+          <a:lnRef idx="1">
+            <a:schemeClr val="dk1"/>
+          </a:lnRef>
+          <a:fillRef idx="0">
             <a:schemeClr val="dk1"/>
           </a:fillRef>
-          <a:effectRef idx="1">
+          <a:effectRef idx="0">
             <a:schemeClr val="dk1"/>
           </a:effectRef>
           <a:fontRef idx="minor">
-            <a:schemeClr val="lt1"/>
+            <a:schemeClr val="tx1"/>
           </a:fontRef>
         </p:style>
-        <p:txBody>
-          <a:bodyPr rtlCol="0" anchor="ctr"/>
-          <a:lstStyle/>
-          <a:p>
-            <a:pPr algn="ctr"/>
-            <a:endParaRPr lang="ko-KR" altLang="en-US"/>
-          </a:p>
-        </p:txBody>
-      </p:sp>
-      <p:sp>
-        <p:nvSpPr>
-          <p:cNvPr id="16" name="TextBox 15"/>
+      </p:cxnSp>
+      <p:sp>
+        <p:nvSpPr>
+          <p:cNvPr id="48" name="TextBox 47"/>
           <p:cNvSpPr txBox="1"/>
           <p:nvPr/>
         </p:nvSpPr>
         <p:spPr>
           <a:xfrm>
-            <a:off x="3012845" y="2760429"/>
-            <a:ext cx="583814" cy="369332"/>
-          </a:xfrm>
-          <a:prstGeom prst="rect">
-            <a:avLst/>
-          </a:prstGeom>
-          <a:noFill/>
-        </p:spPr>
-        <p:txBody>
-          <a:bodyPr wrap="none" rtlCol="0">
-            <a:spAutoFit/>
-          </a:bodyPr>
-          <a:lstStyle/>
-          <a:p>
-            <a:r>
-              <a:rPr lang="en-US" altLang="ko-KR" dirty="0" err="1" smtClean="0">
-                <a:solidFill>
-                  <a:schemeClr val="bg1"/>
-                </a:solidFill>
-              </a:rPr>
-              <a:t>img</a:t>
-            </a:r>
-            <a:endParaRPr lang="ko-KR" altLang="en-US" dirty="0">
-              <a:solidFill>
-                <a:schemeClr val="bg1"/>
-              </a:solidFill>
-            </a:endParaRPr>
-          </a:p>
-        </p:txBody>
-      </p:sp>
-      <p:sp>
-        <p:nvSpPr>
-          <p:cNvPr id="19" name="직사각형 18"/>
-          <p:cNvSpPr/>
-          <p:nvPr/>
-        </p:nvSpPr>
-        <p:spPr>
-          <a:xfrm>
-            <a:off x="6471256" y="1963376"/>
-            <a:ext cx="5010410" cy="3452686"/>
-          </a:xfrm>
-          <a:prstGeom prst="rect">
-            <a:avLst/>
-          </a:prstGeom>
-        </p:spPr>
-        <p:style>
-          <a:lnRef idx="3">
-            <a:schemeClr val="lt1"/>
-          </a:lnRef>
-          <a:fillRef idx="1">
-            <a:schemeClr val="accent3"/>
-          </a:fillRef>
-          <a:effectRef idx="1">
-            <a:schemeClr val="accent3"/>
-          </a:effectRef>
-          <a:fontRef idx="minor">
-            <a:schemeClr val="lt1"/>
-          </a:fontRef>
-        </p:style>
-        <p:txBody>
-          <a:bodyPr rtlCol="0" anchor="ctr"/>
-          <a:lstStyle/>
-          <a:p>
-            <a:pPr algn="ctr"/>
-            <a:endParaRPr lang="ko-KR" altLang="en-US"/>
-          </a:p>
-        </p:txBody>
-      </p:sp>
-      <p:sp>
-        <p:nvSpPr>
-          <p:cNvPr id="20" name="TextBox 19"/>
-          <p:cNvSpPr txBox="1"/>
-          <p:nvPr/>
-        </p:nvSpPr>
-        <p:spPr>
-          <a:xfrm>
-            <a:off x="6623656" y="3778940"/>
-            <a:ext cx="4680432" cy="646331"/>
+            <a:off x="1997611" y="4753102"/>
+            <a:ext cx="773723" cy="369332"/>
           </a:xfrm>
           <a:prstGeom prst="rect">
             <a:avLst/>
@@ -7952,75 +7659,22 @@
           <a:lstStyle/>
           <a:p>
             <a:r>
-              <a:rPr lang="ko-KR" altLang="en-US" dirty="0" err="1" smtClean="0"/>
-              <a:t>두번째</a:t>
-            </a:r>
-            <a:r>
-              <a:rPr lang="ko-KR" altLang="en-US" dirty="0" smtClean="0"/>
-              <a:t> 포트폴리오 </a:t>
-            </a:r>
-            <a:endParaRPr lang="en-US" altLang="ko-KR" dirty="0" smtClean="0"/>
-          </a:p>
-          <a:p>
-            <a:pPr algn="r"/>
-            <a:r>
-              <a:rPr lang="ko-KR" altLang="en-US" dirty="0" smtClean="0"/>
-              <a:t>제작 월</a:t>
-            </a:r>
-            <a:endParaRPr lang="ko-KR" altLang="en-US" dirty="0"/>
-          </a:p>
-        </p:txBody>
-      </p:sp>
-      <p:sp>
-        <p:nvSpPr>
-          <p:cNvPr id="21" name="직사각형 20"/>
-          <p:cNvSpPr/>
-          <p:nvPr/>
-        </p:nvSpPr>
-        <p:spPr>
-          <a:xfrm>
-            <a:off x="7462533" y="4661907"/>
-            <a:ext cx="2827404" cy="504094"/>
-          </a:xfrm>
-          <a:prstGeom prst="rect">
-            <a:avLst/>
-          </a:prstGeom>
-        </p:spPr>
-        <p:style>
-          <a:lnRef idx="2">
-            <a:schemeClr val="accent1">
-              <a:shade val="50000"/>
-            </a:schemeClr>
-          </a:lnRef>
-          <a:fillRef idx="1">
-            <a:schemeClr val="accent1"/>
-          </a:fillRef>
-          <a:effectRef idx="0">
-            <a:schemeClr val="accent1"/>
-          </a:effectRef>
-          <a:fontRef idx="minor">
-            <a:schemeClr val="lt1"/>
-          </a:fontRef>
-        </p:style>
-        <p:txBody>
-          <a:bodyPr rtlCol="0" anchor="ctr"/>
-          <a:lstStyle/>
-          <a:p>
-            <a:pPr algn="ctr"/>
-            <a:endParaRPr lang="ko-KR" altLang="en-US"/>
-          </a:p>
-        </p:txBody>
-      </p:sp>
-      <p:sp>
-        <p:nvSpPr>
-          <p:cNvPr id="28" name="TextBox 27"/>
+              <a:rPr lang="en-US" altLang="ko-KR" dirty="0" smtClean="0"/>
+              <a:t>2017</a:t>
+            </a:r>
+          </a:p>
+        </p:txBody>
+      </p:sp>
+      <p:sp>
+        <p:nvSpPr>
+          <p:cNvPr id="49" name="TextBox 48"/>
           <p:cNvSpPr txBox="1"/>
           <p:nvPr/>
         </p:nvSpPr>
         <p:spPr>
           <a:xfrm>
-            <a:off x="8575179" y="4729001"/>
-            <a:ext cx="646331" cy="369332"/>
+            <a:off x="2159390" y="5159271"/>
+            <a:ext cx="773723" cy="369332"/>
           </a:xfrm>
           <a:prstGeom prst="rect">
             <a:avLst/>
@@ -8028,67 +7682,33 @@
           <a:noFill/>
         </p:spPr>
         <p:txBody>
-          <a:bodyPr wrap="none" rtlCol="0">
+          <a:bodyPr wrap="square" rtlCol="0">
             <a:spAutoFit/>
           </a:bodyPr>
           <a:lstStyle/>
           <a:p>
             <a:r>
+              <a:rPr lang="en-US" altLang="ko-KR" dirty="0" smtClean="0"/>
+              <a:t>1</a:t>
+            </a:r>
+            <a:r>
               <a:rPr lang="ko-KR" altLang="en-US" dirty="0" smtClean="0"/>
-              <a:t>보기</a:t>
-            </a:r>
-            <a:endParaRPr lang="ko-KR" altLang="en-US" dirty="0"/>
-          </a:p>
-        </p:txBody>
-      </p:sp>
-      <p:sp>
-        <p:nvSpPr>
-          <p:cNvPr id="29" name="직사각형 28"/>
-          <p:cNvSpPr/>
-          <p:nvPr/>
-        </p:nvSpPr>
-        <p:spPr>
-          <a:xfrm>
-            <a:off x="6623656" y="2064109"/>
-            <a:ext cx="4680432" cy="1514484"/>
-          </a:xfrm>
-          <a:prstGeom prst="rect">
-            <a:avLst/>
-          </a:prstGeom>
-        </p:spPr>
-        <p:style>
-          <a:lnRef idx="3">
-            <a:schemeClr val="lt1"/>
-          </a:lnRef>
-          <a:fillRef idx="1">
-            <a:schemeClr val="dk1"/>
-          </a:fillRef>
-          <a:effectRef idx="1">
-            <a:schemeClr val="dk1"/>
-          </a:effectRef>
-          <a:fontRef idx="minor">
-            <a:schemeClr val="lt1"/>
-          </a:fontRef>
-        </p:style>
-        <p:txBody>
-          <a:bodyPr rtlCol="0" anchor="ctr"/>
-          <a:lstStyle/>
-          <a:p>
-            <a:pPr algn="ctr"/>
-            <a:endParaRPr lang="ko-KR" altLang="en-US"/>
-          </a:p>
-        </p:txBody>
-      </p:sp>
-      <p:sp>
-        <p:nvSpPr>
-          <p:cNvPr id="30" name="TextBox 29"/>
+              <a:t>월</a:t>
+            </a:r>
+            <a:endParaRPr lang="en-US" altLang="ko-KR" dirty="0" smtClean="0"/>
+          </a:p>
+        </p:txBody>
+      </p:sp>
+      <p:sp>
+        <p:nvSpPr>
+          <p:cNvPr id="51" name="TextBox 50"/>
           <p:cNvSpPr txBox="1"/>
           <p:nvPr/>
         </p:nvSpPr>
         <p:spPr>
           <a:xfrm>
-            <a:off x="8684554" y="2760429"/>
-            <a:ext cx="583814" cy="369332"/>
+            <a:off x="3086807" y="5159271"/>
+            <a:ext cx="773723" cy="369332"/>
           </a:xfrm>
           <a:prstGeom prst="rect">
             <a:avLst/>
@@ -8096,31 +7716,167 @@
           <a:noFill/>
         </p:spPr>
         <p:txBody>
-          <a:bodyPr wrap="none" rtlCol="0">
+          <a:bodyPr wrap="square" rtlCol="0">
             <a:spAutoFit/>
           </a:bodyPr>
           <a:lstStyle/>
           <a:p>
             <a:r>
-              <a:rPr lang="en-US" altLang="ko-KR" dirty="0" err="1" smtClean="0">
-                <a:solidFill>
-                  <a:schemeClr val="bg1"/>
-                </a:solidFill>
-              </a:rPr>
-              <a:t>img</a:t>
-            </a:r>
-            <a:endParaRPr lang="ko-KR" altLang="en-US" dirty="0">
-              <a:solidFill>
-                <a:schemeClr val="bg1"/>
-              </a:solidFill>
-            </a:endParaRPr>
+              <a:rPr lang="en-US" altLang="ko-KR" dirty="0" smtClean="0"/>
+              <a:t>2</a:t>
+            </a:r>
+            <a:r>
+              <a:rPr lang="ko-KR" altLang="en-US" dirty="0" smtClean="0"/>
+              <a:t>월</a:t>
+            </a:r>
+            <a:endParaRPr lang="en-US" altLang="ko-KR" dirty="0" smtClean="0"/>
+          </a:p>
+        </p:txBody>
+      </p:sp>
+      <p:sp>
+        <p:nvSpPr>
+          <p:cNvPr id="52" name="TextBox 51"/>
+          <p:cNvSpPr txBox="1"/>
+          <p:nvPr/>
+        </p:nvSpPr>
+        <p:spPr>
+          <a:xfrm>
+            <a:off x="9935428" y="5192717"/>
+            <a:ext cx="773723" cy="369332"/>
+          </a:xfrm>
+          <a:prstGeom prst="rect">
+            <a:avLst/>
+          </a:prstGeom>
+          <a:noFill/>
+        </p:spPr>
+        <p:txBody>
+          <a:bodyPr wrap="square" rtlCol="0">
+            <a:spAutoFit/>
+          </a:bodyPr>
+          <a:lstStyle/>
+          <a:p>
+            <a:r>
+              <a:rPr lang="en-US" altLang="ko-KR" dirty="0"/>
+              <a:t>1</a:t>
+            </a:r>
+            <a:r>
+              <a:rPr lang="en-US" altLang="ko-KR" dirty="0" smtClean="0"/>
+              <a:t>2</a:t>
+            </a:r>
+            <a:r>
+              <a:rPr lang="ko-KR" altLang="en-US" dirty="0" smtClean="0"/>
+              <a:t>월</a:t>
+            </a:r>
+            <a:endParaRPr lang="en-US" altLang="ko-KR" dirty="0" smtClean="0"/>
+          </a:p>
+        </p:txBody>
+      </p:sp>
+      <p:sp>
+        <p:nvSpPr>
+          <p:cNvPr id="53" name="TextBox 52"/>
+          <p:cNvSpPr txBox="1"/>
+          <p:nvPr/>
+        </p:nvSpPr>
+        <p:spPr>
+          <a:xfrm>
+            <a:off x="2159388" y="5682822"/>
+            <a:ext cx="8954089" cy="369332"/>
+          </a:xfrm>
+          <a:prstGeom prst="rect">
+            <a:avLst/>
+          </a:prstGeom>
+          <a:noFill/>
+        </p:spPr>
+        <p:txBody>
+          <a:bodyPr wrap="square" rtlCol="0">
+            <a:spAutoFit/>
+          </a:bodyPr>
+          <a:lstStyle/>
+          <a:p>
+            <a:r>
+              <a:rPr lang="ko-KR" altLang="en-US" dirty="0" smtClean="0"/>
+              <a:t>맡은 </a:t>
+            </a:r>
+            <a:r>
+              <a:rPr lang="ko-KR" altLang="en-US" dirty="0" err="1" smtClean="0"/>
+              <a:t>프로젝트명</a:t>
+            </a:r>
+            <a:r>
+              <a:rPr lang="en-US" altLang="ko-KR" dirty="0" smtClean="0"/>
+              <a:t>(</a:t>
+            </a:r>
+            <a:r>
+              <a:rPr lang="ko-KR" altLang="en-US" dirty="0" smtClean="0"/>
+              <a:t>색상</a:t>
+            </a:r>
+            <a:r>
+              <a:rPr lang="en-US" altLang="ko-KR" dirty="0" smtClean="0"/>
+              <a:t>1)</a:t>
+            </a:r>
+            <a:r>
+              <a:rPr lang="ko-KR" altLang="en-US" dirty="0" smtClean="0"/>
+              <a:t> 혹은 </a:t>
+            </a:r>
+            <a:r>
+              <a:rPr lang="ko-KR" altLang="en-US" dirty="0" err="1" smtClean="0"/>
+              <a:t>스터디</a:t>
+            </a:r>
+            <a:r>
+              <a:rPr lang="en-US" altLang="ko-KR" dirty="0" smtClean="0"/>
+              <a:t>, </a:t>
+            </a:r>
+            <a:r>
+              <a:rPr lang="ko-KR" altLang="en-US" dirty="0" smtClean="0"/>
+              <a:t>현재 </a:t>
+            </a:r>
+            <a:r>
+              <a:rPr lang="ko-KR" altLang="en-US" dirty="0" err="1" smtClean="0"/>
+              <a:t>듣고있는강의</a:t>
+            </a:r>
+            <a:r>
+              <a:rPr lang="en-US" altLang="ko-KR" dirty="0" smtClean="0"/>
+              <a:t>, </a:t>
+            </a:r>
+            <a:r>
+              <a:rPr lang="ko-KR" altLang="en-US" dirty="0" err="1" smtClean="0"/>
+              <a:t>포폴</a:t>
+            </a:r>
+            <a:r>
+              <a:rPr lang="ko-KR" altLang="en-US" dirty="0"/>
+              <a:t> </a:t>
+            </a:r>
+            <a:r>
+              <a:rPr lang="ko-KR" altLang="en-US" dirty="0" smtClean="0"/>
+              <a:t>진도</a:t>
+            </a:r>
+            <a:r>
+              <a:rPr lang="en-US" altLang="ko-KR" dirty="0" smtClean="0"/>
+              <a:t> (</a:t>
+            </a:r>
+            <a:r>
+              <a:rPr lang="ko-KR" altLang="en-US" dirty="0" smtClean="0"/>
+              <a:t>색상</a:t>
+            </a:r>
+            <a:r>
+              <a:rPr lang="en-US" altLang="ko-KR" dirty="0"/>
+              <a:t>2</a:t>
+            </a:r>
+            <a:r>
+              <a:rPr lang="en-US" altLang="ko-KR" dirty="0" smtClean="0"/>
+              <a:t>)</a:t>
+            </a:r>
+            <a:r>
+              <a:rPr lang="ko-KR" altLang="en-US" dirty="0" smtClean="0"/>
+              <a:t> </a:t>
+            </a:r>
+            <a:endParaRPr lang="en-US" altLang="ko-KR" dirty="0" smtClean="0"/>
           </a:p>
         </p:txBody>
       </p:sp>
     </p:spTree>
     <p:extLst>
       <p:ext uri="{BB962C8B-B14F-4D97-AF65-F5344CB8AC3E}">
-        <p14:creationId xmlns:p14="http://schemas.microsoft.com/office/powerpoint/2010/main" val="279036223"/>
+        <p14:creationId xmlns:p14="http://schemas.microsoft.com/office/powerpoint/2010/main" val="2733357647"/>
       </p:ext>
     </p:extLst>
   </p:cSld>
@@ -8171,7 +7927,7 @@
           <a:p>
             <a:r>
               <a:rPr lang="en-US" altLang="ko-KR" sz="2000" dirty="0" smtClean="0"/>
-              <a:t>contact(</a:t>
+              <a:t>about(</a:t>
             </a:r>
             <a:r>
               <a:rPr lang="ko-KR" altLang="en-US" sz="2000" dirty="0" err="1" smtClean="0"/>
@@ -8263,14 +8019,14 @@
       </p:sp>
       <p:sp>
         <p:nvSpPr>
-          <p:cNvPr id="2" name="직사각형 1"/>
+          <p:cNvPr id="24" name="직사각형 23"/>
           <p:cNvSpPr/>
           <p:nvPr/>
         </p:nvSpPr>
         <p:spPr>
           <a:xfrm>
-            <a:off x="633046" y="4473525"/>
-            <a:ext cx="11043139" cy="1871003"/>
+            <a:off x="634411" y="1280159"/>
+            <a:ext cx="10986868" cy="4726745"/>
           </a:xfrm>
           <a:prstGeom prst="rect">
             <a:avLst/>
@@ -8309,8 +8065,8 @@
         </p:nvSpPr>
         <p:spPr>
           <a:xfrm>
-            <a:off x="796872" y="4971193"/>
-            <a:ext cx="10661946" cy="646331"/>
+            <a:off x="634411" y="1414225"/>
+            <a:ext cx="7697339" cy="369332"/>
           </a:xfrm>
           <a:prstGeom prst="rect">
             <a:avLst/>
@@ -8323,51 +8079,36 @@
           </a:bodyPr>
           <a:lstStyle/>
           <a:p>
-            <a:pPr algn="ctr"/>
-            <a:r>
-              <a:rPr lang="en-US" altLang="ko-KR" dirty="0" err="1" smtClean="0"/>
-              <a:t>s.n.s</a:t>
-            </a:r>
-            <a:endParaRPr lang="en-US" altLang="ko-KR" dirty="0" smtClean="0"/>
-          </a:p>
-          <a:p>
-            <a:pPr algn="ctr"/>
-            <a:r>
-              <a:rPr lang="en-US" altLang="ko-KR" dirty="0" err="1" smtClean="0"/>
-              <a:t>Hp</a:t>
-            </a:r>
             <a:r>
               <a:rPr lang="en-US" altLang="ko-KR" dirty="0" smtClean="0"/>
-              <a:t> / email</a:t>
-            </a:r>
-          </a:p>
-        </p:txBody>
-      </p:sp>
-      <p:sp>
-        <p:nvSpPr>
-          <p:cNvPr id="22" name="직사각형 21"/>
+              <a:t>portfolio</a:t>
+            </a:r>
+          </a:p>
+        </p:txBody>
+      </p:sp>
+      <p:sp>
+        <p:nvSpPr>
+          <p:cNvPr id="26" name="직사각형 25"/>
           <p:cNvSpPr/>
           <p:nvPr/>
         </p:nvSpPr>
         <p:spPr>
           <a:xfrm>
-            <a:off x="633047" y="1186251"/>
-            <a:ext cx="11074900" cy="3057938"/>
+            <a:off x="799547" y="1963376"/>
+            <a:ext cx="5010410" cy="3452686"/>
           </a:xfrm>
           <a:prstGeom prst="rect">
             <a:avLst/>
           </a:prstGeom>
         </p:spPr>
         <p:style>
-          <a:lnRef idx="2">
-            <a:schemeClr val="accent3">
-              <a:shade val="50000"/>
-            </a:schemeClr>
+          <a:lnRef idx="3">
+            <a:schemeClr val="lt1"/>
           </a:lnRef>
           <a:fillRef idx="1">
             <a:schemeClr val="accent3"/>
           </a:fillRef>
-          <a:effectRef idx="0">
+          <a:effectRef idx="1">
             <a:schemeClr val="accent3"/>
           </a:effectRef>
           <a:fontRef idx="minor">
@@ -8385,14 +8126,14 @@
       </p:sp>
       <p:sp>
         <p:nvSpPr>
-          <p:cNvPr id="23" name="TextBox 22"/>
+          <p:cNvPr id="43" name="TextBox 42"/>
           <p:cNvSpPr txBox="1"/>
           <p:nvPr/>
         </p:nvSpPr>
         <p:spPr>
           <a:xfrm>
-            <a:off x="633046" y="2093091"/>
-            <a:ext cx="10661946" cy="369332"/>
+            <a:off x="951947" y="3778940"/>
+            <a:ext cx="4680432" cy="646331"/>
           </a:xfrm>
           <a:prstGeom prst="rect">
             <a:avLst/>
@@ -8405,39 +8146,402 @@
           </a:bodyPr>
           <a:lstStyle/>
           <a:p>
+            <a:r>
+              <a:rPr lang="ko-KR" altLang="en-US" dirty="0" err="1" smtClean="0"/>
+              <a:t>두번째</a:t>
+            </a:r>
+            <a:r>
+              <a:rPr lang="ko-KR" altLang="en-US" dirty="0" smtClean="0"/>
+              <a:t> 포트폴리오 </a:t>
+            </a:r>
+            <a:endParaRPr lang="en-US" altLang="ko-KR" dirty="0" smtClean="0"/>
+          </a:p>
+          <a:p>
+            <a:pPr algn="r"/>
+            <a:r>
+              <a:rPr lang="ko-KR" altLang="en-US" dirty="0" smtClean="0"/>
+              <a:t>제작 월</a:t>
+            </a:r>
+            <a:endParaRPr lang="ko-KR" altLang="en-US" dirty="0"/>
+          </a:p>
+        </p:txBody>
+      </p:sp>
+      <p:sp>
+        <p:nvSpPr>
+          <p:cNvPr id="44" name="직사각형 43"/>
+          <p:cNvSpPr/>
+          <p:nvPr/>
+        </p:nvSpPr>
+        <p:spPr>
+          <a:xfrm>
+            <a:off x="1790824" y="4661907"/>
+            <a:ext cx="2827404" cy="504094"/>
+          </a:xfrm>
+          <a:prstGeom prst="rect">
+            <a:avLst/>
+          </a:prstGeom>
+        </p:spPr>
+        <p:style>
+          <a:lnRef idx="2">
+            <a:schemeClr val="accent1">
+              <a:shade val="50000"/>
+            </a:schemeClr>
+          </a:lnRef>
+          <a:fillRef idx="1">
+            <a:schemeClr val="accent1"/>
+          </a:fillRef>
+          <a:effectRef idx="0">
+            <a:schemeClr val="accent1"/>
+          </a:effectRef>
+          <a:fontRef idx="minor">
+            <a:schemeClr val="lt1"/>
+          </a:fontRef>
+        </p:style>
+        <p:txBody>
+          <a:bodyPr rtlCol="0" anchor="ctr"/>
+          <a:lstStyle/>
+          <a:p>
             <a:pPr algn="ctr"/>
-            <a:r>
-              <a:rPr lang="en-US" altLang="ko-KR" dirty="0" err="1" smtClean="0"/>
-              <a:t>Svg</a:t>
-            </a:r>
+            <a:endParaRPr lang="ko-KR" altLang="en-US"/>
+          </a:p>
+        </p:txBody>
+      </p:sp>
+      <p:sp>
+        <p:nvSpPr>
+          <p:cNvPr id="45" name="TextBox 44"/>
+          <p:cNvSpPr txBox="1"/>
+          <p:nvPr/>
+        </p:nvSpPr>
+        <p:spPr>
+          <a:xfrm>
+            <a:off x="2903470" y="4729001"/>
+            <a:ext cx="646331" cy="369332"/>
+          </a:xfrm>
+          <a:prstGeom prst="rect">
+            <a:avLst/>
+          </a:prstGeom>
+          <a:noFill/>
+        </p:spPr>
+        <p:txBody>
+          <a:bodyPr wrap="none" rtlCol="0">
+            <a:spAutoFit/>
+          </a:bodyPr>
+          <a:lstStyle/>
+          <a:p>
             <a:r>
               <a:rPr lang="ko-KR" altLang="en-US" dirty="0" smtClean="0"/>
-              <a:t>로 </a:t>
-            </a:r>
-            <a:r>
-              <a:rPr lang="en-US" altLang="ko-KR" dirty="0" smtClean="0"/>
-              <a:t>‘</a:t>
-            </a:r>
-            <a:r>
-              <a:rPr lang="en-US" altLang="ko-KR" dirty="0" err="1" smtClean="0"/>
-              <a:t>JS.Choi</a:t>
-            </a:r>
-            <a:r>
-              <a:rPr lang="en-US" altLang="ko-KR" dirty="0" smtClean="0"/>
-              <a:t>’ </a:t>
+              <a:t>보기</a:t>
+            </a:r>
+            <a:endParaRPr lang="ko-KR" altLang="en-US" dirty="0"/>
+          </a:p>
+        </p:txBody>
+      </p:sp>
+      <p:sp>
+        <p:nvSpPr>
+          <p:cNvPr id="17" name="직사각형 16"/>
+          <p:cNvSpPr/>
+          <p:nvPr/>
+        </p:nvSpPr>
+        <p:spPr>
+          <a:xfrm>
+            <a:off x="951947" y="2064109"/>
+            <a:ext cx="4680432" cy="1514484"/>
+          </a:xfrm>
+          <a:prstGeom prst="rect">
+            <a:avLst/>
+          </a:prstGeom>
+        </p:spPr>
+        <p:style>
+          <a:lnRef idx="3">
+            <a:schemeClr val="lt1"/>
+          </a:lnRef>
+          <a:fillRef idx="1">
+            <a:schemeClr val="dk1"/>
+          </a:fillRef>
+          <a:effectRef idx="1">
+            <a:schemeClr val="dk1"/>
+          </a:effectRef>
+          <a:fontRef idx="minor">
+            <a:schemeClr val="lt1"/>
+          </a:fontRef>
+        </p:style>
+        <p:txBody>
+          <a:bodyPr rtlCol="0" anchor="ctr"/>
+          <a:lstStyle/>
+          <a:p>
+            <a:pPr algn="ctr"/>
+            <a:endParaRPr lang="ko-KR" altLang="en-US"/>
+          </a:p>
+        </p:txBody>
+      </p:sp>
+      <p:sp>
+        <p:nvSpPr>
+          <p:cNvPr id="16" name="TextBox 15"/>
+          <p:cNvSpPr txBox="1"/>
+          <p:nvPr/>
+        </p:nvSpPr>
+        <p:spPr>
+          <a:xfrm>
+            <a:off x="3012845" y="2760429"/>
+            <a:ext cx="583814" cy="369332"/>
+          </a:xfrm>
+          <a:prstGeom prst="rect">
+            <a:avLst/>
+          </a:prstGeom>
+          <a:noFill/>
+        </p:spPr>
+        <p:txBody>
+          <a:bodyPr wrap="none" rtlCol="0">
+            <a:spAutoFit/>
+          </a:bodyPr>
+          <a:lstStyle/>
+          <a:p>
+            <a:r>
+              <a:rPr lang="en-US" altLang="ko-KR" dirty="0" err="1" smtClean="0">
+                <a:solidFill>
+                  <a:schemeClr val="bg1"/>
+                </a:solidFill>
+              </a:rPr>
+              <a:t>img</a:t>
+            </a:r>
+            <a:endParaRPr lang="ko-KR" altLang="en-US" dirty="0">
+              <a:solidFill>
+                <a:schemeClr val="bg1"/>
+              </a:solidFill>
+            </a:endParaRPr>
+          </a:p>
+        </p:txBody>
+      </p:sp>
+      <p:sp>
+        <p:nvSpPr>
+          <p:cNvPr id="19" name="직사각형 18"/>
+          <p:cNvSpPr/>
+          <p:nvPr/>
+        </p:nvSpPr>
+        <p:spPr>
+          <a:xfrm>
+            <a:off x="6471256" y="1963376"/>
+            <a:ext cx="5010410" cy="3452686"/>
+          </a:xfrm>
+          <a:prstGeom prst="rect">
+            <a:avLst/>
+          </a:prstGeom>
+        </p:spPr>
+        <p:style>
+          <a:lnRef idx="3">
+            <a:schemeClr val="lt1"/>
+          </a:lnRef>
+          <a:fillRef idx="1">
+            <a:schemeClr val="accent3"/>
+          </a:fillRef>
+          <a:effectRef idx="1">
+            <a:schemeClr val="accent3"/>
+          </a:effectRef>
+          <a:fontRef idx="minor">
+            <a:schemeClr val="lt1"/>
+          </a:fontRef>
+        </p:style>
+        <p:txBody>
+          <a:bodyPr rtlCol="0" anchor="ctr"/>
+          <a:lstStyle/>
+          <a:p>
+            <a:pPr algn="ctr"/>
+            <a:endParaRPr lang="ko-KR" altLang="en-US"/>
+          </a:p>
+        </p:txBody>
+      </p:sp>
+      <p:sp>
+        <p:nvSpPr>
+          <p:cNvPr id="20" name="TextBox 19"/>
+          <p:cNvSpPr txBox="1"/>
+          <p:nvPr/>
+        </p:nvSpPr>
+        <p:spPr>
+          <a:xfrm>
+            <a:off x="6623656" y="3778940"/>
+            <a:ext cx="4680432" cy="646331"/>
+          </a:xfrm>
+          <a:prstGeom prst="rect">
+            <a:avLst/>
+          </a:prstGeom>
+          <a:noFill/>
+        </p:spPr>
+        <p:txBody>
+          <a:bodyPr wrap="square" rtlCol="0">
+            <a:spAutoFit/>
+          </a:bodyPr>
+          <a:lstStyle/>
+          <a:p>
+            <a:r>
+              <a:rPr lang="ko-KR" altLang="en-US" dirty="0" err="1" smtClean="0"/>
+              <a:t>두번째</a:t>
             </a:r>
             <a:r>
               <a:rPr lang="ko-KR" altLang="en-US" dirty="0" smtClean="0"/>
-              <a:t>그리기</a:t>
+              <a:t> 포트폴리오 </a:t>
             </a:r>
             <a:endParaRPr lang="en-US" altLang="ko-KR" dirty="0" smtClean="0"/>
+          </a:p>
+          <a:p>
+            <a:pPr algn="r"/>
+            <a:r>
+              <a:rPr lang="ko-KR" altLang="en-US" dirty="0" smtClean="0"/>
+              <a:t>제작 월</a:t>
+            </a:r>
+            <a:endParaRPr lang="ko-KR" altLang="en-US" dirty="0"/>
+          </a:p>
+        </p:txBody>
+      </p:sp>
+      <p:sp>
+        <p:nvSpPr>
+          <p:cNvPr id="21" name="직사각형 20"/>
+          <p:cNvSpPr/>
+          <p:nvPr/>
+        </p:nvSpPr>
+        <p:spPr>
+          <a:xfrm>
+            <a:off x="7462533" y="4661907"/>
+            <a:ext cx="2827404" cy="504094"/>
+          </a:xfrm>
+          <a:prstGeom prst="rect">
+            <a:avLst/>
+          </a:prstGeom>
+        </p:spPr>
+        <p:style>
+          <a:lnRef idx="2">
+            <a:schemeClr val="accent1">
+              <a:shade val="50000"/>
+            </a:schemeClr>
+          </a:lnRef>
+          <a:fillRef idx="1">
+            <a:schemeClr val="accent1"/>
+          </a:fillRef>
+          <a:effectRef idx="0">
+            <a:schemeClr val="accent1"/>
+          </a:effectRef>
+          <a:fontRef idx="minor">
+            <a:schemeClr val="lt1"/>
+          </a:fontRef>
+        </p:style>
+        <p:txBody>
+          <a:bodyPr rtlCol="0" anchor="ctr"/>
+          <a:lstStyle/>
+          <a:p>
+            <a:pPr algn="ctr"/>
+            <a:endParaRPr lang="ko-KR" altLang="en-US"/>
+          </a:p>
+        </p:txBody>
+      </p:sp>
+      <p:sp>
+        <p:nvSpPr>
+          <p:cNvPr id="28" name="TextBox 27"/>
+          <p:cNvSpPr txBox="1"/>
+          <p:nvPr/>
+        </p:nvSpPr>
+        <p:spPr>
+          <a:xfrm>
+            <a:off x="8575179" y="4729001"/>
+            <a:ext cx="646331" cy="369332"/>
+          </a:xfrm>
+          <a:prstGeom prst="rect">
+            <a:avLst/>
+          </a:prstGeom>
+          <a:noFill/>
+        </p:spPr>
+        <p:txBody>
+          <a:bodyPr wrap="none" rtlCol="0">
+            <a:spAutoFit/>
+          </a:bodyPr>
+          <a:lstStyle/>
+          <a:p>
+            <a:r>
+              <a:rPr lang="ko-KR" altLang="en-US" dirty="0" smtClean="0"/>
+              <a:t>보기</a:t>
+            </a:r>
+            <a:endParaRPr lang="ko-KR" altLang="en-US" dirty="0"/>
+          </a:p>
+        </p:txBody>
+      </p:sp>
+      <p:sp>
+        <p:nvSpPr>
+          <p:cNvPr id="29" name="직사각형 28"/>
+          <p:cNvSpPr/>
+          <p:nvPr/>
+        </p:nvSpPr>
+        <p:spPr>
+          <a:xfrm>
+            <a:off x="6623656" y="2064109"/>
+            <a:ext cx="4680432" cy="1514484"/>
+          </a:xfrm>
+          <a:prstGeom prst="rect">
+            <a:avLst/>
+          </a:prstGeom>
+        </p:spPr>
+        <p:style>
+          <a:lnRef idx="3">
+            <a:schemeClr val="lt1"/>
+          </a:lnRef>
+          <a:fillRef idx="1">
+            <a:schemeClr val="dk1"/>
+          </a:fillRef>
+          <a:effectRef idx="1">
+            <a:schemeClr val="dk1"/>
+          </a:effectRef>
+          <a:fontRef idx="minor">
+            <a:schemeClr val="lt1"/>
+          </a:fontRef>
+        </p:style>
+        <p:txBody>
+          <a:bodyPr rtlCol="0" anchor="ctr"/>
+          <a:lstStyle/>
+          <a:p>
+            <a:pPr algn="ctr"/>
+            <a:endParaRPr lang="ko-KR" altLang="en-US"/>
+          </a:p>
+        </p:txBody>
+      </p:sp>
+      <p:sp>
+        <p:nvSpPr>
+          <p:cNvPr id="30" name="TextBox 29"/>
+          <p:cNvSpPr txBox="1"/>
+          <p:nvPr/>
+        </p:nvSpPr>
+        <p:spPr>
+          <a:xfrm>
+            <a:off x="8684554" y="2760429"/>
+            <a:ext cx="583814" cy="369332"/>
+          </a:xfrm>
+          <a:prstGeom prst="rect">
+            <a:avLst/>
+          </a:prstGeom>
+          <a:noFill/>
+        </p:spPr>
+        <p:txBody>
+          <a:bodyPr wrap="none" rtlCol="0">
+            <a:spAutoFit/>
+          </a:bodyPr>
+          <a:lstStyle/>
+          <a:p>
+            <a:r>
+              <a:rPr lang="en-US" altLang="ko-KR" dirty="0" err="1" smtClean="0">
+                <a:solidFill>
+                  <a:schemeClr val="bg1"/>
+                </a:solidFill>
+              </a:rPr>
+              <a:t>img</a:t>
+            </a:r>
+            <a:endParaRPr lang="ko-KR" altLang="en-US" dirty="0">
+              <a:solidFill>
+                <a:schemeClr val="bg1"/>
+              </a:solidFill>
+            </a:endParaRPr>
           </a:p>
         </p:txBody>
       </p:sp>
     </p:spTree>
     <p:extLst>
       <p:ext uri="{BB962C8B-B14F-4D97-AF65-F5344CB8AC3E}">
-        <p14:creationId xmlns:p14="http://schemas.microsoft.com/office/powerpoint/2010/main" val="2379245335"/>
+        <p14:creationId xmlns:p14="http://schemas.microsoft.com/office/powerpoint/2010/main" val="279036223"/>
       </p:ext>
     </p:extLst>
   </p:cSld>
